--- a/AZ FW Rule Logic.pptx
+++ b/AZ FW Rule Logic.pptx
@@ -3815,7 +3815,7 @@
         </p:nvCxnSpPr>
         <p:spPr>
           <a:xfrm>
-            <a:off x="9647339" y="1690688"/>
+            <a:off x="9479560" y="1690687"/>
             <a:ext cx="0" cy="4574795"/>
           </a:xfrm>
           <a:prstGeom prst="straightConnector1">
@@ -3843,6 +3843,202 @@
           </a:fontRef>
         </p:style>
       </p:cxnSp>
+      <p:sp>
+        <p:nvSpPr>
+          <p:cNvPr id="18" name="Rectangle 17">
+            <a:extLst>
+              <a:ext uri="{FF2B5EF4-FFF2-40B4-BE49-F238E27FC236}">
+                <a16:creationId xmlns:a16="http://schemas.microsoft.com/office/drawing/2014/main" id="{3F94D47D-0D3E-4959-A5FE-2FC318854495}"/>
+              </a:ext>
+            </a:extLst>
+          </p:cNvPr>
+          <p:cNvSpPr/>
+          <p:nvPr/>
+        </p:nvSpPr>
+        <p:spPr>
+          <a:xfrm>
+            <a:off x="10472258" y="2110137"/>
+            <a:ext cx="978714" cy="838899"/>
+          </a:xfrm>
+          <a:prstGeom prst="rect">
+            <a:avLst/>
+          </a:prstGeom>
+          <a:solidFill>
+            <a:schemeClr val="accent2">
+              <a:lumMod val="60000"/>
+              <a:lumOff val="40000"/>
+            </a:schemeClr>
+          </a:solidFill>
+        </p:spPr>
+        <p:style>
+          <a:lnRef idx="2">
+            <a:schemeClr val="accent1">
+              <a:shade val="50000"/>
+            </a:schemeClr>
+          </a:lnRef>
+          <a:fillRef idx="1">
+            <a:schemeClr val="accent1"/>
+          </a:fillRef>
+          <a:effectRef idx="0">
+            <a:schemeClr val="accent1"/>
+          </a:effectRef>
+          <a:fontRef idx="minor">
+            <a:schemeClr val="lt1"/>
+          </a:fontRef>
+        </p:style>
+        <p:txBody>
+          <a:bodyPr rtlCol="0" anchor="ctr"/>
+          <a:lstStyle/>
+          <a:p>
+            <a:pPr algn="ctr"/>
+            <a:r>
+              <a:rPr lang="en-US" dirty="0">
+                <a:hlinkClick r:id="rId6"/>
+              </a:rPr>
+              <a:t>DNAT Rule</a:t>
+            </a:r>
+            <a:endParaRPr lang="en-US" dirty="0"/>
+          </a:p>
+        </p:txBody>
+      </p:sp>
+      <p:sp>
+        <p:nvSpPr>
+          <p:cNvPr id="20" name="Rectangle 19">
+            <a:extLst>
+              <a:ext uri="{FF2B5EF4-FFF2-40B4-BE49-F238E27FC236}">
+                <a16:creationId xmlns:a16="http://schemas.microsoft.com/office/drawing/2014/main" id="{E379D73C-F32F-45DF-8338-B650FC2345BC}"/>
+              </a:ext>
+            </a:extLst>
+          </p:cNvPr>
+          <p:cNvSpPr/>
+          <p:nvPr/>
+        </p:nvSpPr>
+        <p:spPr>
+          <a:xfrm>
+            <a:off x="9752201" y="3009550"/>
+            <a:ext cx="1138106" cy="838899"/>
+          </a:xfrm>
+          <a:prstGeom prst="rect">
+            <a:avLst/>
+          </a:prstGeom>
+          <a:solidFill>
+            <a:schemeClr val="accent2">
+              <a:lumMod val="60000"/>
+              <a:lumOff val="40000"/>
+            </a:schemeClr>
+          </a:solidFill>
+        </p:spPr>
+        <p:style>
+          <a:lnRef idx="2">
+            <a:schemeClr val="accent4">
+              <a:shade val="50000"/>
+            </a:schemeClr>
+          </a:lnRef>
+          <a:fillRef idx="1">
+            <a:schemeClr val="accent4"/>
+          </a:fillRef>
+          <a:effectRef idx="0">
+            <a:schemeClr val="accent4"/>
+          </a:effectRef>
+          <a:fontRef idx="minor">
+            <a:schemeClr val="lt1"/>
+          </a:fontRef>
+        </p:style>
+        <p:txBody>
+          <a:bodyPr rtlCol="0" anchor="ctr"/>
+          <a:lstStyle/>
+          <a:p>
+            <a:pPr algn="ctr"/>
+            <a:r>
+              <a:rPr lang="en-US" sz="1200" dirty="0"/>
+              <a:t>Default implicit</a:t>
+            </a:r>
+          </a:p>
+          <a:p>
+            <a:pPr algn="ctr"/>
+            <a:r>
+              <a:rPr lang="en-US" sz="1200" dirty="0"/>
+              <a:t>Network Rule</a:t>
+            </a:r>
+          </a:p>
+          <a:p>
+            <a:pPr algn="ctr"/>
+            <a:r>
+              <a:rPr lang="en-US" sz="1200" dirty="0"/>
+              <a:t>Created</a:t>
+            </a:r>
+          </a:p>
+        </p:txBody>
+      </p:sp>
+      <p:sp>
+        <p:nvSpPr>
+          <p:cNvPr id="22" name="Rectangle 21">
+            <a:extLst>
+              <a:ext uri="{FF2B5EF4-FFF2-40B4-BE49-F238E27FC236}">
+                <a16:creationId xmlns:a16="http://schemas.microsoft.com/office/drawing/2014/main" id="{8EF81776-B331-4D43-AB55-64128615F3B6}"/>
+              </a:ext>
+            </a:extLst>
+          </p:cNvPr>
+          <p:cNvSpPr/>
+          <p:nvPr/>
+        </p:nvSpPr>
+        <p:spPr>
+          <a:xfrm>
+            <a:off x="11053894" y="3009549"/>
+            <a:ext cx="1138106" cy="838899"/>
+          </a:xfrm>
+          <a:prstGeom prst="rect">
+            <a:avLst/>
+          </a:prstGeom>
+          <a:solidFill>
+            <a:schemeClr val="accent2">
+              <a:lumMod val="60000"/>
+              <a:lumOff val="40000"/>
+            </a:schemeClr>
+          </a:solidFill>
+        </p:spPr>
+        <p:style>
+          <a:lnRef idx="2">
+            <a:schemeClr val="accent4">
+              <a:shade val="50000"/>
+            </a:schemeClr>
+          </a:lnRef>
+          <a:fillRef idx="1">
+            <a:schemeClr val="accent4"/>
+          </a:fillRef>
+          <a:effectRef idx="0">
+            <a:schemeClr val="accent4"/>
+          </a:effectRef>
+          <a:fontRef idx="minor">
+            <a:schemeClr val="lt1"/>
+          </a:fontRef>
+        </p:style>
+        <p:txBody>
+          <a:bodyPr rtlCol="0" anchor="ctr"/>
+          <a:lstStyle/>
+          <a:p>
+            <a:pPr algn="ctr"/>
+            <a:r>
+              <a:rPr lang="en-US" sz="1200" dirty="0"/>
+              <a:t>Explicit Deny</a:t>
+            </a:r>
+          </a:p>
+          <a:p>
+            <a:pPr algn="ctr"/>
+            <a:r>
+              <a:rPr lang="en-US" sz="1200" dirty="0"/>
+              <a:t>Network Rule</a:t>
+            </a:r>
+          </a:p>
+          <a:p>
+            <a:pPr algn="ctr"/>
+            <a:r>
+              <a:rPr lang="en-US" sz="1200" dirty="0"/>
+              <a:t>User must generate</a:t>
+            </a:r>
+          </a:p>
+        </p:txBody>
+      </p:sp>
     </p:spTree>
     <p:extLst>
       <p:ext uri="{BB962C8B-B14F-4D97-AF65-F5344CB8AC3E}">

--- a/AZ FW Rule Logic.pptx
+++ b/AZ FW Rule Logic.pptx
@@ -5,8 +5,7 @@
     <p:sldMasterId id="2147483648" r:id="rId1"/>
   </p:sldMasterIdLst>
   <p:sldIdLst>
-    <p:sldId id="256" r:id="rId2"/>
-    <p:sldId id="257" r:id="rId3"/>
+    <p:sldId id="257" r:id="rId2"/>
   </p:sldIdLst>
   <p:sldSz cx="12192000" cy="6858000"/>
   <p:notesSz cx="6858000" cy="9144000"/>
@@ -3327,86 +3326,6 @@
           <p:cNvPr id="2" name="Title 1">
             <a:extLst>
               <a:ext uri="{FF2B5EF4-FFF2-40B4-BE49-F238E27FC236}">
-                <a16:creationId xmlns:a16="http://schemas.microsoft.com/office/drawing/2014/main" id="{9AB3A0BD-62CA-49ED-85D5-EF11B1FFFD1B}"/>
-              </a:ext>
-            </a:extLst>
-          </p:cNvPr>
-          <p:cNvSpPr>
-            <a:spLocks noGrp="1"/>
-          </p:cNvSpPr>
-          <p:nvPr>
-            <p:ph type="ctrTitle"/>
-          </p:nvPr>
-        </p:nvSpPr>
-        <p:spPr/>
-        <p:txBody>
-          <a:bodyPr/>
-          <a:lstStyle/>
-          <a:p>
-            <a:endParaRPr lang="en-US"/>
-          </a:p>
-        </p:txBody>
-      </p:sp>
-      <p:sp>
-        <p:nvSpPr>
-          <p:cNvPr id="3" name="Subtitle 2">
-            <a:extLst>
-              <a:ext uri="{FF2B5EF4-FFF2-40B4-BE49-F238E27FC236}">
-                <a16:creationId xmlns:a16="http://schemas.microsoft.com/office/drawing/2014/main" id="{92D80DA4-8800-4685-8141-E73E5117E8E7}"/>
-              </a:ext>
-            </a:extLst>
-          </p:cNvPr>
-          <p:cNvSpPr>
-            <a:spLocks noGrp="1"/>
-          </p:cNvSpPr>
-          <p:nvPr>
-            <p:ph type="subTitle" idx="1"/>
-          </p:nvPr>
-        </p:nvSpPr>
-        <p:spPr/>
-        <p:txBody>
-          <a:bodyPr/>
-          <a:lstStyle/>
-          <a:p>
-            <a:endParaRPr lang="en-US"/>
-          </a:p>
-        </p:txBody>
-      </p:sp>
-    </p:spTree>
-    <p:extLst>
-      <p:ext uri="{BB962C8B-B14F-4D97-AF65-F5344CB8AC3E}">
-        <p14:creationId xmlns:p14="http://schemas.microsoft.com/office/powerpoint/2010/main" val="1478493859"/>
-      </p:ext>
-    </p:extLst>
-  </p:cSld>
-  <p:clrMapOvr>
-    <a:masterClrMapping/>
-  </p:clrMapOvr>
-</p:sld>
-</file>
-
-<file path=ppt/slides/slide2.xml><?xml version="1.0" encoding="utf-8"?>
-<p:sld xmlns:a="http://schemas.openxmlformats.org/drawingml/2006/main" xmlns:r="http://schemas.openxmlformats.org/officeDocument/2006/relationships" xmlns:p="http://schemas.openxmlformats.org/presentationml/2006/main">
-  <p:cSld>
-    <p:spTree>
-      <p:nvGrpSpPr>
-        <p:cNvPr id="1" name=""/>
-        <p:cNvGrpSpPr/>
-        <p:nvPr/>
-      </p:nvGrpSpPr>
-      <p:grpSpPr>
-        <a:xfrm>
-          <a:off x="0" y="0"/>
-          <a:ext cx="0" cy="0"/>
-          <a:chOff x="0" y="0"/>
-          <a:chExt cx="0" cy="0"/>
-        </a:xfrm>
-      </p:grpSpPr>
-      <p:sp>
-        <p:nvSpPr>
-          <p:cNvPr id="2" name="Title 1">
-            <a:extLst>
-              <a:ext uri="{FF2B5EF4-FFF2-40B4-BE49-F238E27FC236}">
                 <a16:creationId xmlns:a16="http://schemas.microsoft.com/office/drawing/2014/main" id="{FB1201D2-EB46-46D4-AB42-22273B8975C9}"/>
               </a:ext>
             </a:extLst>

--- a/AZ FW Rule Logic.pptx
+++ b/AZ FW Rule Logic.pptx
@@ -4,8 +4,12 @@
   <p:sldMasterIdLst>
     <p:sldMasterId id="2147483648" r:id="rId1"/>
   </p:sldMasterIdLst>
+  <p:notesMasterIdLst>
+    <p:notesMasterId r:id="rId4"/>
+  </p:notesMasterIdLst>
   <p:sldIdLst>
-    <p:sldId id="257" r:id="rId2"/>
+    <p:sldId id="258" r:id="rId2"/>
+    <p:sldId id="257" r:id="rId3"/>
   </p:sldIdLst>
   <p:sldSz cx="12192000" cy="6858000"/>
   <p:notesSz cx="6858000" cy="9144000"/>
@@ -104,7 +108,535 @@
       </a:defRPr>
     </a:lvl9pPr>
   </p:defaultTextStyle>
+  <p:extLst>
+    <p:ext uri="{EFAFB233-063F-42B5-8137-9DF3F51BA10A}">
+      <p15:sldGuideLst xmlns:p15="http://schemas.microsoft.com/office/powerpoint/2012/main"/>
+    </p:ext>
+  </p:extLst>
 </p:presentation>
+</file>
+
+<file path=ppt/notesMasters/notesMaster1.xml><?xml version="1.0" encoding="utf-8"?>
+<p:notesMaster xmlns:a="http://schemas.openxmlformats.org/drawingml/2006/main" xmlns:r="http://schemas.openxmlformats.org/officeDocument/2006/relationships" xmlns:p="http://schemas.openxmlformats.org/presentationml/2006/main">
+  <p:cSld>
+    <p:bg>
+      <p:bgRef idx="1001">
+        <a:schemeClr val="bg1"/>
+      </p:bgRef>
+    </p:bg>
+    <p:spTree>
+      <p:nvGrpSpPr>
+        <p:cNvPr id="1" name=""/>
+        <p:cNvGrpSpPr/>
+        <p:nvPr/>
+      </p:nvGrpSpPr>
+      <p:grpSpPr>
+        <a:xfrm>
+          <a:off x="0" y="0"/>
+          <a:ext cx="0" cy="0"/>
+          <a:chOff x="0" y="0"/>
+          <a:chExt cx="0" cy="0"/>
+        </a:xfrm>
+      </p:grpSpPr>
+      <p:sp>
+        <p:nvSpPr>
+          <p:cNvPr id="2" name="Header Placeholder 1"/>
+          <p:cNvSpPr>
+            <a:spLocks noGrp="1"/>
+          </p:cNvSpPr>
+          <p:nvPr>
+            <p:ph type="hdr" sz="quarter"/>
+          </p:nvPr>
+        </p:nvSpPr>
+        <p:spPr>
+          <a:xfrm>
+            <a:off x="0" y="0"/>
+            <a:ext cx="2971800" cy="458788"/>
+          </a:xfrm>
+          <a:prstGeom prst="rect">
+            <a:avLst/>
+          </a:prstGeom>
+        </p:spPr>
+        <p:txBody>
+          <a:bodyPr vert="horz" lIns="91440" tIns="45720" rIns="91440" bIns="45720" rtlCol="0"/>
+          <a:lstStyle>
+            <a:lvl1pPr algn="l">
+              <a:defRPr sz="1200"/>
+            </a:lvl1pPr>
+          </a:lstStyle>
+          <a:p>
+            <a:endParaRPr lang="en-US"/>
+          </a:p>
+        </p:txBody>
+      </p:sp>
+      <p:sp>
+        <p:nvSpPr>
+          <p:cNvPr id="3" name="Date Placeholder 2"/>
+          <p:cNvSpPr>
+            <a:spLocks noGrp="1"/>
+          </p:cNvSpPr>
+          <p:nvPr>
+            <p:ph type="dt" idx="1"/>
+          </p:nvPr>
+        </p:nvSpPr>
+        <p:spPr>
+          <a:xfrm>
+            <a:off x="3884613" y="0"/>
+            <a:ext cx="2971800" cy="458788"/>
+          </a:xfrm>
+          <a:prstGeom prst="rect">
+            <a:avLst/>
+          </a:prstGeom>
+        </p:spPr>
+        <p:txBody>
+          <a:bodyPr vert="horz" lIns="91440" tIns="45720" rIns="91440" bIns="45720" rtlCol="0"/>
+          <a:lstStyle>
+            <a:lvl1pPr algn="r">
+              <a:defRPr sz="1200"/>
+            </a:lvl1pPr>
+          </a:lstStyle>
+          <a:p>
+            <a:fld id="{ECA324CA-3E34-41A7-8C47-61D6B730EBBD}" type="datetimeFigureOut">
+              <a:rPr lang="en-US" smtClean="0"/>
+              <a:t>2/21/2021</a:t>
+            </a:fld>
+            <a:endParaRPr lang="en-US"/>
+          </a:p>
+        </p:txBody>
+      </p:sp>
+      <p:sp>
+        <p:nvSpPr>
+          <p:cNvPr id="4" name="Slide Image Placeholder 3"/>
+          <p:cNvSpPr>
+            <a:spLocks noGrp="1" noRot="1" noChangeAspect="1"/>
+          </p:cNvSpPr>
+          <p:nvPr>
+            <p:ph type="sldImg" idx="2"/>
+          </p:nvPr>
+        </p:nvSpPr>
+        <p:spPr>
+          <a:xfrm>
+            <a:off x="685800" y="1143000"/>
+            <a:ext cx="5486400" cy="3086100"/>
+          </a:xfrm>
+          <a:prstGeom prst="rect">
+            <a:avLst/>
+          </a:prstGeom>
+          <a:noFill/>
+          <a:ln w="12700">
+            <a:solidFill>
+              <a:prstClr val="black"/>
+            </a:solidFill>
+          </a:ln>
+        </p:spPr>
+        <p:txBody>
+          <a:bodyPr vert="horz" lIns="91440" tIns="45720" rIns="91440" bIns="45720" rtlCol="0" anchor="ctr"/>
+          <a:lstStyle/>
+          <a:p>
+            <a:endParaRPr lang="en-US"/>
+          </a:p>
+        </p:txBody>
+      </p:sp>
+      <p:sp>
+        <p:nvSpPr>
+          <p:cNvPr id="5" name="Notes Placeholder 4"/>
+          <p:cNvSpPr>
+            <a:spLocks noGrp="1"/>
+          </p:cNvSpPr>
+          <p:nvPr>
+            <p:ph type="body" sz="quarter" idx="3"/>
+          </p:nvPr>
+        </p:nvSpPr>
+        <p:spPr>
+          <a:xfrm>
+            <a:off x="685800" y="4400550"/>
+            <a:ext cx="5486400" cy="3600450"/>
+          </a:xfrm>
+          <a:prstGeom prst="rect">
+            <a:avLst/>
+          </a:prstGeom>
+        </p:spPr>
+        <p:txBody>
+          <a:bodyPr vert="horz" lIns="91440" tIns="45720" rIns="91440" bIns="45720" rtlCol="0"/>
+          <a:lstStyle/>
+          <a:p>
+            <a:pPr lvl="0"/>
+            <a:r>
+              <a:rPr lang="en-US"/>
+              <a:t>Click to edit Master text styles</a:t>
+            </a:r>
+          </a:p>
+          <a:p>
+            <a:pPr lvl="1"/>
+            <a:r>
+              <a:rPr lang="en-US"/>
+              <a:t>Second level</a:t>
+            </a:r>
+          </a:p>
+          <a:p>
+            <a:pPr lvl="2"/>
+            <a:r>
+              <a:rPr lang="en-US"/>
+              <a:t>Third level</a:t>
+            </a:r>
+          </a:p>
+          <a:p>
+            <a:pPr lvl="3"/>
+            <a:r>
+              <a:rPr lang="en-US"/>
+              <a:t>Fourth level</a:t>
+            </a:r>
+          </a:p>
+          <a:p>
+            <a:pPr lvl="4"/>
+            <a:r>
+              <a:rPr lang="en-US"/>
+              <a:t>Fifth level</a:t>
+            </a:r>
+          </a:p>
+        </p:txBody>
+      </p:sp>
+      <p:sp>
+        <p:nvSpPr>
+          <p:cNvPr id="6" name="Footer Placeholder 5"/>
+          <p:cNvSpPr>
+            <a:spLocks noGrp="1"/>
+          </p:cNvSpPr>
+          <p:nvPr>
+            <p:ph type="ftr" sz="quarter" idx="4"/>
+          </p:nvPr>
+        </p:nvSpPr>
+        <p:spPr>
+          <a:xfrm>
+            <a:off x="0" y="8685213"/>
+            <a:ext cx="2971800" cy="458787"/>
+          </a:xfrm>
+          <a:prstGeom prst="rect">
+            <a:avLst/>
+          </a:prstGeom>
+        </p:spPr>
+        <p:txBody>
+          <a:bodyPr vert="horz" lIns="91440" tIns="45720" rIns="91440" bIns="45720" rtlCol="0" anchor="b"/>
+          <a:lstStyle>
+            <a:lvl1pPr algn="l">
+              <a:defRPr sz="1200"/>
+            </a:lvl1pPr>
+          </a:lstStyle>
+          <a:p>
+            <a:endParaRPr lang="en-US"/>
+          </a:p>
+        </p:txBody>
+      </p:sp>
+      <p:sp>
+        <p:nvSpPr>
+          <p:cNvPr id="7" name="Slide Number Placeholder 6"/>
+          <p:cNvSpPr>
+            <a:spLocks noGrp="1"/>
+          </p:cNvSpPr>
+          <p:nvPr>
+            <p:ph type="sldNum" sz="quarter" idx="5"/>
+          </p:nvPr>
+        </p:nvSpPr>
+        <p:spPr>
+          <a:xfrm>
+            <a:off x="3884613" y="8685213"/>
+            <a:ext cx="2971800" cy="458787"/>
+          </a:xfrm>
+          <a:prstGeom prst="rect">
+            <a:avLst/>
+          </a:prstGeom>
+        </p:spPr>
+        <p:txBody>
+          <a:bodyPr vert="horz" lIns="91440" tIns="45720" rIns="91440" bIns="45720" rtlCol="0" anchor="b"/>
+          <a:lstStyle>
+            <a:lvl1pPr algn="r">
+              <a:defRPr sz="1200"/>
+            </a:lvl1pPr>
+          </a:lstStyle>
+          <a:p>
+            <a:fld id="{DDE5E529-5990-4CCD-8FD5-2D294D8F84A5}" type="slidenum">
+              <a:rPr lang="en-US" smtClean="0"/>
+              <a:t>‹#›</a:t>
+            </a:fld>
+            <a:endParaRPr lang="en-US"/>
+          </a:p>
+        </p:txBody>
+      </p:sp>
+    </p:spTree>
+    <p:extLst>
+      <p:ext uri="{BB962C8B-B14F-4D97-AF65-F5344CB8AC3E}">
+        <p14:creationId xmlns:p14="http://schemas.microsoft.com/office/powerpoint/2010/main" val="2555234977"/>
+      </p:ext>
+    </p:extLst>
+  </p:cSld>
+  <p:clrMap bg1="lt1" tx1="dk1" bg2="lt2" tx2="dk2" accent1="accent1" accent2="accent2" accent3="accent3" accent4="accent4" accent5="accent5" accent6="accent6" hlink="hlink" folHlink="folHlink"/>
+  <p:notesStyle>
+    <a:lvl1pPr marL="0" algn="l" defTabSz="914400" rtl="0" eaLnBrk="1" latinLnBrk="0" hangingPunct="1">
+      <a:defRPr sz="1200" kern="1200">
+        <a:solidFill>
+          <a:schemeClr val="tx1"/>
+        </a:solidFill>
+        <a:latin typeface="+mn-lt"/>
+        <a:ea typeface="+mn-ea"/>
+        <a:cs typeface="+mn-cs"/>
+      </a:defRPr>
+    </a:lvl1pPr>
+    <a:lvl2pPr marL="457200" algn="l" defTabSz="914400" rtl="0" eaLnBrk="1" latinLnBrk="0" hangingPunct="1">
+      <a:defRPr sz="1200" kern="1200">
+        <a:solidFill>
+          <a:schemeClr val="tx1"/>
+        </a:solidFill>
+        <a:latin typeface="+mn-lt"/>
+        <a:ea typeface="+mn-ea"/>
+        <a:cs typeface="+mn-cs"/>
+      </a:defRPr>
+    </a:lvl2pPr>
+    <a:lvl3pPr marL="914400" algn="l" defTabSz="914400" rtl="0" eaLnBrk="1" latinLnBrk="0" hangingPunct="1">
+      <a:defRPr sz="1200" kern="1200">
+        <a:solidFill>
+          <a:schemeClr val="tx1"/>
+        </a:solidFill>
+        <a:latin typeface="+mn-lt"/>
+        <a:ea typeface="+mn-ea"/>
+        <a:cs typeface="+mn-cs"/>
+      </a:defRPr>
+    </a:lvl3pPr>
+    <a:lvl4pPr marL="1371600" algn="l" defTabSz="914400" rtl="0" eaLnBrk="1" latinLnBrk="0" hangingPunct="1">
+      <a:defRPr sz="1200" kern="1200">
+        <a:solidFill>
+          <a:schemeClr val="tx1"/>
+        </a:solidFill>
+        <a:latin typeface="+mn-lt"/>
+        <a:ea typeface="+mn-ea"/>
+        <a:cs typeface="+mn-cs"/>
+      </a:defRPr>
+    </a:lvl4pPr>
+    <a:lvl5pPr marL="1828800" algn="l" defTabSz="914400" rtl="0" eaLnBrk="1" latinLnBrk="0" hangingPunct="1">
+      <a:defRPr sz="1200" kern="1200">
+        <a:solidFill>
+          <a:schemeClr val="tx1"/>
+        </a:solidFill>
+        <a:latin typeface="+mn-lt"/>
+        <a:ea typeface="+mn-ea"/>
+        <a:cs typeface="+mn-cs"/>
+      </a:defRPr>
+    </a:lvl5pPr>
+    <a:lvl6pPr marL="2286000" algn="l" defTabSz="914400" rtl="0" eaLnBrk="1" latinLnBrk="0" hangingPunct="1">
+      <a:defRPr sz="1200" kern="1200">
+        <a:solidFill>
+          <a:schemeClr val="tx1"/>
+        </a:solidFill>
+        <a:latin typeface="+mn-lt"/>
+        <a:ea typeface="+mn-ea"/>
+        <a:cs typeface="+mn-cs"/>
+      </a:defRPr>
+    </a:lvl6pPr>
+    <a:lvl7pPr marL="2743200" algn="l" defTabSz="914400" rtl="0" eaLnBrk="1" latinLnBrk="0" hangingPunct="1">
+      <a:defRPr sz="1200" kern="1200">
+        <a:solidFill>
+          <a:schemeClr val="tx1"/>
+        </a:solidFill>
+        <a:latin typeface="+mn-lt"/>
+        <a:ea typeface="+mn-ea"/>
+        <a:cs typeface="+mn-cs"/>
+      </a:defRPr>
+    </a:lvl7pPr>
+    <a:lvl8pPr marL="3200400" algn="l" defTabSz="914400" rtl="0" eaLnBrk="1" latinLnBrk="0" hangingPunct="1">
+      <a:defRPr sz="1200" kern="1200">
+        <a:solidFill>
+          <a:schemeClr val="tx1"/>
+        </a:solidFill>
+        <a:latin typeface="+mn-lt"/>
+        <a:ea typeface="+mn-ea"/>
+        <a:cs typeface="+mn-cs"/>
+      </a:defRPr>
+    </a:lvl8pPr>
+    <a:lvl9pPr marL="3657600" algn="l" defTabSz="914400" rtl="0" eaLnBrk="1" latinLnBrk="0" hangingPunct="1">
+      <a:defRPr sz="1200" kern="1200">
+        <a:solidFill>
+          <a:schemeClr val="tx1"/>
+        </a:solidFill>
+        <a:latin typeface="+mn-lt"/>
+        <a:ea typeface="+mn-ea"/>
+        <a:cs typeface="+mn-cs"/>
+      </a:defRPr>
+    </a:lvl9pPr>
+  </p:notesStyle>
+</p:notesMaster>
+</file>
+
+<file path=ppt/notesSlides/notesSlide1.xml><?xml version="1.0" encoding="utf-8"?>
+<p:notes xmlns:a="http://schemas.openxmlformats.org/drawingml/2006/main" xmlns:r="http://schemas.openxmlformats.org/officeDocument/2006/relationships" xmlns:p="http://schemas.openxmlformats.org/presentationml/2006/main">
+  <p:cSld>
+    <p:spTree>
+      <p:nvGrpSpPr>
+        <p:cNvPr id="1" name=""/>
+        <p:cNvGrpSpPr/>
+        <p:nvPr/>
+      </p:nvGrpSpPr>
+      <p:grpSpPr>
+        <a:xfrm>
+          <a:off x="0" y="0"/>
+          <a:ext cx="0" cy="0"/>
+          <a:chOff x="0" y="0"/>
+          <a:chExt cx="0" cy="0"/>
+        </a:xfrm>
+      </p:grpSpPr>
+      <p:sp>
+        <p:nvSpPr>
+          <p:cNvPr id="2" name="Slide Image Placeholder 1"/>
+          <p:cNvSpPr>
+            <a:spLocks noGrp="1" noRot="1" noChangeAspect="1"/>
+          </p:cNvSpPr>
+          <p:nvPr>
+            <p:ph type="sldImg"/>
+          </p:nvPr>
+        </p:nvSpPr>
+        <p:spPr/>
+      </p:sp>
+      <p:sp>
+        <p:nvSpPr>
+          <p:cNvPr id="3" name="Notes Placeholder 2"/>
+          <p:cNvSpPr>
+            <a:spLocks noGrp="1"/>
+          </p:cNvSpPr>
+          <p:nvPr>
+            <p:ph type="body" idx="1"/>
+          </p:nvPr>
+        </p:nvSpPr>
+        <p:spPr/>
+        <p:txBody>
+          <a:bodyPr/>
+          <a:lstStyle/>
+          <a:p>
+            <a:r>
+              <a:rPr lang="en-US" dirty="0"/>
+              <a:t>Premium, </a:t>
+            </a:r>
+          </a:p>
+        </p:txBody>
+      </p:sp>
+      <p:sp>
+        <p:nvSpPr>
+          <p:cNvPr id="4" name="Slide Number Placeholder 3"/>
+          <p:cNvSpPr>
+            <a:spLocks noGrp="1"/>
+          </p:cNvSpPr>
+          <p:nvPr>
+            <p:ph type="sldNum" sz="quarter" idx="5"/>
+          </p:nvPr>
+        </p:nvSpPr>
+        <p:spPr/>
+        <p:txBody>
+          <a:bodyPr/>
+          <a:lstStyle/>
+          <a:p>
+            <a:fld id="{DDE5E529-5990-4CCD-8FD5-2D294D8F84A5}" type="slidenum">
+              <a:rPr lang="en-US" smtClean="0"/>
+              <a:t>1</a:t>
+            </a:fld>
+            <a:endParaRPr lang="en-US"/>
+          </a:p>
+        </p:txBody>
+      </p:sp>
+    </p:spTree>
+    <p:extLst>
+      <p:ext uri="{BB962C8B-B14F-4D97-AF65-F5344CB8AC3E}">
+        <p14:creationId xmlns:p14="http://schemas.microsoft.com/office/powerpoint/2010/main" val="3404884488"/>
+      </p:ext>
+    </p:extLst>
+  </p:cSld>
+  <p:clrMapOvr>
+    <a:masterClrMapping/>
+  </p:clrMapOvr>
+</p:notes>
+</file>
+
+<file path=ppt/notesSlides/notesSlide2.xml><?xml version="1.0" encoding="utf-8"?>
+<p:notes xmlns:a="http://schemas.openxmlformats.org/drawingml/2006/main" xmlns:r="http://schemas.openxmlformats.org/officeDocument/2006/relationships" xmlns:p="http://schemas.openxmlformats.org/presentationml/2006/main">
+  <p:cSld>
+    <p:spTree>
+      <p:nvGrpSpPr>
+        <p:cNvPr id="1" name=""/>
+        <p:cNvGrpSpPr/>
+        <p:nvPr/>
+      </p:nvGrpSpPr>
+      <p:grpSpPr>
+        <a:xfrm>
+          <a:off x="0" y="0"/>
+          <a:ext cx="0" cy="0"/>
+          <a:chOff x="0" y="0"/>
+          <a:chExt cx="0" cy="0"/>
+        </a:xfrm>
+      </p:grpSpPr>
+      <p:sp>
+        <p:nvSpPr>
+          <p:cNvPr id="2" name="Slide Image Placeholder 1"/>
+          <p:cNvSpPr>
+            <a:spLocks noGrp="1" noRot="1" noChangeAspect="1"/>
+          </p:cNvSpPr>
+          <p:nvPr>
+            <p:ph type="sldImg"/>
+          </p:nvPr>
+        </p:nvSpPr>
+        <p:spPr/>
+      </p:sp>
+      <p:sp>
+        <p:nvSpPr>
+          <p:cNvPr id="3" name="Notes Placeholder 2"/>
+          <p:cNvSpPr>
+            <a:spLocks noGrp="1"/>
+          </p:cNvSpPr>
+          <p:nvPr>
+            <p:ph type="body" idx="1"/>
+          </p:nvPr>
+        </p:nvSpPr>
+        <p:spPr/>
+        <p:txBody>
+          <a:bodyPr/>
+          <a:lstStyle/>
+          <a:p>
+            <a:r>
+              <a:rPr lang="en-US" dirty="0"/>
+              <a:t>Standard</a:t>
+            </a:r>
+          </a:p>
+        </p:txBody>
+      </p:sp>
+      <p:sp>
+        <p:nvSpPr>
+          <p:cNvPr id="4" name="Slide Number Placeholder 3"/>
+          <p:cNvSpPr>
+            <a:spLocks noGrp="1"/>
+          </p:cNvSpPr>
+          <p:nvPr>
+            <p:ph type="sldNum" sz="quarter" idx="5"/>
+          </p:nvPr>
+        </p:nvSpPr>
+        <p:spPr/>
+        <p:txBody>
+          <a:bodyPr/>
+          <a:lstStyle/>
+          <a:p>
+            <a:fld id="{DDE5E529-5990-4CCD-8FD5-2D294D8F84A5}" type="slidenum">
+              <a:rPr lang="en-US" smtClean="0"/>
+              <a:t>2</a:t>
+            </a:fld>
+            <a:endParaRPr lang="en-US"/>
+          </a:p>
+        </p:txBody>
+      </p:sp>
+    </p:spTree>
+    <p:extLst>
+      <p:ext uri="{BB962C8B-B14F-4D97-AF65-F5344CB8AC3E}">
+        <p14:creationId xmlns:p14="http://schemas.microsoft.com/office/powerpoint/2010/main" val="2299777334"/>
+      </p:ext>
+    </p:extLst>
+  </p:cSld>
+  <p:clrMapOvr>
+    <a:masterClrMapping/>
+  </p:clrMapOvr>
+</p:notes>
 </file>
 
 <file path=ppt/slideLayouts/slideLayout1.xml><?xml version="1.0" encoding="utf-8"?>
@@ -254,7 +786,7 @@
           <a:p>
             <a:fld id="{FD433C0E-0CD3-4D7C-9A7B-A0E71F78F65B}" type="datetimeFigureOut">
               <a:rPr lang="en-US" smtClean="0"/>
-              <a:t>2/1/2021</a:t>
+              <a:t>2/18/2021</a:t>
             </a:fld>
             <a:endParaRPr lang="en-US"/>
           </a:p>
@@ -452,7 +984,7 @@
           <a:p>
             <a:fld id="{FD433C0E-0CD3-4D7C-9A7B-A0E71F78F65B}" type="datetimeFigureOut">
               <a:rPr lang="en-US" smtClean="0"/>
-              <a:t>2/1/2021</a:t>
+              <a:t>2/18/2021</a:t>
             </a:fld>
             <a:endParaRPr lang="en-US"/>
           </a:p>
@@ -660,7 +1192,7 @@
           <a:p>
             <a:fld id="{FD433C0E-0CD3-4D7C-9A7B-A0E71F78F65B}" type="datetimeFigureOut">
               <a:rPr lang="en-US" smtClean="0"/>
-              <a:t>2/1/2021</a:t>
+              <a:t>2/18/2021</a:t>
             </a:fld>
             <a:endParaRPr lang="en-US"/>
           </a:p>
@@ -858,7 +1390,7 @@
           <a:p>
             <a:fld id="{FD433C0E-0CD3-4D7C-9A7B-A0E71F78F65B}" type="datetimeFigureOut">
               <a:rPr lang="en-US" smtClean="0"/>
-              <a:t>2/1/2021</a:t>
+              <a:t>2/18/2021</a:t>
             </a:fld>
             <a:endParaRPr lang="en-US"/>
           </a:p>
@@ -1133,7 +1665,7 @@
           <a:p>
             <a:fld id="{FD433C0E-0CD3-4D7C-9A7B-A0E71F78F65B}" type="datetimeFigureOut">
               <a:rPr lang="en-US" smtClean="0"/>
-              <a:t>2/1/2021</a:t>
+              <a:t>2/18/2021</a:t>
             </a:fld>
             <a:endParaRPr lang="en-US"/>
           </a:p>
@@ -1398,7 +1930,7 @@
           <a:p>
             <a:fld id="{FD433C0E-0CD3-4D7C-9A7B-A0E71F78F65B}" type="datetimeFigureOut">
               <a:rPr lang="en-US" smtClean="0"/>
-              <a:t>2/1/2021</a:t>
+              <a:t>2/18/2021</a:t>
             </a:fld>
             <a:endParaRPr lang="en-US"/>
           </a:p>
@@ -1810,7 +2342,7 @@
           <a:p>
             <a:fld id="{FD433C0E-0CD3-4D7C-9A7B-A0E71F78F65B}" type="datetimeFigureOut">
               <a:rPr lang="en-US" smtClean="0"/>
-              <a:t>2/1/2021</a:t>
+              <a:t>2/18/2021</a:t>
             </a:fld>
             <a:endParaRPr lang="en-US"/>
           </a:p>
@@ -1951,7 +2483,7 @@
           <a:p>
             <a:fld id="{FD433C0E-0CD3-4D7C-9A7B-A0E71F78F65B}" type="datetimeFigureOut">
               <a:rPr lang="en-US" smtClean="0"/>
-              <a:t>2/1/2021</a:t>
+              <a:t>2/18/2021</a:t>
             </a:fld>
             <a:endParaRPr lang="en-US"/>
           </a:p>
@@ -2064,7 +2596,7 @@
           <a:p>
             <a:fld id="{FD433C0E-0CD3-4D7C-9A7B-A0E71F78F65B}" type="datetimeFigureOut">
               <a:rPr lang="en-US" smtClean="0"/>
-              <a:t>2/1/2021</a:t>
+              <a:t>2/18/2021</a:t>
             </a:fld>
             <a:endParaRPr lang="en-US"/>
           </a:p>
@@ -2375,7 +2907,7 @@
           <a:p>
             <a:fld id="{FD433C0E-0CD3-4D7C-9A7B-A0E71F78F65B}" type="datetimeFigureOut">
               <a:rPr lang="en-US" smtClean="0"/>
-              <a:t>2/1/2021</a:t>
+              <a:t>2/18/2021</a:t>
             </a:fld>
             <a:endParaRPr lang="en-US"/>
           </a:p>
@@ -2663,7 +3195,7 @@
           <a:p>
             <a:fld id="{FD433C0E-0CD3-4D7C-9A7B-A0E71F78F65B}" type="datetimeFigureOut">
               <a:rPr lang="en-US" smtClean="0"/>
-              <a:t>2/1/2021</a:t>
+              <a:t>2/18/2021</a:t>
             </a:fld>
             <a:endParaRPr lang="en-US"/>
           </a:p>
@@ -2904,7 +3436,7 @@
           <a:p>
             <a:fld id="{FD433C0E-0CD3-4D7C-9A7B-A0E71F78F65B}" type="datetimeFigureOut">
               <a:rPr lang="en-US" smtClean="0"/>
-              <a:t>2/1/2021</a:t>
+              <a:t>2/18/2021</a:t>
             </a:fld>
             <a:endParaRPr lang="en-US"/>
           </a:p>
@@ -3348,7 +3880,7 @@
             </a:r>
             <a:r>
               <a:rPr lang="en-US" dirty="0">
-                <a:hlinkClick r:id="rId2"/>
+                <a:hlinkClick r:id="rId3"/>
               </a:rPr>
               <a:t>Rule Logic Processing Order</a:t>
             </a:r>
@@ -3397,14 +3929,55 @@
           <a:bodyPr rtlCol="0" anchor="ctr"/>
           <a:lstStyle/>
           <a:p>
-            <a:pPr algn="ctr"/>
-            <a:r>
-              <a:rPr lang="en-US" dirty="0">
-                <a:hlinkClick r:id="rId3"/>
+            <a:pPr marL="0" marR="0" lvl="0" indent="0" algn="ctr" defTabSz="914400" rtl="0" eaLnBrk="1" fontAlgn="auto" latinLnBrk="0" hangingPunct="1">
+              <a:lnSpc>
+                <a:spcPct val="100000"/>
+              </a:lnSpc>
+              <a:spcBef>
+                <a:spcPts val="0"/>
+              </a:spcBef>
+              <a:spcAft>
+                <a:spcPts val="0"/>
+              </a:spcAft>
+              <a:buClrTx/>
+              <a:buSzTx/>
+              <a:buFontTx/>
+              <a:buNone/>
+              <a:tabLst/>
+              <a:defRPr/>
+            </a:pPr>
+            <a:r>
+              <a:rPr kumimoji="0" lang="en-US" sz="1800" b="0" i="0" u="none" strike="noStrike" kern="1200" cap="none" spc="0" normalizeH="0" baseline="0" noProof="0" dirty="0">
+                <a:ln>
+                  <a:noFill/>
+                </a:ln>
+                <a:solidFill>
+                  <a:prstClr val="white"/>
+                </a:solidFill>
+                <a:effectLst/>
+                <a:uLnTx/>
+                <a:uFillTx/>
+                <a:latin typeface="Calibri" panose="020F0502020204030204"/>
+                <a:ea typeface="+mn-ea"/>
+                <a:cs typeface="+mn-cs"/>
+                <a:hlinkClick r:id="rId4"/>
               </a:rPr>
               <a:t>Threat Intelligence filtering</a:t>
             </a:r>
-            <a:endParaRPr lang="en-US" dirty="0"/>
+            <a:endParaRPr kumimoji="0" lang="en-US" sz="1800" b="0" i="0" u="none" strike="noStrike" kern="1200" cap="none" spc="0" normalizeH="0" baseline="0" noProof="0" dirty="0">
+              <a:ln>
+                <a:noFill/>
+              </a:ln>
+              <a:solidFill>
+                <a:prstClr val="white"/>
+              </a:solidFill>
+              <a:effectLst/>
+              <a:uLnTx/>
+              <a:uFillTx/>
+              <a:latin typeface="Calibri" panose="020F0502020204030204"/>
+              <a:ea typeface="+mn-ea"/>
+              <a:cs typeface="+mn-cs"/>
+            </a:endParaRPr>
           </a:p>
         </p:txBody>
       </p:sp>
@@ -3449,33 +4022,127 @@
           <a:bodyPr rtlCol="0" anchor="ctr"/>
           <a:lstStyle/>
           <a:p>
-            <a:pPr algn="ctr"/>
-            <a:r>
-              <a:rPr lang="en-US" dirty="0"/>
+            <a:pPr marL="0" marR="0" lvl="0" indent="0" algn="ctr" defTabSz="914400" rtl="0" eaLnBrk="1" fontAlgn="auto" latinLnBrk="0" hangingPunct="1">
+              <a:lnSpc>
+                <a:spcPct val="100000"/>
+              </a:lnSpc>
+              <a:spcBef>
+                <a:spcPts val="0"/>
+              </a:spcBef>
+              <a:spcAft>
+                <a:spcPts val="0"/>
+              </a:spcAft>
+              <a:buClrTx/>
+              <a:buSzTx/>
+              <a:buFontTx/>
+              <a:buNone/>
+              <a:tabLst/>
+              <a:defRPr/>
+            </a:pPr>
+            <a:r>
+              <a:rPr kumimoji="0" lang="en-US" sz="1800" b="0" i="0" u="none" strike="noStrike" kern="1200" cap="none" spc="0" normalizeH="0" baseline="0" noProof="0" dirty="0">
+                <a:ln>
+                  <a:noFill/>
+                </a:ln>
+                <a:solidFill>
+                  <a:prstClr val="white"/>
+                </a:solidFill>
+                <a:effectLst/>
+                <a:uLnTx/>
+                <a:uFillTx/>
+                <a:latin typeface="Calibri" panose="020F0502020204030204"/>
+                <a:ea typeface="+mn-ea"/>
+                <a:cs typeface="+mn-cs"/>
+              </a:rPr>
               <a:t>Network Rules</a:t>
             </a:r>
           </a:p>
           <a:p>
-            <a:pPr algn="ctr"/>
-            <a:r>
-              <a:rPr lang="en-US" sz="1000" dirty="0">
-                <a:hlinkClick r:id="rId4"/>
+            <a:pPr marL="0" marR="0" lvl="0" indent="0" algn="ctr" defTabSz="914400" rtl="0" eaLnBrk="1" fontAlgn="auto" latinLnBrk="0" hangingPunct="1">
+              <a:lnSpc>
+                <a:spcPct val="100000"/>
+              </a:lnSpc>
+              <a:spcBef>
+                <a:spcPts val="0"/>
+              </a:spcBef>
+              <a:spcAft>
+                <a:spcPts val="0"/>
+              </a:spcAft>
+              <a:buClrTx/>
+              <a:buSzTx/>
+              <a:buFontTx/>
+              <a:buNone/>
+              <a:tabLst/>
+              <a:defRPr/>
+            </a:pPr>
+            <a:r>
+              <a:rPr kumimoji="0" lang="en-US" sz="1000" b="0" i="0" u="none" strike="noStrike" kern="1200" cap="none" spc="0" normalizeH="0" baseline="0" noProof="0" dirty="0">
+                <a:ln>
+                  <a:noFill/>
+                </a:ln>
+                <a:solidFill>
+                  <a:prstClr val="white"/>
+                </a:solidFill>
+                <a:effectLst/>
+                <a:uLnTx/>
+                <a:uFillTx/>
+                <a:latin typeface="Calibri" panose="020F0502020204030204"/>
+                <a:ea typeface="+mn-ea"/>
+                <a:cs typeface="+mn-cs"/>
+                <a:hlinkClick r:id="rId5"/>
               </a:rPr>
               <a:t>Supports </a:t>
             </a:r>
             <a:r>
-              <a:rPr lang="en-US" sz="1000" dirty="0" err="1">
-                <a:hlinkClick r:id="rId4"/>
+              <a:rPr kumimoji="0" lang="en-US" sz="1000" b="0" i="0" u="none" strike="noStrike" kern="1200" cap="none" spc="0" normalizeH="0" baseline="0" noProof="0" dirty="0" err="1">
+                <a:ln>
+                  <a:noFill/>
+                </a:ln>
+                <a:solidFill>
+                  <a:prstClr val="white"/>
+                </a:solidFill>
+                <a:effectLst/>
+                <a:uLnTx/>
+                <a:uFillTx/>
+                <a:latin typeface="Calibri" panose="020F0502020204030204"/>
+                <a:ea typeface="+mn-ea"/>
+                <a:cs typeface="+mn-cs"/>
+                <a:hlinkClick r:id="rId5"/>
               </a:rPr>
               <a:t>fqdn</a:t>
             </a:r>
             <a:r>
-              <a:rPr lang="en-US" sz="1000" dirty="0">
-                <a:hlinkClick r:id="rId4"/>
+              <a:rPr kumimoji="0" lang="en-US" sz="1000" b="0" i="0" u="none" strike="noStrike" kern="1200" cap="none" spc="0" normalizeH="0" baseline="0" noProof="0" dirty="0">
+                <a:ln>
+                  <a:noFill/>
+                </a:ln>
+                <a:solidFill>
+                  <a:prstClr val="white"/>
+                </a:solidFill>
+                <a:effectLst/>
+                <a:uLnTx/>
+                <a:uFillTx/>
+                <a:latin typeface="Calibri" panose="020F0502020204030204"/>
+                <a:ea typeface="+mn-ea"/>
+                <a:cs typeface="+mn-cs"/>
+                <a:hlinkClick r:id="rId5"/>
               </a:rPr>
               <a:t> via DNS</a:t>
             </a:r>
-            <a:endParaRPr lang="en-US" sz="1000" dirty="0"/>
+            <a:endParaRPr kumimoji="0" lang="en-US" sz="1000" b="0" i="0" u="none" strike="noStrike" kern="1200" cap="none" spc="0" normalizeH="0" baseline="0" noProof="0" dirty="0">
+              <a:ln>
+                <a:noFill/>
+              </a:ln>
+              <a:solidFill>
+                <a:prstClr val="white"/>
+              </a:solidFill>
+              <a:effectLst/>
+              <a:uLnTx/>
+              <a:uFillTx/>
+              <a:latin typeface="Calibri" panose="020F0502020204030204"/>
+              <a:ea typeface="+mn-ea"/>
+              <a:cs typeface="+mn-cs"/>
+            </a:endParaRPr>
           </a:p>
         </p:txBody>
       </p:sp>
@@ -3520,9 +4187,38 @@
           <a:bodyPr rtlCol="0" anchor="ctr"/>
           <a:lstStyle/>
           <a:p>
-            <a:pPr algn="ctr"/>
-            <a:r>
-              <a:rPr lang="en-US" dirty="0"/>
+            <a:pPr marL="0" marR="0" lvl="0" indent="0" algn="ctr" defTabSz="914400" rtl="0" eaLnBrk="1" fontAlgn="auto" latinLnBrk="0" hangingPunct="1">
+              <a:lnSpc>
+                <a:spcPct val="100000"/>
+              </a:lnSpc>
+              <a:spcBef>
+                <a:spcPts val="0"/>
+              </a:spcBef>
+              <a:spcAft>
+                <a:spcPts val="0"/>
+              </a:spcAft>
+              <a:buClrTx/>
+              <a:buSzTx/>
+              <a:buFontTx/>
+              <a:buNone/>
+              <a:tabLst/>
+              <a:defRPr/>
+            </a:pPr>
+            <a:r>
+              <a:rPr kumimoji="0" lang="en-US" sz="1800" b="0" i="0" u="none" strike="noStrike" kern="1200" cap="none" spc="0" normalizeH="0" baseline="0" noProof="0" dirty="0">
+                <a:ln>
+                  <a:noFill/>
+                </a:ln>
+                <a:solidFill>
+                  <a:prstClr val="white"/>
+                </a:solidFill>
+                <a:effectLst/>
+                <a:uLnTx/>
+                <a:uFillTx/>
+                <a:latin typeface="Calibri" panose="020F0502020204030204"/>
+                <a:ea typeface="+mn-ea"/>
+                <a:cs typeface="+mn-cs"/>
+              </a:rPr>
               <a:t>Application Rules (HTTP,HTTPS,MSSQL)</a:t>
             </a:r>
           </a:p>
@@ -3569,14 +4265,55 @@
           <a:bodyPr rtlCol="0" anchor="ctr"/>
           <a:lstStyle/>
           <a:p>
-            <a:pPr algn="ctr"/>
-            <a:r>
-              <a:rPr lang="en-US" dirty="0">
-                <a:hlinkClick r:id="rId5"/>
+            <a:pPr marL="0" marR="0" lvl="0" indent="0" algn="ctr" defTabSz="914400" rtl="0" eaLnBrk="1" fontAlgn="auto" latinLnBrk="0" hangingPunct="1">
+              <a:lnSpc>
+                <a:spcPct val="100000"/>
+              </a:lnSpc>
+              <a:spcBef>
+                <a:spcPts val="0"/>
+              </a:spcBef>
+              <a:spcAft>
+                <a:spcPts val="0"/>
+              </a:spcAft>
+              <a:buClrTx/>
+              <a:buSzTx/>
+              <a:buFontTx/>
+              <a:buNone/>
+              <a:tabLst/>
+              <a:defRPr/>
+            </a:pPr>
+            <a:r>
+              <a:rPr kumimoji="0" lang="en-US" sz="1800" b="0" i="0" u="none" strike="noStrike" kern="1200" cap="none" spc="0" normalizeH="0" baseline="0" noProof="0" dirty="0">
+                <a:ln>
+                  <a:noFill/>
+                </a:ln>
+                <a:solidFill>
+                  <a:prstClr val="white"/>
+                </a:solidFill>
+                <a:effectLst/>
+                <a:uLnTx/>
+                <a:uFillTx/>
+                <a:latin typeface="Calibri" panose="020F0502020204030204"/>
+                <a:ea typeface="+mn-ea"/>
+                <a:cs typeface="+mn-cs"/>
+                <a:hlinkClick r:id="rId6"/>
               </a:rPr>
               <a:t>Default Azure Infra Rules</a:t>
             </a:r>
-            <a:endParaRPr lang="en-US" dirty="0"/>
+            <a:endParaRPr kumimoji="0" lang="en-US" sz="1800" b="0" i="0" u="none" strike="noStrike" kern="1200" cap="none" spc="0" normalizeH="0" baseline="0" noProof="0" dirty="0">
+              <a:ln>
+                <a:noFill/>
+              </a:ln>
+              <a:solidFill>
+                <a:prstClr val="white"/>
+              </a:solidFill>
+              <a:effectLst/>
+              <a:uLnTx/>
+              <a:uFillTx/>
+              <a:latin typeface="Calibri" panose="020F0502020204030204"/>
+              <a:ea typeface="+mn-ea"/>
+              <a:cs typeface="+mn-cs"/>
+            </a:endParaRPr>
           </a:p>
         </p:txBody>
       </p:sp>
@@ -3624,9 +4361,38 @@
           <a:bodyPr rtlCol="0" anchor="ctr"/>
           <a:lstStyle/>
           <a:p>
-            <a:pPr algn="ctr"/>
-            <a:r>
-              <a:rPr lang="en-US" dirty="0"/>
+            <a:pPr marL="0" marR="0" lvl="0" indent="0" algn="ctr" defTabSz="914400" rtl="0" eaLnBrk="1" fontAlgn="auto" latinLnBrk="0" hangingPunct="1">
+              <a:lnSpc>
+                <a:spcPct val="100000"/>
+              </a:lnSpc>
+              <a:spcBef>
+                <a:spcPts val="0"/>
+              </a:spcBef>
+              <a:spcAft>
+                <a:spcPts val="0"/>
+              </a:spcAft>
+              <a:buClrTx/>
+              <a:buSzTx/>
+              <a:buFontTx/>
+              <a:buNone/>
+              <a:tabLst/>
+              <a:defRPr/>
+            </a:pPr>
+            <a:r>
+              <a:rPr kumimoji="0" lang="en-US" sz="1800" b="0" i="0" u="none" strike="noStrike" kern="1200" cap="none" spc="0" normalizeH="0" baseline="0" noProof="0" dirty="0">
+                <a:ln>
+                  <a:noFill/>
+                </a:ln>
+                <a:solidFill>
+                  <a:prstClr val="white"/>
+                </a:solidFill>
+                <a:effectLst/>
+                <a:uLnTx/>
+                <a:uFillTx/>
+                <a:latin typeface="Calibri" panose="020F0502020204030204"/>
+                <a:ea typeface="+mn-ea"/>
+                <a:cs typeface="+mn-cs"/>
+              </a:rPr>
               <a:t>Denied by Default</a:t>
             </a:r>
           </a:p>
@@ -3678,45 +4444,417 @@
           <a:bodyPr rtlCol="0" anchor="ctr"/>
           <a:lstStyle/>
           <a:p>
-            <a:r>
-              <a:rPr lang="en-US" dirty="0"/>
+            <a:pPr marL="0" marR="0" lvl="0" indent="0" algn="l" defTabSz="914400" rtl="0" eaLnBrk="1" fontAlgn="auto" latinLnBrk="0" hangingPunct="1">
+              <a:lnSpc>
+                <a:spcPct val="100000"/>
+              </a:lnSpc>
+              <a:spcBef>
+                <a:spcPts val="0"/>
+              </a:spcBef>
+              <a:spcAft>
+                <a:spcPts val="0"/>
+              </a:spcAft>
+              <a:buClrTx/>
+              <a:buSzTx/>
+              <a:buFontTx/>
+              <a:buNone/>
+              <a:tabLst/>
+              <a:defRPr/>
+            </a:pPr>
+            <a:r>
+              <a:rPr kumimoji="0" lang="en-US" sz="1800" b="0" i="0" u="none" strike="noStrike" kern="1200" cap="none" spc="0" normalizeH="0" baseline="0" noProof="0" dirty="0">
+                <a:ln>
+                  <a:noFill/>
+                </a:ln>
+                <a:solidFill>
+                  <a:prstClr val="white"/>
+                </a:solidFill>
+                <a:effectLst/>
+                <a:uLnTx/>
+                <a:uFillTx/>
+                <a:latin typeface="Calibri" panose="020F0502020204030204"/>
+                <a:ea typeface="+mn-ea"/>
+                <a:cs typeface="+mn-cs"/>
+              </a:rPr>
               <a:t>Rules are priority based lower to higher processing</a:t>
             </a:r>
           </a:p>
           <a:p>
-            <a:endParaRPr lang="en-US" dirty="0"/>
-          </a:p>
-          <a:p>
-            <a:r>
-              <a:rPr lang="en-US" dirty="0"/>
+            <a:pPr marL="0" marR="0" lvl="0" indent="0" algn="l" defTabSz="914400" rtl="0" eaLnBrk="1" fontAlgn="auto" latinLnBrk="0" hangingPunct="1">
+              <a:lnSpc>
+                <a:spcPct val="100000"/>
+              </a:lnSpc>
+              <a:spcBef>
+                <a:spcPts val="0"/>
+              </a:spcBef>
+              <a:spcAft>
+                <a:spcPts val="0"/>
+              </a:spcAft>
+              <a:buClrTx/>
+              <a:buSzTx/>
+              <a:buFontTx/>
+              <a:buNone/>
+              <a:tabLst/>
+              <a:defRPr/>
+            </a:pPr>
+            <a:endParaRPr kumimoji="0" lang="en-US" sz="1800" b="0" i="0" u="none" strike="noStrike" kern="1200" cap="none" spc="0" normalizeH="0" baseline="0" noProof="0" dirty="0">
+              <a:ln>
+                <a:noFill/>
+              </a:ln>
+              <a:solidFill>
+                <a:prstClr val="white"/>
+              </a:solidFill>
+              <a:effectLst/>
+              <a:uLnTx/>
+              <a:uFillTx/>
+              <a:latin typeface="Calibri" panose="020F0502020204030204"/>
+              <a:ea typeface="+mn-ea"/>
+              <a:cs typeface="+mn-cs"/>
+            </a:endParaRPr>
+          </a:p>
+          <a:p>
+            <a:pPr marL="0" marR="0" lvl="0" indent="0" algn="l" defTabSz="914400" rtl="0" eaLnBrk="1" fontAlgn="auto" latinLnBrk="0" hangingPunct="1">
+              <a:lnSpc>
+                <a:spcPct val="100000"/>
+              </a:lnSpc>
+              <a:spcBef>
+                <a:spcPts val="0"/>
+              </a:spcBef>
+              <a:spcAft>
+                <a:spcPts val="0"/>
+              </a:spcAft>
+              <a:buClrTx/>
+              <a:buSzTx/>
+              <a:buFontTx/>
+              <a:buNone/>
+              <a:tabLst/>
+              <a:defRPr/>
+            </a:pPr>
+            <a:r>
+              <a:rPr kumimoji="0" lang="en-US" sz="1800" b="0" i="0" u="none" strike="noStrike" kern="1200" cap="none" spc="0" normalizeH="0" baseline="0" noProof="0" dirty="0">
+                <a:ln>
+                  <a:noFill/>
+                </a:ln>
+                <a:solidFill>
+                  <a:prstClr val="white"/>
+                </a:solidFill>
+                <a:effectLst/>
+                <a:uLnTx/>
+                <a:uFillTx/>
+                <a:latin typeface="Calibri" panose="020F0502020204030204"/>
+                <a:ea typeface="+mn-ea"/>
+                <a:cs typeface="+mn-cs"/>
+              </a:rPr>
               <a:t>Use priority rules in increments of 100 to allow for changes over time</a:t>
             </a:r>
           </a:p>
           <a:p>
-            <a:endParaRPr lang="en-US" dirty="0"/>
-          </a:p>
-          <a:p>
-            <a:r>
-              <a:rPr lang="en-US" dirty="0"/>
+            <a:pPr marL="0" marR="0" lvl="0" indent="0" algn="l" defTabSz="914400" rtl="0" eaLnBrk="1" fontAlgn="auto" latinLnBrk="0" hangingPunct="1">
+              <a:lnSpc>
+                <a:spcPct val="100000"/>
+              </a:lnSpc>
+              <a:spcBef>
+                <a:spcPts val="0"/>
+              </a:spcBef>
+              <a:spcAft>
+                <a:spcPts val="0"/>
+              </a:spcAft>
+              <a:buClrTx/>
+              <a:buSzTx/>
+              <a:buFontTx/>
+              <a:buNone/>
+              <a:tabLst/>
+              <a:defRPr/>
+            </a:pPr>
+            <a:endParaRPr kumimoji="0" lang="en-US" sz="1800" b="0" i="0" u="none" strike="noStrike" kern="1200" cap="none" spc="0" normalizeH="0" baseline="0" noProof="0" dirty="0">
+              <a:ln>
+                <a:noFill/>
+              </a:ln>
+              <a:solidFill>
+                <a:prstClr val="white"/>
+              </a:solidFill>
+              <a:effectLst/>
+              <a:uLnTx/>
+              <a:uFillTx/>
+              <a:latin typeface="Calibri" panose="020F0502020204030204"/>
+              <a:ea typeface="+mn-ea"/>
+              <a:cs typeface="+mn-cs"/>
+            </a:endParaRPr>
+          </a:p>
+          <a:p>
+            <a:pPr marL="0" marR="0" lvl="0" indent="0" algn="l" defTabSz="914400" rtl="0" eaLnBrk="1" fontAlgn="auto" latinLnBrk="0" hangingPunct="1">
+              <a:lnSpc>
+                <a:spcPct val="100000"/>
+              </a:lnSpc>
+              <a:spcBef>
+                <a:spcPts val="0"/>
+              </a:spcBef>
+              <a:spcAft>
+                <a:spcPts val="0"/>
+              </a:spcAft>
+              <a:buClrTx/>
+              <a:buSzTx/>
+              <a:buFontTx/>
+              <a:buNone/>
+              <a:tabLst/>
+              <a:defRPr/>
+            </a:pPr>
+            <a:r>
+              <a:rPr kumimoji="0" lang="en-US" sz="1800" b="0" i="0" u="none" strike="noStrike" kern="1200" cap="none" spc="0" normalizeH="0" baseline="0" noProof="0" dirty="0">
+                <a:ln>
+                  <a:noFill/>
+                </a:ln>
+                <a:solidFill>
+                  <a:prstClr val="white"/>
+                </a:solidFill>
+                <a:effectLst/>
+                <a:uLnTx/>
+                <a:uFillTx/>
+                <a:latin typeface="Calibri" panose="020F0502020204030204"/>
+                <a:ea typeface="+mn-ea"/>
+                <a:cs typeface="+mn-cs"/>
+              </a:rPr>
               <a:t>Once a rule match occurs processing is terminated and Action occurs:</a:t>
             </a:r>
           </a:p>
           <a:p>
-            <a:endParaRPr lang="en-US" dirty="0"/>
-          </a:p>
-          <a:p>
-            <a:r>
-              <a:rPr lang="en-US" dirty="0"/>
+            <a:pPr marL="0" marR="0" lvl="0" indent="0" algn="l" defTabSz="914400" rtl="0" eaLnBrk="1" fontAlgn="auto" latinLnBrk="0" hangingPunct="1">
+              <a:lnSpc>
+                <a:spcPct val="100000"/>
+              </a:lnSpc>
+              <a:spcBef>
+                <a:spcPts val="0"/>
+              </a:spcBef>
+              <a:spcAft>
+                <a:spcPts val="0"/>
+              </a:spcAft>
+              <a:buClrTx/>
+              <a:buSzTx/>
+              <a:buFontTx/>
+              <a:buNone/>
+              <a:tabLst/>
+              <a:defRPr/>
+            </a:pPr>
+            <a:endParaRPr kumimoji="0" lang="en-US" sz="1800" b="0" i="0" u="none" strike="noStrike" kern="1200" cap="none" spc="0" normalizeH="0" baseline="0" noProof="0" dirty="0">
+              <a:ln>
+                <a:noFill/>
+              </a:ln>
+              <a:solidFill>
+                <a:prstClr val="white"/>
+              </a:solidFill>
+              <a:effectLst/>
+              <a:uLnTx/>
+              <a:uFillTx/>
+              <a:latin typeface="Calibri" panose="020F0502020204030204"/>
+              <a:ea typeface="+mn-ea"/>
+              <a:cs typeface="+mn-cs"/>
+            </a:endParaRPr>
+          </a:p>
+          <a:p>
+            <a:pPr marL="0" marR="0" lvl="0" indent="0" algn="l" defTabSz="914400" rtl="0" eaLnBrk="1" fontAlgn="auto" latinLnBrk="0" hangingPunct="1">
+              <a:lnSpc>
+                <a:spcPct val="100000"/>
+              </a:lnSpc>
+              <a:spcBef>
+                <a:spcPts val="0"/>
+              </a:spcBef>
+              <a:spcAft>
+                <a:spcPts val="0"/>
+              </a:spcAft>
+              <a:buClrTx/>
+              <a:buSzTx/>
+              <a:buFontTx/>
+              <a:buNone/>
+              <a:tabLst/>
+              <a:defRPr/>
+            </a:pPr>
+            <a:r>
+              <a:rPr kumimoji="0" lang="en-US" sz="1800" b="0" i="0" u="none" strike="noStrike" kern="1200" cap="none" spc="0" normalizeH="0" baseline="0" noProof="0" dirty="0">
+                <a:ln>
+                  <a:noFill/>
+                </a:ln>
+                <a:solidFill>
+                  <a:prstClr val="white"/>
+                </a:solidFill>
+                <a:effectLst/>
+                <a:uLnTx/>
+                <a:uFillTx/>
+                <a:latin typeface="Calibri" panose="020F0502020204030204"/>
+                <a:ea typeface="+mn-ea"/>
+                <a:cs typeface="+mn-cs"/>
+              </a:rPr>
               <a:t> Audit, Allow, Deny</a:t>
             </a:r>
           </a:p>
           <a:p>
-            <a:pPr algn="ctr"/>
-            <a:endParaRPr lang="en-US" dirty="0"/>
-          </a:p>
-          <a:p>
-            <a:pPr algn="ctr"/>
-            <a:endParaRPr lang="en-US" dirty="0"/>
+            <a:pPr marL="0" marR="0" lvl="0" indent="0" algn="l" defTabSz="914400" rtl="0" eaLnBrk="1" fontAlgn="auto" latinLnBrk="0" hangingPunct="1">
+              <a:lnSpc>
+                <a:spcPct val="100000"/>
+              </a:lnSpc>
+              <a:spcBef>
+                <a:spcPts val="0"/>
+              </a:spcBef>
+              <a:spcAft>
+                <a:spcPts val="0"/>
+              </a:spcAft>
+              <a:buClrTx/>
+              <a:buSzTx/>
+              <a:buFontTx/>
+              <a:buNone/>
+              <a:tabLst/>
+              <a:defRPr/>
+            </a:pPr>
+            <a:endParaRPr lang="en-US" dirty="0">
+              <a:solidFill>
+                <a:prstClr val="white"/>
+              </a:solidFill>
+              <a:latin typeface="Calibri" panose="020F0502020204030204"/>
+            </a:endParaRPr>
+          </a:p>
+          <a:p>
+            <a:pPr marL="0" marR="0" lvl="0" indent="0" algn="l" defTabSz="914400" rtl="0" eaLnBrk="1" fontAlgn="auto" latinLnBrk="0" hangingPunct="1">
+              <a:lnSpc>
+                <a:spcPct val="100000"/>
+              </a:lnSpc>
+              <a:spcBef>
+                <a:spcPts val="0"/>
+              </a:spcBef>
+              <a:spcAft>
+                <a:spcPts val="0"/>
+              </a:spcAft>
+              <a:buClrTx/>
+              <a:buSzTx/>
+              <a:buFontTx/>
+              <a:buNone/>
+              <a:tabLst/>
+              <a:defRPr/>
+            </a:pPr>
+            <a:r>
+              <a:rPr kumimoji="0" lang="en-US" sz="1800" b="0" i="0" u="none" strike="noStrike" kern="1200" cap="none" spc="0" normalizeH="0" baseline="0" noProof="0" dirty="0">
+                <a:ln>
+                  <a:noFill/>
+                </a:ln>
+                <a:solidFill>
+                  <a:prstClr val="white"/>
+                </a:solidFill>
+                <a:effectLst/>
+                <a:uLnTx/>
+                <a:uFillTx/>
+                <a:latin typeface="Calibri" panose="020F0502020204030204"/>
+                <a:ea typeface="+mn-ea"/>
+                <a:cs typeface="+mn-cs"/>
+              </a:rPr>
+              <a:t>If action </a:t>
+            </a:r>
+            <a:r>
+              <a:rPr lang="en-US" dirty="0">
+                <a:solidFill>
+                  <a:prstClr val="white"/>
+                </a:solidFill>
+                <a:latin typeface="Calibri" panose="020F0502020204030204"/>
+              </a:rPr>
+              <a:t>A</a:t>
+            </a:r>
+            <a:r>
+              <a:rPr kumimoji="0" lang="en-US" sz="1800" b="0" i="0" u="none" strike="noStrike" kern="1200" cap="none" spc="0" normalizeH="0" baseline="0" noProof="0" dirty="0" err="1">
+                <a:ln>
+                  <a:noFill/>
+                </a:ln>
+                <a:solidFill>
+                  <a:prstClr val="white"/>
+                </a:solidFill>
+                <a:effectLst/>
+                <a:uLnTx/>
+                <a:uFillTx/>
+                <a:latin typeface="Calibri" panose="020F0502020204030204"/>
+                <a:ea typeface="+mn-ea"/>
+                <a:cs typeface="+mn-cs"/>
+              </a:rPr>
+              <a:t>llow</a:t>
+            </a:r>
+            <a:r>
+              <a:rPr kumimoji="0" lang="en-US" sz="1800" b="0" i="0" u="none" strike="noStrike" kern="1200" cap="none" spc="0" normalizeH="0" baseline="0" noProof="0" dirty="0">
+                <a:ln>
+                  <a:noFill/>
+                </a:ln>
+                <a:solidFill>
+                  <a:prstClr val="white"/>
+                </a:solidFill>
+                <a:effectLst/>
+                <a:uLnTx/>
+                <a:uFillTx/>
+                <a:latin typeface="Calibri" panose="020F0502020204030204"/>
+                <a:ea typeface="+mn-ea"/>
+                <a:cs typeface="+mn-cs"/>
+              </a:rPr>
+              <a:t> then IDPS inspects</a:t>
+            </a:r>
+          </a:p>
+          <a:p>
+            <a:pPr marL="0" marR="0" lvl="0" indent="0" algn="ctr" defTabSz="914400" rtl="0" eaLnBrk="1" fontAlgn="auto" latinLnBrk="0" hangingPunct="1">
+              <a:lnSpc>
+                <a:spcPct val="100000"/>
+              </a:lnSpc>
+              <a:spcBef>
+                <a:spcPts val="0"/>
+              </a:spcBef>
+              <a:spcAft>
+                <a:spcPts val="0"/>
+              </a:spcAft>
+              <a:buClrTx/>
+              <a:buSzTx/>
+              <a:buFontTx/>
+              <a:buNone/>
+              <a:tabLst/>
+              <a:defRPr/>
+            </a:pPr>
+            <a:endParaRPr kumimoji="0" lang="en-US" sz="1800" b="0" i="0" u="none" strike="noStrike" kern="1200" cap="none" spc="0" normalizeH="0" baseline="0" noProof="0" dirty="0">
+              <a:ln>
+                <a:noFill/>
+              </a:ln>
+              <a:solidFill>
+                <a:prstClr val="white"/>
+              </a:solidFill>
+              <a:effectLst/>
+              <a:uLnTx/>
+              <a:uFillTx/>
+              <a:latin typeface="Calibri" panose="020F0502020204030204"/>
+              <a:ea typeface="+mn-ea"/>
+              <a:cs typeface="+mn-cs"/>
+            </a:endParaRPr>
+          </a:p>
+          <a:p>
+            <a:pPr marL="0" marR="0" lvl="0" indent="0" algn="ctr" defTabSz="914400" rtl="0" eaLnBrk="1" fontAlgn="auto" latinLnBrk="0" hangingPunct="1">
+              <a:lnSpc>
+                <a:spcPct val="100000"/>
+              </a:lnSpc>
+              <a:spcBef>
+                <a:spcPts val="0"/>
+              </a:spcBef>
+              <a:spcAft>
+                <a:spcPts val="0"/>
+              </a:spcAft>
+              <a:buClrTx/>
+              <a:buSzTx/>
+              <a:buFontTx/>
+              <a:buNone/>
+              <a:tabLst/>
+              <a:defRPr/>
+            </a:pPr>
+            <a:endParaRPr kumimoji="0" lang="en-US" sz="1800" b="0" i="0" u="none" strike="noStrike" kern="1200" cap="none" spc="0" normalizeH="0" baseline="0" noProof="0" dirty="0">
+              <a:ln>
+                <a:noFill/>
+              </a:ln>
+              <a:solidFill>
+                <a:prstClr val="white"/>
+              </a:solidFill>
+              <a:effectLst/>
+              <a:uLnTx/>
+              <a:uFillTx/>
+              <a:latin typeface="Calibri" panose="020F0502020204030204"/>
+              <a:ea typeface="+mn-ea"/>
+              <a:cs typeface="+mn-cs"/>
+            </a:endParaRPr>
           </a:p>
         </p:txBody>
       </p:sp>
@@ -3809,10 +4947,996 @@
           <a:bodyPr rtlCol="0" anchor="ctr"/>
           <a:lstStyle/>
           <a:p>
+            <a:pPr marL="0" marR="0" lvl="0" indent="0" algn="ctr" defTabSz="914400" rtl="0" eaLnBrk="1" fontAlgn="auto" latinLnBrk="0" hangingPunct="1">
+              <a:lnSpc>
+                <a:spcPct val="100000"/>
+              </a:lnSpc>
+              <a:spcBef>
+                <a:spcPts val="0"/>
+              </a:spcBef>
+              <a:spcAft>
+                <a:spcPts val="0"/>
+              </a:spcAft>
+              <a:buClrTx/>
+              <a:buSzTx/>
+              <a:buFontTx/>
+              <a:buNone/>
+              <a:tabLst/>
+              <a:defRPr/>
+            </a:pPr>
+            <a:r>
+              <a:rPr kumimoji="0" lang="en-US" sz="1800" b="0" i="0" u="none" strike="noStrike" kern="1200" cap="none" spc="0" normalizeH="0" baseline="0" noProof="0" dirty="0">
+                <a:ln>
+                  <a:noFill/>
+                </a:ln>
+                <a:solidFill>
+                  <a:prstClr val="white"/>
+                </a:solidFill>
+                <a:effectLst/>
+                <a:uLnTx/>
+                <a:uFillTx/>
+                <a:latin typeface="Calibri" panose="020F0502020204030204"/>
+                <a:ea typeface="+mn-ea"/>
+                <a:cs typeface="+mn-cs"/>
+                <a:hlinkClick r:id="rId7"/>
+              </a:rPr>
+              <a:t>DNAT Rule</a:t>
+            </a:r>
+            <a:endParaRPr kumimoji="0" lang="en-US" sz="1800" b="0" i="0" u="none" strike="noStrike" kern="1200" cap="none" spc="0" normalizeH="0" baseline="0" noProof="0" dirty="0">
+              <a:ln>
+                <a:noFill/>
+              </a:ln>
+              <a:solidFill>
+                <a:prstClr val="white"/>
+              </a:solidFill>
+              <a:effectLst/>
+              <a:uLnTx/>
+              <a:uFillTx/>
+              <a:latin typeface="Calibri" panose="020F0502020204030204"/>
+              <a:ea typeface="+mn-ea"/>
+              <a:cs typeface="+mn-cs"/>
+            </a:endParaRPr>
+          </a:p>
+        </p:txBody>
+      </p:sp>
+      <p:sp>
+        <p:nvSpPr>
+          <p:cNvPr id="20" name="Rectangle 19">
+            <a:extLst>
+              <a:ext uri="{FF2B5EF4-FFF2-40B4-BE49-F238E27FC236}">
+                <a16:creationId xmlns:a16="http://schemas.microsoft.com/office/drawing/2014/main" id="{E379D73C-F32F-45DF-8338-B650FC2345BC}"/>
+              </a:ext>
+            </a:extLst>
+          </p:cNvPr>
+          <p:cNvSpPr/>
+          <p:nvPr/>
+        </p:nvSpPr>
+        <p:spPr>
+          <a:xfrm>
+            <a:off x="9752201" y="3009550"/>
+            <a:ext cx="1138106" cy="838899"/>
+          </a:xfrm>
+          <a:prstGeom prst="rect">
+            <a:avLst/>
+          </a:prstGeom>
+          <a:solidFill>
+            <a:schemeClr val="accent2">
+              <a:lumMod val="60000"/>
+              <a:lumOff val="40000"/>
+            </a:schemeClr>
+          </a:solidFill>
+        </p:spPr>
+        <p:style>
+          <a:lnRef idx="2">
+            <a:schemeClr val="accent4">
+              <a:shade val="50000"/>
+            </a:schemeClr>
+          </a:lnRef>
+          <a:fillRef idx="1">
+            <a:schemeClr val="accent4"/>
+          </a:fillRef>
+          <a:effectRef idx="0">
+            <a:schemeClr val="accent4"/>
+          </a:effectRef>
+          <a:fontRef idx="minor">
+            <a:schemeClr val="lt1"/>
+          </a:fontRef>
+        </p:style>
+        <p:txBody>
+          <a:bodyPr rtlCol="0" anchor="ctr"/>
+          <a:lstStyle/>
+          <a:p>
+            <a:pPr marL="0" marR="0" lvl="0" indent="0" algn="ctr" defTabSz="914400" rtl="0" eaLnBrk="1" fontAlgn="auto" latinLnBrk="0" hangingPunct="1">
+              <a:lnSpc>
+                <a:spcPct val="100000"/>
+              </a:lnSpc>
+              <a:spcBef>
+                <a:spcPts val="0"/>
+              </a:spcBef>
+              <a:spcAft>
+                <a:spcPts val="0"/>
+              </a:spcAft>
+              <a:buClrTx/>
+              <a:buSzTx/>
+              <a:buFontTx/>
+              <a:buNone/>
+              <a:tabLst/>
+              <a:defRPr/>
+            </a:pPr>
+            <a:r>
+              <a:rPr kumimoji="0" lang="en-US" sz="1200" b="0" i="0" u="none" strike="noStrike" kern="1200" cap="none" spc="0" normalizeH="0" baseline="0" noProof="0" dirty="0">
+                <a:ln>
+                  <a:noFill/>
+                </a:ln>
+                <a:solidFill>
+                  <a:prstClr val="white"/>
+                </a:solidFill>
+                <a:effectLst/>
+                <a:uLnTx/>
+                <a:uFillTx/>
+                <a:latin typeface="Calibri" panose="020F0502020204030204"/>
+                <a:ea typeface="+mn-ea"/>
+                <a:cs typeface="+mn-cs"/>
+              </a:rPr>
+              <a:t>Default implicit</a:t>
+            </a:r>
+          </a:p>
+          <a:p>
+            <a:pPr marL="0" marR="0" lvl="0" indent="0" algn="ctr" defTabSz="914400" rtl="0" eaLnBrk="1" fontAlgn="auto" latinLnBrk="0" hangingPunct="1">
+              <a:lnSpc>
+                <a:spcPct val="100000"/>
+              </a:lnSpc>
+              <a:spcBef>
+                <a:spcPts val="0"/>
+              </a:spcBef>
+              <a:spcAft>
+                <a:spcPts val="0"/>
+              </a:spcAft>
+              <a:buClrTx/>
+              <a:buSzTx/>
+              <a:buFontTx/>
+              <a:buNone/>
+              <a:tabLst/>
+              <a:defRPr/>
+            </a:pPr>
+            <a:r>
+              <a:rPr kumimoji="0" lang="en-US" sz="1200" b="0" i="0" u="none" strike="noStrike" kern="1200" cap="none" spc="0" normalizeH="0" baseline="0" noProof="0" dirty="0">
+                <a:ln>
+                  <a:noFill/>
+                </a:ln>
+                <a:solidFill>
+                  <a:prstClr val="white"/>
+                </a:solidFill>
+                <a:effectLst/>
+                <a:uLnTx/>
+                <a:uFillTx/>
+                <a:latin typeface="Calibri" panose="020F0502020204030204"/>
+                <a:ea typeface="+mn-ea"/>
+                <a:cs typeface="+mn-cs"/>
+              </a:rPr>
+              <a:t>Network Rule</a:t>
+            </a:r>
+          </a:p>
+          <a:p>
+            <a:pPr marL="0" marR="0" lvl="0" indent="0" algn="ctr" defTabSz="914400" rtl="0" eaLnBrk="1" fontAlgn="auto" latinLnBrk="0" hangingPunct="1">
+              <a:lnSpc>
+                <a:spcPct val="100000"/>
+              </a:lnSpc>
+              <a:spcBef>
+                <a:spcPts val="0"/>
+              </a:spcBef>
+              <a:spcAft>
+                <a:spcPts val="0"/>
+              </a:spcAft>
+              <a:buClrTx/>
+              <a:buSzTx/>
+              <a:buFontTx/>
+              <a:buNone/>
+              <a:tabLst/>
+              <a:defRPr/>
+            </a:pPr>
+            <a:r>
+              <a:rPr kumimoji="0" lang="en-US" sz="1200" b="0" i="0" u="none" strike="noStrike" kern="1200" cap="none" spc="0" normalizeH="0" baseline="0" noProof="0" dirty="0">
+                <a:ln>
+                  <a:noFill/>
+                </a:ln>
+                <a:solidFill>
+                  <a:prstClr val="white"/>
+                </a:solidFill>
+                <a:effectLst/>
+                <a:uLnTx/>
+                <a:uFillTx/>
+                <a:latin typeface="Calibri" panose="020F0502020204030204"/>
+                <a:ea typeface="+mn-ea"/>
+                <a:cs typeface="+mn-cs"/>
+              </a:rPr>
+              <a:t>Created</a:t>
+            </a:r>
+          </a:p>
+        </p:txBody>
+      </p:sp>
+      <p:sp>
+        <p:nvSpPr>
+          <p:cNvPr id="22" name="Rectangle 21">
+            <a:extLst>
+              <a:ext uri="{FF2B5EF4-FFF2-40B4-BE49-F238E27FC236}">
+                <a16:creationId xmlns:a16="http://schemas.microsoft.com/office/drawing/2014/main" id="{8EF81776-B331-4D43-AB55-64128615F3B6}"/>
+              </a:ext>
+            </a:extLst>
+          </p:cNvPr>
+          <p:cNvSpPr/>
+          <p:nvPr/>
+        </p:nvSpPr>
+        <p:spPr>
+          <a:xfrm>
+            <a:off x="11053894" y="3009549"/>
+            <a:ext cx="1138106" cy="838899"/>
+          </a:xfrm>
+          <a:prstGeom prst="rect">
+            <a:avLst/>
+          </a:prstGeom>
+          <a:solidFill>
+            <a:schemeClr val="accent2">
+              <a:lumMod val="60000"/>
+              <a:lumOff val="40000"/>
+            </a:schemeClr>
+          </a:solidFill>
+        </p:spPr>
+        <p:style>
+          <a:lnRef idx="2">
+            <a:schemeClr val="accent4">
+              <a:shade val="50000"/>
+            </a:schemeClr>
+          </a:lnRef>
+          <a:fillRef idx="1">
+            <a:schemeClr val="accent4"/>
+          </a:fillRef>
+          <a:effectRef idx="0">
+            <a:schemeClr val="accent4"/>
+          </a:effectRef>
+          <a:fontRef idx="minor">
+            <a:schemeClr val="lt1"/>
+          </a:fontRef>
+        </p:style>
+        <p:txBody>
+          <a:bodyPr rtlCol="0" anchor="ctr"/>
+          <a:lstStyle/>
+          <a:p>
+            <a:pPr marL="0" marR="0" lvl="0" indent="0" algn="ctr" defTabSz="914400" rtl="0" eaLnBrk="1" fontAlgn="auto" latinLnBrk="0" hangingPunct="1">
+              <a:lnSpc>
+                <a:spcPct val="100000"/>
+              </a:lnSpc>
+              <a:spcBef>
+                <a:spcPts val="0"/>
+              </a:spcBef>
+              <a:spcAft>
+                <a:spcPts val="0"/>
+              </a:spcAft>
+              <a:buClrTx/>
+              <a:buSzTx/>
+              <a:buFontTx/>
+              <a:buNone/>
+              <a:tabLst/>
+              <a:defRPr/>
+            </a:pPr>
+            <a:r>
+              <a:rPr kumimoji="0" lang="en-US" sz="1200" b="0" i="0" u="none" strike="noStrike" kern="1200" cap="none" spc="0" normalizeH="0" baseline="0" noProof="0" dirty="0">
+                <a:ln>
+                  <a:noFill/>
+                </a:ln>
+                <a:solidFill>
+                  <a:prstClr val="white"/>
+                </a:solidFill>
+                <a:effectLst/>
+                <a:uLnTx/>
+                <a:uFillTx/>
+                <a:latin typeface="Calibri" panose="020F0502020204030204"/>
+                <a:ea typeface="+mn-ea"/>
+                <a:cs typeface="+mn-cs"/>
+              </a:rPr>
+              <a:t>Explicit Deny</a:t>
+            </a:r>
+          </a:p>
+          <a:p>
+            <a:pPr marL="0" marR="0" lvl="0" indent="0" algn="ctr" defTabSz="914400" rtl="0" eaLnBrk="1" fontAlgn="auto" latinLnBrk="0" hangingPunct="1">
+              <a:lnSpc>
+                <a:spcPct val="100000"/>
+              </a:lnSpc>
+              <a:spcBef>
+                <a:spcPts val="0"/>
+              </a:spcBef>
+              <a:spcAft>
+                <a:spcPts val="0"/>
+              </a:spcAft>
+              <a:buClrTx/>
+              <a:buSzTx/>
+              <a:buFontTx/>
+              <a:buNone/>
+              <a:tabLst/>
+              <a:defRPr/>
+            </a:pPr>
+            <a:r>
+              <a:rPr kumimoji="0" lang="en-US" sz="1200" b="0" i="0" u="none" strike="noStrike" kern="1200" cap="none" spc="0" normalizeH="0" baseline="0" noProof="0" dirty="0">
+                <a:ln>
+                  <a:noFill/>
+                </a:ln>
+                <a:solidFill>
+                  <a:prstClr val="white"/>
+                </a:solidFill>
+                <a:effectLst/>
+                <a:uLnTx/>
+                <a:uFillTx/>
+                <a:latin typeface="Calibri" panose="020F0502020204030204"/>
+                <a:ea typeface="+mn-ea"/>
+                <a:cs typeface="+mn-cs"/>
+              </a:rPr>
+              <a:t>Network Rule</a:t>
+            </a:r>
+          </a:p>
+          <a:p>
+            <a:pPr marL="0" marR="0" lvl="0" indent="0" algn="ctr" defTabSz="914400" rtl="0" eaLnBrk="1" fontAlgn="auto" latinLnBrk="0" hangingPunct="1">
+              <a:lnSpc>
+                <a:spcPct val="100000"/>
+              </a:lnSpc>
+              <a:spcBef>
+                <a:spcPts val="0"/>
+              </a:spcBef>
+              <a:spcAft>
+                <a:spcPts val="0"/>
+              </a:spcAft>
+              <a:buClrTx/>
+              <a:buSzTx/>
+              <a:buFontTx/>
+              <a:buNone/>
+              <a:tabLst/>
+              <a:defRPr/>
+            </a:pPr>
+            <a:r>
+              <a:rPr kumimoji="0" lang="en-US" sz="1200" b="0" i="0" u="none" strike="noStrike" kern="1200" cap="none" spc="0" normalizeH="0" baseline="0" noProof="0" dirty="0">
+                <a:ln>
+                  <a:noFill/>
+                </a:ln>
+                <a:solidFill>
+                  <a:prstClr val="white"/>
+                </a:solidFill>
+                <a:effectLst/>
+                <a:uLnTx/>
+                <a:uFillTx/>
+                <a:latin typeface="Calibri" panose="020F0502020204030204"/>
+                <a:ea typeface="+mn-ea"/>
+                <a:cs typeface="+mn-cs"/>
+              </a:rPr>
+              <a:t>User must generate</a:t>
+            </a:r>
+          </a:p>
+        </p:txBody>
+      </p:sp>
+      <p:sp>
+        <p:nvSpPr>
+          <p:cNvPr id="5" name="Rectangle 4">
+            <a:extLst>
+              <a:ext uri="{FF2B5EF4-FFF2-40B4-BE49-F238E27FC236}">
+                <a16:creationId xmlns:a16="http://schemas.microsoft.com/office/drawing/2014/main" id="{24B013C4-C63E-44D9-BF7F-B1C56FC10D64}"/>
+              </a:ext>
+            </a:extLst>
+          </p:cNvPr>
+          <p:cNvSpPr/>
+          <p:nvPr/>
+        </p:nvSpPr>
+        <p:spPr>
+          <a:xfrm>
+            <a:off x="3033319" y="3299363"/>
+            <a:ext cx="6137246" cy="164197"/>
+          </a:xfrm>
+          <a:prstGeom prst="rect">
+            <a:avLst/>
+          </a:prstGeom>
+          <a:solidFill>
+            <a:srgbClr val="002060"/>
+          </a:solidFill>
+        </p:spPr>
+        <p:style>
+          <a:lnRef idx="2">
+            <a:schemeClr val="accent1">
+              <a:shade val="50000"/>
+            </a:schemeClr>
+          </a:lnRef>
+          <a:fillRef idx="1">
+            <a:schemeClr val="accent1"/>
+          </a:fillRef>
+          <a:effectRef idx="0">
+            <a:schemeClr val="accent1"/>
+          </a:effectRef>
+          <a:fontRef idx="minor">
+            <a:schemeClr val="lt1"/>
+          </a:fontRef>
+        </p:style>
+        <p:txBody>
+          <a:bodyPr rtlCol="0" anchor="ctr"/>
+          <a:lstStyle/>
+          <a:p>
+            <a:pPr algn="ctr"/>
+            <a:r>
+              <a:rPr lang="en-US" dirty="0"/>
+              <a:t>IDPS</a:t>
+            </a:r>
+          </a:p>
+        </p:txBody>
+      </p:sp>
+      <p:sp>
+        <p:nvSpPr>
+          <p:cNvPr id="9" name="Rectangle 8">
+            <a:extLst>
+              <a:ext uri="{FF2B5EF4-FFF2-40B4-BE49-F238E27FC236}">
+                <a16:creationId xmlns:a16="http://schemas.microsoft.com/office/drawing/2014/main" id="{9B90D81D-FFCA-4D46-B400-38E08ADEEE5E}"/>
+              </a:ext>
+            </a:extLst>
+          </p:cNvPr>
+          <p:cNvSpPr/>
+          <p:nvPr/>
+        </p:nvSpPr>
+        <p:spPr>
+          <a:xfrm>
+            <a:off x="3033319" y="4233338"/>
+            <a:ext cx="6137246" cy="164197"/>
+          </a:xfrm>
+          <a:prstGeom prst="rect">
+            <a:avLst/>
+          </a:prstGeom>
+          <a:solidFill>
+            <a:srgbClr val="002060"/>
+          </a:solidFill>
+        </p:spPr>
+        <p:style>
+          <a:lnRef idx="2">
+            <a:schemeClr val="accent1">
+              <a:shade val="50000"/>
+            </a:schemeClr>
+          </a:lnRef>
+          <a:fillRef idx="1">
+            <a:schemeClr val="accent1"/>
+          </a:fillRef>
+          <a:effectRef idx="0">
+            <a:schemeClr val="accent1"/>
+          </a:effectRef>
+          <a:fontRef idx="minor">
+            <a:schemeClr val="lt1"/>
+          </a:fontRef>
+        </p:style>
+        <p:txBody>
+          <a:bodyPr rtlCol="0" anchor="ctr"/>
+          <a:lstStyle/>
+          <a:p>
+            <a:pPr algn="ctr"/>
+            <a:r>
+              <a:rPr lang="en-US" dirty="0"/>
+              <a:t>IDPS</a:t>
+            </a:r>
+          </a:p>
+        </p:txBody>
+      </p:sp>
+    </p:spTree>
+    <p:extLst>
+      <p:ext uri="{BB962C8B-B14F-4D97-AF65-F5344CB8AC3E}">
+        <p14:creationId xmlns:p14="http://schemas.microsoft.com/office/powerpoint/2010/main" val="828510238"/>
+      </p:ext>
+    </p:extLst>
+  </p:cSld>
+  <p:clrMapOvr>
+    <a:masterClrMapping/>
+  </p:clrMapOvr>
+</p:sld>
+</file>
+
+<file path=ppt/slides/slide2.xml><?xml version="1.0" encoding="utf-8"?>
+<p:sld xmlns:a="http://schemas.openxmlformats.org/drawingml/2006/main" xmlns:r="http://schemas.openxmlformats.org/officeDocument/2006/relationships" xmlns:p="http://schemas.openxmlformats.org/presentationml/2006/main" show="0">
+  <p:cSld>
+    <p:spTree>
+      <p:nvGrpSpPr>
+        <p:cNvPr id="1" name=""/>
+        <p:cNvGrpSpPr/>
+        <p:nvPr/>
+      </p:nvGrpSpPr>
+      <p:grpSpPr>
+        <a:xfrm>
+          <a:off x="0" y="0"/>
+          <a:ext cx="0" cy="0"/>
+          <a:chOff x="0" y="0"/>
+          <a:chExt cx="0" cy="0"/>
+        </a:xfrm>
+      </p:grpSpPr>
+      <p:sp>
+        <p:nvSpPr>
+          <p:cNvPr id="2" name="Title 1">
+            <a:extLst>
+              <a:ext uri="{FF2B5EF4-FFF2-40B4-BE49-F238E27FC236}">
+                <a16:creationId xmlns:a16="http://schemas.microsoft.com/office/drawing/2014/main" id="{FB1201D2-EB46-46D4-AB42-22273B8975C9}"/>
+              </a:ext>
+            </a:extLst>
+          </p:cNvPr>
+          <p:cNvSpPr>
+            <a:spLocks noGrp="1"/>
+          </p:cNvSpPr>
+          <p:nvPr>
+            <p:ph type="title"/>
+          </p:nvPr>
+        </p:nvSpPr>
+        <p:spPr/>
+        <p:txBody>
+          <a:bodyPr/>
+          <a:lstStyle/>
+          <a:p>
+            <a:r>
+              <a:rPr lang="en-US" dirty="0"/>
+              <a:t>Azure Firewall </a:t>
+            </a:r>
+            <a:r>
+              <a:rPr lang="en-US" dirty="0">
+                <a:hlinkClick r:id="rId3"/>
+              </a:rPr>
+              <a:t>Rule Logic Processing Order</a:t>
+            </a:r>
+            <a:endParaRPr lang="en-US" dirty="0"/>
+          </a:p>
+        </p:txBody>
+      </p:sp>
+      <p:sp>
+        <p:nvSpPr>
+          <p:cNvPr id="4" name="Rectangle 3">
+            <a:extLst>
+              <a:ext uri="{FF2B5EF4-FFF2-40B4-BE49-F238E27FC236}">
+                <a16:creationId xmlns:a16="http://schemas.microsoft.com/office/drawing/2014/main" id="{B4BFC6C3-42C6-46C9-B5D6-109F6A7DA9D6}"/>
+              </a:ext>
+            </a:extLst>
+          </p:cNvPr>
+          <p:cNvSpPr/>
+          <p:nvPr/>
+        </p:nvSpPr>
+        <p:spPr>
+          <a:xfrm>
+            <a:off x="3021435" y="1690688"/>
+            <a:ext cx="6149130" cy="838899"/>
+          </a:xfrm>
+          <a:prstGeom prst="rect">
+            <a:avLst/>
+          </a:prstGeom>
+        </p:spPr>
+        <p:style>
+          <a:lnRef idx="2">
+            <a:schemeClr val="accent5">
+              <a:shade val="50000"/>
+            </a:schemeClr>
+          </a:lnRef>
+          <a:fillRef idx="1">
+            <a:schemeClr val="accent5"/>
+          </a:fillRef>
+          <a:effectRef idx="0">
+            <a:schemeClr val="accent5"/>
+          </a:effectRef>
+          <a:fontRef idx="minor">
+            <a:schemeClr val="lt1"/>
+          </a:fontRef>
+        </p:style>
+        <p:txBody>
+          <a:bodyPr rtlCol="0" anchor="ctr"/>
+          <a:lstStyle/>
+          <a:p>
+            <a:pPr algn="ctr"/>
+            <a:r>
+              <a:rPr lang="en-US" dirty="0">
+                <a:hlinkClick r:id="rId4"/>
+              </a:rPr>
+              <a:t>Threat Intelligence filtering</a:t>
+            </a:r>
+            <a:endParaRPr lang="en-US" dirty="0"/>
+          </a:p>
+        </p:txBody>
+      </p:sp>
+      <p:sp>
+        <p:nvSpPr>
+          <p:cNvPr id="6" name="Rectangle 5">
+            <a:extLst>
+              <a:ext uri="{FF2B5EF4-FFF2-40B4-BE49-F238E27FC236}">
+                <a16:creationId xmlns:a16="http://schemas.microsoft.com/office/drawing/2014/main" id="{D805468C-A2CD-4139-8B8F-853C0593262F}"/>
+              </a:ext>
+            </a:extLst>
+          </p:cNvPr>
+          <p:cNvSpPr/>
+          <p:nvPr/>
+        </p:nvSpPr>
+        <p:spPr>
+          <a:xfrm>
+            <a:off x="3021435" y="2624662"/>
+            <a:ext cx="6149130" cy="838899"/>
+          </a:xfrm>
+          <a:prstGeom prst="rect">
+            <a:avLst/>
+          </a:prstGeom>
+        </p:spPr>
+        <p:style>
+          <a:lnRef idx="2">
+            <a:schemeClr val="accent4">
+              <a:shade val="50000"/>
+            </a:schemeClr>
+          </a:lnRef>
+          <a:fillRef idx="1">
+            <a:schemeClr val="accent4"/>
+          </a:fillRef>
+          <a:effectRef idx="0">
+            <a:schemeClr val="accent4"/>
+          </a:effectRef>
+          <a:fontRef idx="minor">
+            <a:schemeClr val="lt1"/>
+          </a:fontRef>
+        </p:style>
+        <p:txBody>
+          <a:bodyPr rtlCol="0" anchor="ctr"/>
+          <a:lstStyle/>
+          <a:p>
+            <a:pPr algn="ctr"/>
+            <a:r>
+              <a:rPr lang="en-US" dirty="0"/>
+              <a:t>Network Rules</a:t>
+            </a:r>
+          </a:p>
+          <a:p>
+            <a:pPr algn="ctr"/>
+            <a:r>
+              <a:rPr lang="en-US" sz="1000" dirty="0">
+                <a:hlinkClick r:id="rId5"/>
+              </a:rPr>
+              <a:t>Supports </a:t>
+            </a:r>
+            <a:r>
+              <a:rPr lang="en-US" sz="1000" dirty="0" err="1">
+                <a:hlinkClick r:id="rId5"/>
+              </a:rPr>
+              <a:t>fqdn</a:t>
+            </a:r>
+            <a:r>
+              <a:rPr lang="en-US" sz="1000" dirty="0">
+                <a:hlinkClick r:id="rId5"/>
+              </a:rPr>
+              <a:t> via DNS</a:t>
+            </a:r>
+            <a:endParaRPr lang="en-US" sz="1000" dirty="0"/>
+          </a:p>
+        </p:txBody>
+      </p:sp>
+      <p:sp>
+        <p:nvSpPr>
+          <p:cNvPr id="8" name="Rectangle 7">
+            <a:extLst>
+              <a:ext uri="{FF2B5EF4-FFF2-40B4-BE49-F238E27FC236}">
+                <a16:creationId xmlns:a16="http://schemas.microsoft.com/office/drawing/2014/main" id="{BD60E0CE-B23B-4921-9D54-D5BEB3C30004}"/>
+              </a:ext>
+            </a:extLst>
+          </p:cNvPr>
+          <p:cNvSpPr/>
+          <p:nvPr/>
+        </p:nvSpPr>
+        <p:spPr>
+          <a:xfrm>
+            <a:off x="3021435" y="3558636"/>
+            <a:ext cx="6149130" cy="838899"/>
+          </a:xfrm>
+          <a:prstGeom prst="rect">
+            <a:avLst/>
+          </a:prstGeom>
+        </p:spPr>
+        <p:style>
+          <a:lnRef idx="2">
+            <a:schemeClr val="accent2">
+              <a:shade val="50000"/>
+            </a:schemeClr>
+          </a:lnRef>
+          <a:fillRef idx="1">
+            <a:schemeClr val="accent2"/>
+          </a:fillRef>
+          <a:effectRef idx="0">
+            <a:schemeClr val="accent2"/>
+          </a:effectRef>
+          <a:fontRef idx="minor">
+            <a:schemeClr val="lt1"/>
+          </a:fontRef>
+        </p:style>
+        <p:txBody>
+          <a:bodyPr rtlCol="0" anchor="ctr"/>
+          <a:lstStyle/>
+          <a:p>
+            <a:pPr algn="ctr"/>
+            <a:r>
+              <a:rPr lang="en-US" dirty="0"/>
+              <a:t>Application Rules (HTTP,HTTPS,MSSQL)</a:t>
+            </a:r>
+          </a:p>
+        </p:txBody>
+      </p:sp>
+      <p:sp>
+        <p:nvSpPr>
+          <p:cNvPr id="10" name="Rectangle 9">
+            <a:extLst>
+              <a:ext uri="{FF2B5EF4-FFF2-40B4-BE49-F238E27FC236}">
+                <a16:creationId xmlns:a16="http://schemas.microsoft.com/office/drawing/2014/main" id="{6DEC34C5-67DE-4D14-BA82-D11B18B8FA49}"/>
+              </a:ext>
+            </a:extLst>
+          </p:cNvPr>
+          <p:cNvSpPr/>
+          <p:nvPr/>
+        </p:nvSpPr>
+        <p:spPr>
+          <a:xfrm>
+            <a:off x="3021435" y="4492610"/>
+            <a:ext cx="6149130" cy="838899"/>
+          </a:xfrm>
+          <a:prstGeom prst="rect">
+            <a:avLst/>
+          </a:prstGeom>
+        </p:spPr>
+        <p:style>
+          <a:lnRef idx="2">
+            <a:schemeClr val="accent6">
+              <a:shade val="50000"/>
+            </a:schemeClr>
+          </a:lnRef>
+          <a:fillRef idx="1">
+            <a:schemeClr val="accent6"/>
+          </a:fillRef>
+          <a:effectRef idx="0">
+            <a:schemeClr val="accent6"/>
+          </a:effectRef>
+          <a:fontRef idx="minor">
+            <a:schemeClr val="lt1"/>
+          </a:fontRef>
+        </p:style>
+        <p:txBody>
+          <a:bodyPr rtlCol="0" anchor="ctr"/>
+          <a:lstStyle/>
+          <a:p>
             <a:pPr algn="ctr"/>
             <a:r>
               <a:rPr lang="en-US" dirty="0">
                 <a:hlinkClick r:id="rId6"/>
+              </a:rPr>
+              <a:t>Default Azure Infra Rules</a:t>
+            </a:r>
+            <a:endParaRPr lang="en-US" dirty="0"/>
+          </a:p>
+        </p:txBody>
+      </p:sp>
+      <p:sp>
+        <p:nvSpPr>
+          <p:cNvPr id="12" name="Rectangle 11">
+            <a:extLst>
+              <a:ext uri="{FF2B5EF4-FFF2-40B4-BE49-F238E27FC236}">
+                <a16:creationId xmlns:a16="http://schemas.microsoft.com/office/drawing/2014/main" id="{169E3BA4-8C95-4CBD-9450-3FAB3765B929}"/>
+              </a:ext>
+            </a:extLst>
+          </p:cNvPr>
+          <p:cNvSpPr/>
+          <p:nvPr/>
+        </p:nvSpPr>
+        <p:spPr>
+          <a:xfrm>
+            <a:off x="3021435" y="5426584"/>
+            <a:ext cx="6149130" cy="838899"/>
+          </a:xfrm>
+          <a:prstGeom prst="rect">
+            <a:avLst/>
+          </a:prstGeom>
+          <a:solidFill>
+            <a:srgbClr val="FF0000"/>
+          </a:solidFill>
+        </p:spPr>
+        <p:style>
+          <a:lnRef idx="2">
+            <a:schemeClr val="accent4">
+              <a:shade val="50000"/>
+            </a:schemeClr>
+          </a:lnRef>
+          <a:fillRef idx="1">
+            <a:schemeClr val="accent4"/>
+          </a:fillRef>
+          <a:effectRef idx="0">
+            <a:schemeClr val="accent4"/>
+          </a:effectRef>
+          <a:fontRef idx="minor">
+            <a:schemeClr val="lt1"/>
+          </a:fontRef>
+        </p:style>
+        <p:txBody>
+          <a:bodyPr rtlCol="0" anchor="ctr"/>
+          <a:lstStyle/>
+          <a:p>
+            <a:pPr algn="ctr"/>
+            <a:r>
+              <a:rPr lang="en-US" dirty="0"/>
+              <a:t>Denied by Default</a:t>
+            </a:r>
+          </a:p>
+        </p:txBody>
+      </p:sp>
+      <p:sp>
+        <p:nvSpPr>
+          <p:cNvPr id="14" name="Rectangle 13">
+            <a:extLst>
+              <a:ext uri="{FF2B5EF4-FFF2-40B4-BE49-F238E27FC236}">
+                <a16:creationId xmlns:a16="http://schemas.microsoft.com/office/drawing/2014/main" id="{BAA656B1-115D-4202-B3C2-BEDE598F762F}"/>
+              </a:ext>
+            </a:extLst>
+          </p:cNvPr>
+          <p:cNvSpPr/>
+          <p:nvPr/>
+        </p:nvSpPr>
+        <p:spPr>
+          <a:xfrm>
+            <a:off x="0" y="1690688"/>
+            <a:ext cx="2810312" cy="4574795"/>
+          </a:xfrm>
+          <a:prstGeom prst="rect">
+            <a:avLst/>
+          </a:prstGeom>
+          <a:solidFill>
+            <a:schemeClr val="bg1">
+              <a:lumMod val="65000"/>
+            </a:schemeClr>
+          </a:solidFill>
+        </p:spPr>
+        <p:style>
+          <a:lnRef idx="2">
+            <a:schemeClr val="accent5">
+              <a:shade val="50000"/>
+            </a:schemeClr>
+          </a:lnRef>
+          <a:fillRef idx="1">
+            <a:schemeClr val="accent5"/>
+          </a:fillRef>
+          <a:effectRef idx="0">
+            <a:schemeClr val="accent5"/>
+          </a:effectRef>
+          <a:fontRef idx="minor">
+            <a:schemeClr val="lt1"/>
+          </a:fontRef>
+        </p:style>
+        <p:txBody>
+          <a:bodyPr rtlCol="0" anchor="ctr"/>
+          <a:lstStyle/>
+          <a:p>
+            <a:r>
+              <a:rPr lang="en-US" dirty="0"/>
+              <a:t>Rules are priority based lower to higher processing</a:t>
+            </a:r>
+          </a:p>
+          <a:p>
+            <a:endParaRPr lang="en-US" dirty="0"/>
+          </a:p>
+          <a:p>
+            <a:r>
+              <a:rPr lang="en-US" dirty="0"/>
+              <a:t>Use priority rules in increments of 100 to allow for changes over time</a:t>
+            </a:r>
+          </a:p>
+          <a:p>
+            <a:endParaRPr lang="en-US" dirty="0"/>
+          </a:p>
+          <a:p>
+            <a:r>
+              <a:rPr lang="en-US" dirty="0"/>
+              <a:t>Once a rule match occurs processing is terminated and Action occurs:</a:t>
+            </a:r>
+          </a:p>
+          <a:p>
+            <a:endParaRPr lang="en-US" dirty="0"/>
+          </a:p>
+          <a:p>
+            <a:r>
+              <a:rPr lang="en-US" dirty="0"/>
+              <a:t> Audit, Allow, Deny</a:t>
+            </a:r>
+          </a:p>
+          <a:p>
+            <a:pPr algn="ctr"/>
+            <a:endParaRPr lang="en-US" dirty="0"/>
+          </a:p>
+          <a:p>
+            <a:pPr algn="ctr"/>
+            <a:endParaRPr lang="en-US" dirty="0"/>
+          </a:p>
+        </p:txBody>
+      </p:sp>
+      <p:cxnSp>
+        <p:nvCxnSpPr>
+          <p:cNvPr id="16" name="Straight Arrow Connector 15">
+            <a:extLst>
+              <a:ext uri="{FF2B5EF4-FFF2-40B4-BE49-F238E27FC236}">
+                <a16:creationId xmlns:a16="http://schemas.microsoft.com/office/drawing/2014/main" id="{CBD27FFA-36B8-4BF2-BAB5-6D433C0AE8CA}"/>
+              </a:ext>
+            </a:extLst>
+          </p:cNvPr>
+          <p:cNvCxnSpPr/>
+          <p:nvPr/>
+        </p:nvCxnSpPr>
+        <p:spPr>
+          <a:xfrm>
+            <a:off x="9479560" y="1690687"/>
+            <a:ext cx="0" cy="4574795"/>
+          </a:xfrm>
+          <a:prstGeom prst="straightConnector1">
+            <a:avLst/>
+          </a:prstGeom>
+          <a:ln w="76200">
+            <a:solidFill>
+              <a:srgbClr val="002060"/>
+            </a:solidFill>
+            <a:tailEnd type="triangle"/>
+          </a:ln>
+        </p:spPr>
+        <p:style>
+          <a:lnRef idx="1">
+            <a:schemeClr val="accent1"/>
+          </a:lnRef>
+          <a:fillRef idx="0">
+            <a:schemeClr val="accent1"/>
+          </a:fillRef>
+          <a:effectRef idx="0">
+            <a:schemeClr val="accent1"/>
+          </a:effectRef>
+          <a:fontRef idx="minor">
+            <a:schemeClr val="tx1"/>
+          </a:fontRef>
+        </p:style>
+      </p:cxnSp>
+      <p:sp>
+        <p:nvSpPr>
+          <p:cNvPr id="18" name="Rectangle 17">
+            <a:extLst>
+              <a:ext uri="{FF2B5EF4-FFF2-40B4-BE49-F238E27FC236}">
+                <a16:creationId xmlns:a16="http://schemas.microsoft.com/office/drawing/2014/main" id="{3F94D47D-0D3E-4959-A5FE-2FC318854495}"/>
+              </a:ext>
+            </a:extLst>
+          </p:cNvPr>
+          <p:cNvSpPr/>
+          <p:nvPr/>
+        </p:nvSpPr>
+        <p:spPr>
+          <a:xfrm>
+            <a:off x="10472258" y="2110137"/>
+            <a:ext cx="978714" cy="838899"/>
+          </a:xfrm>
+          <a:prstGeom prst="rect">
+            <a:avLst/>
+          </a:prstGeom>
+          <a:solidFill>
+            <a:schemeClr val="accent2">
+              <a:lumMod val="60000"/>
+              <a:lumOff val="40000"/>
+            </a:schemeClr>
+          </a:solidFill>
+        </p:spPr>
+        <p:style>
+          <a:lnRef idx="2">
+            <a:schemeClr val="accent1">
+              <a:shade val="50000"/>
+            </a:schemeClr>
+          </a:lnRef>
+          <a:fillRef idx="1">
+            <a:schemeClr val="accent1"/>
+          </a:fillRef>
+          <a:effectRef idx="0">
+            <a:schemeClr val="accent1"/>
+          </a:effectRef>
+          <a:fontRef idx="minor">
+            <a:schemeClr val="lt1"/>
+          </a:fontRef>
+        </p:style>
+        <p:txBody>
+          <a:bodyPr rtlCol="0" anchor="ctr"/>
+          <a:lstStyle/>
+          <a:p>
+            <a:pPr algn="ctr"/>
+            <a:r>
+              <a:rPr lang="en-US" dirty="0">
+                <a:hlinkClick r:id="rId7"/>
               </a:rPr>
               <a:t>DNAT Rule</a:t>
             </a:r>
@@ -4264,4 +6388,299 @@
     </a:ext>
   </a:extLst>
 </a:theme>
+</file>
+
+<file path=ppt/theme/theme2.xml><?xml version="1.0" encoding="utf-8"?>
+<a:theme xmlns:a="http://schemas.openxmlformats.org/drawingml/2006/main" name="Office Theme">
+  <a:themeElements>
+    <a:clrScheme name="Office">
+      <a:dk1>
+        <a:sysClr val="windowText" lastClr="000000"/>
+      </a:dk1>
+      <a:lt1>
+        <a:sysClr val="window" lastClr="FFFFFF"/>
+      </a:lt1>
+      <a:dk2>
+        <a:srgbClr val="44546A"/>
+      </a:dk2>
+      <a:lt2>
+        <a:srgbClr val="E7E6E6"/>
+      </a:lt2>
+      <a:accent1>
+        <a:srgbClr val="4472C4"/>
+      </a:accent1>
+      <a:accent2>
+        <a:srgbClr val="ED7D31"/>
+      </a:accent2>
+      <a:accent3>
+        <a:srgbClr val="A5A5A5"/>
+      </a:accent3>
+      <a:accent4>
+        <a:srgbClr val="FFC000"/>
+      </a:accent4>
+      <a:accent5>
+        <a:srgbClr val="5B9BD5"/>
+      </a:accent5>
+      <a:accent6>
+        <a:srgbClr val="70AD47"/>
+      </a:accent6>
+      <a:hlink>
+        <a:srgbClr val="0563C1"/>
+      </a:hlink>
+      <a:folHlink>
+        <a:srgbClr val="954F72"/>
+      </a:folHlink>
+    </a:clrScheme>
+    <a:fontScheme name="Office">
+      <a:majorFont>
+        <a:latin typeface="Calibri Light" panose="020F0302020204030204"/>
+        <a:ea typeface=""/>
+        <a:cs typeface=""/>
+        <a:font script="Jpan" typeface="游ゴシック Light"/>
+        <a:font script="Hang" typeface="맑은 고딕"/>
+        <a:font script="Hans" typeface="等线 Light"/>
+        <a:font script="Hant" typeface="新細明體"/>
+        <a:font script="Arab" typeface="Times New Roman"/>
+        <a:font script="Hebr" typeface="Times New Roman"/>
+        <a:font script="Thai" typeface="Angsana New"/>
+        <a:font script="Ethi" typeface="Nyala"/>
+        <a:font script="Beng" typeface="Vrinda"/>
+        <a:font script="Gujr" typeface="Shruti"/>
+        <a:font script="Khmr" typeface="MoolBoran"/>
+        <a:font script="Knda" typeface="Tunga"/>
+        <a:font script="Guru" typeface="Raavi"/>
+        <a:font script="Cans" typeface="Euphemia"/>
+        <a:font script="Cher" typeface="Plantagenet Cherokee"/>
+        <a:font script="Yiii" typeface="Microsoft Yi Baiti"/>
+        <a:font script="Tibt" typeface="Microsoft Himalaya"/>
+        <a:font script="Thaa" typeface="MV Boli"/>
+        <a:font script="Deva" typeface="Mangal"/>
+        <a:font script="Telu" typeface="Gautami"/>
+        <a:font script="Taml" typeface="Latha"/>
+        <a:font script="Syrc" typeface="Estrangelo Edessa"/>
+        <a:font script="Orya" typeface="Kalinga"/>
+        <a:font script="Mlym" typeface="Kartika"/>
+        <a:font script="Laoo" typeface="DokChampa"/>
+        <a:font script="Sinh" typeface="Iskoola Pota"/>
+        <a:font script="Mong" typeface="Mongolian Baiti"/>
+        <a:font script="Viet" typeface="Times New Roman"/>
+        <a:font script="Uigh" typeface="Microsoft Uighur"/>
+        <a:font script="Geor" typeface="Sylfaen"/>
+        <a:font script="Armn" typeface="Arial"/>
+        <a:font script="Bugi" typeface="Leelawadee UI"/>
+        <a:font script="Bopo" typeface="Microsoft JhengHei"/>
+        <a:font script="Java" typeface="Javanese Text"/>
+        <a:font script="Lisu" typeface="Segoe UI"/>
+        <a:font script="Mymr" typeface="Myanmar Text"/>
+        <a:font script="Nkoo" typeface="Ebrima"/>
+        <a:font script="Olck" typeface="Nirmala UI"/>
+        <a:font script="Osma" typeface="Ebrima"/>
+        <a:font script="Phag" typeface="Phagspa"/>
+        <a:font script="Syrn" typeface="Estrangelo Edessa"/>
+        <a:font script="Syrj" typeface="Estrangelo Edessa"/>
+        <a:font script="Syre" typeface="Estrangelo Edessa"/>
+        <a:font script="Sora" typeface="Nirmala UI"/>
+        <a:font script="Tale" typeface="Microsoft Tai Le"/>
+        <a:font script="Talu" typeface="Microsoft New Tai Lue"/>
+        <a:font script="Tfng" typeface="Ebrima"/>
+      </a:majorFont>
+      <a:minorFont>
+        <a:latin typeface="Calibri" panose="020F0502020204030204"/>
+        <a:ea typeface=""/>
+        <a:cs typeface=""/>
+        <a:font script="Jpan" typeface="游ゴシック"/>
+        <a:font script="Hang" typeface="맑은 고딕"/>
+        <a:font script="Hans" typeface="等线"/>
+        <a:font script="Hant" typeface="新細明體"/>
+        <a:font script="Arab" typeface="Arial"/>
+        <a:font script="Hebr" typeface="Arial"/>
+        <a:font script="Thai" typeface="Cordia New"/>
+        <a:font script="Ethi" typeface="Nyala"/>
+        <a:font script="Beng" typeface="Vrinda"/>
+        <a:font script="Gujr" typeface="Shruti"/>
+        <a:font script="Khmr" typeface="DaunPenh"/>
+        <a:font script="Knda" typeface="Tunga"/>
+        <a:font script="Guru" typeface="Raavi"/>
+        <a:font script="Cans" typeface="Euphemia"/>
+        <a:font script="Cher" typeface="Plantagenet Cherokee"/>
+        <a:font script="Yiii" typeface="Microsoft Yi Baiti"/>
+        <a:font script="Tibt" typeface="Microsoft Himalaya"/>
+        <a:font script="Thaa" typeface="MV Boli"/>
+        <a:font script="Deva" typeface="Mangal"/>
+        <a:font script="Telu" typeface="Gautami"/>
+        <a:font script="Taml" typeface="Latha"/>
+        <a:font script="Syrc" typeface="Estrangelo Edessa"/>
+        <a:font script="Orya" typeface="Kalinga"/>
+        <a:font script="Mlym" typeface="Kartika"/>
+        <a:font script="Laoo" typeface="DokChampa"/>
+        <a:font script="Sinh" typeface="Iskoola Pota"/>
+        <a:font script="Mong" typeface="Mongolian Baiti"/>
+        <a:font script="Viet" typeface="Arial"/>
+        <a:font script="Uigh" typeface="Microsoft Uighur"/>
+        <a:font script="Geor" typeface="Sylfaen"/>
+        <a:font script="Armn" typeface="Arial"/>
+        <a:font script="Bugi" typeface="Leelawadee UI"/>
+        <a:font script="Bopo" typeface="Microsoft JhengHei"/>
+        <a:font script="Java" typeface="Javanese Text"/>
+        <a:font script="Lisu" typeface="Segoe UI"/>
+        <a:font script="Mymr" typeface="Myanmar Text"/>
+        <a:font script="Nkoo" typeface="Ebrima"/>
+        <a:font script="Olck" typeface="Nirmala UI"/>
+        <a:font script="Osma" typeface="Ebrima"/>
+        <a:font script="Phag" typeface="Phagspa"/>
+        <a:font script="Syrn" typeface="Estrangelo Edessa"/>
+        <a:font script="Syrj" typeface="Estrangelo Edessa"/>
+        <a:font script="Syre" typeface="Estrangelo Edessa"/>
+        <a:font script="Sora" typeface="Nirmala UI"/>
+        <a:font script="Tale" typeface="Microsoft Tai Le"/>
+        <a:font script="Talu" typeface="Microsoft New Tai Lue"/>
+        <a:font script="Tfng" typeface="Ebrima"/>
+      </a:minorFont>
+    </a:fontScheme>
+    <a:fmtScheme name="Office">
+      <a:fillStyleLst>
+        <a:solidFill>
+          <a:schemeClr val="phClr"/>
+        </a:solidFill>
+        <a:gradFill rotWithShape="1">
+          <a:gsLst>
+            <a:gs pos="0">
+              <a:schemeClr val="phClr">
+                <a:lumMod val="110000"/>
+                <a:satMod val="105000"/>
+                <a:tint val="67000"/>
+              </a:schemeClr>
+            </a:gs>
+            <a:gs pos="50000">
+              <a:schemeClr val="phClr">
+                <a:lumMod val="105000"/>
+                <a:satMod val="103000"/>
+                <a:tint val="73000"/>
+              </a:schemeClr>
+            </a:gs>
+            <a:gs pos="100000">
+              <a:schemeClr val="phClr">
+                <a:lumMod val="105000"/>
+                <a:satMod val="109000"/>
+                <a:tint val="81000"/>
+              </a:schemeClr>
+            </a:gs>
+          </a:gsLst>
+          <a:lin ang="5400000" scaled="0"/>
+        </a:gradFill>
+        <a:gradFill rotWithShape="1">
+          <a:gsLst>
+            <a:gs pos="0">
+              <a:schemeClr val="phClr">
+                <a:satMod val="103000"/>
+                <a:lumMod val="102000"/>
+                <a:tint val="94000"/>
+              </a:schemeClr>
+            </a:gs>
+            <a:gs pos="50000">
+              <a:schemeClr val="phClr">
+                <a:satMod val="110000"/>
+                <a:lumMod val="100000"/>
+                <a:shade val="100000"/>
+              </a:schemeClr>
+            </a:gs>
+            <a:gs pos="100000">
+              <a:schemeClr val="phClr">
+                <a:lumMod val="99000"/>
+                <a:satMod val="120000"/>
+                <a:shade val="78000"/>
+              </a:schemeClr>
+            </a:gs>
+          </a:gsLst>
+          <a:lin ang="5400000" scaled="0"/>
+        </a:gradFill>
+      </a:fillStyleLst>
+      <a:lnStyleLst>
+        <a:ln w="6350" cap="flat" cmpd="sng" algn="ctr">
+          <a:solidFill>
+            <a:schemeClr val="phClr"/>
+          </a:solidFill>
+          <a:prstDash val="solid"/>
+          <a:miter lim="800000"/>
+        </a:ln>
+        <a:ln w="12700" cap="flat" cmpd="sng" algn="ctr">
+          <a:solidFill>
+            <a:schemeClr val="phClr"/>
+          </a:solidFill>
+          <a:prstDash val="solid"/>
+          <a:miter lim="800000"/>
+        </a:ln>
+        <a:ln w="19050" cap="flat" cmpd="sng" algn="ctr">
+          <a:solidFill>
+            <a:schemeClr val="phClr"/>
+          </a:solidFill>
+          <a:prstDash val="solid"/>
+          <a:miter lim="800000"/>
+        </a:ln>
+      </a:lnStyleLst>
+      <a:effectStyleLst>
+        <a:effectStyle>
+          <a:effectLst/>
+        </a:effectStyle>
+        <a:effectStyle>
+          <a:effectLst/>
+        </a:effectStyle>
+        <a:effectStyle>
+          <a:effectLst>
+            <a:outerShdw blurRad="57150" dist="19050" dir="5400000" algn="ctr" rotWithShape="0">
+              <a:srgbClr val="000000">
+                <a:alpha val="63000"/>
+              </a:srgbClr>
+            </a:outerShdw>
+          </a:effectLst>
+        </a:effectStyle>
+      </a:effectStyleLst>
+      <a:bgFillStyleLst>
+        <a:solidFill>
+          <a:schemeClr val="phClr"/>
+        </a:solidFill>
+        <a:solidFill>
+          <a:schemeClr val="phClr">
+            <a:tint val="95000"/>
+            <a:satMod val="170000"/>
+          </a:schemeClr>
+        </a:solidFill>
+        <a:gradFill rotWithShape="1">
+          <a:gsLst>
+            <a:gs pos="0">
+              <a:schemeClr val="phClr">
+                <a:tint val="93000"/>
+                <a:satMod val="150000"/>
+                <a:shade val="98000"/>
+                <a:lumMod val="102000"/>
+              </a:schemeClr>
+            </a:gs>
+            <a:gs pos="50000">
+              <a:schemeClr val="phClr">
+                <a:tint val="98000"/>
+                <a:satMod val="130000"/>
+                <a:shade val="90000"/>
+                <a:lumMod val="103000"/>
+              </a:schemeClr>
+            </a:gs>
+            <a:gs pos="100000">
+              <a:schemeClr val="phClr">
+                <a:shade val="63000"/>
+                <a:satMod val="120000"/>
+              </a:schemeClr>
+            </a:gs>
+          </a:gsLst>
+          <a:lin ang="5400000" scaled="0"/>
+        </a:gradFill>
+      </a:bgFillStyleLst>
+    </a:fmtScheme>
+  </a:themeElements>
+  <a:objectDefaults/>
+  <a:extraClrSchemeLst/>
+  <a:extLst>
+    <a:ext uri="{05A4C25C-085E-4340-85A3-A5531E510DB2}">
+      <thm15:themeFamily xmlns:thm15="http://schemas.microsoft.com/office/thememl/2012/main" name="Office Theme" id="{62F939B6-93AF-4DB8-9C6B-D6C7DFDC589F}" vid="{4A3C46E8-61CC-4603-A589-7422A47A8E4A}"/>
+    </a:ext>
+  </a:extLst>
+</a:theme>
 </file>
--- a/AZ FW Rule Logic.pptx
+++ b/AZ FW Rule Logic.pptx
@@ -8,8 +8,8 @@
     <p:notesMasterId r:id="rId4"/>
   </p:notesMasterIdLst>
   <p:sldIdLst>
-    <p:sldId id="258" r:id="rId2"/>
-    <p:sldId id="257" r:id="rId3"/>
+    <p:sldId id="257" r:id="rId2"/>
+    <p:sldId id="258" r:id="rId3"/>
   </p:sldIdLst>
   <p:sldSz cx="12192000" cy="6858000"/>
   <p:notesSz cx="6858000" cy="9144000"/>
@@ -198,7 +198,7 @@
           <a:p>
             <a:fld id="{ECA324CA-3E34-41A7-8C47-61D6B730EBBD}" type="datetimeFigureOut">
               <a:rPr lang="en-US" smtClean="0"/>
-              <a:t>2/21/2021</a:t>
+              <a:t>2/22/2021</a:t>
             </a:fld>
             <a:endParaRPr lang="en-US"/>
           </a:p>
@@ -511,7 +511,7 @@
           <a:p>
             <a:r>
               <a:rPr lang="en-US" dirty="0"/>
-              <a:t>Premium, </a:t>
+              <a:t>Standard</a:t>
             </a:r>
           </a:p>
         </p:txBody>
@@ -542,7 +542,7 @@
     </p:spTree>
     <p:extLst>
       <p:ext uri="{BB962C8B-B14F-4D97-AF65-F5344CB8AC3E}">
-        <p14:creationId xmlns:p14="http://schemas.microsoft.com/office/powerpoint/2010/main" val="3404884488"/>
+        <p14:creationId xmlns:p14="http://schemas.microsoft.com/office/powerpoint/2010/main" val="2299777334"/>
       </p:ext>
     </p:extLst>
   </p:cSld>
@@ -598,7 +598,7 @@
           <a:p>
             <a:r>
               <a:rPr lang="en-US" dirty="0"/>
-              <a:t>Standard</a:t>
+              <a:t>Premium, </a:t>
             </a:r>
           </a:p>
         </p:txBody>
@@ -629,7 +629,7 @@
     </p:spTree>
     <p:extLst>
       <p:ext uri="{BB962C8B-B14F-4D97-AF65-F5344CB8AC3E}">
-        <p14:creationId xmlns:p14="http://schemas.microsoft.com/office/powerpoint/2010/main" val="2299777334"/>
+        <p14:creationId xmlns:p14="http://schemas.microsoft.com/office/powerpoint/2010/main" val="3404884488"/>
       </p:ext>
     </p:extLst>
   </p:cSld>
@@ -786,7 +786,7 @@
           <a:p>
             <a:fld id="{FD433C0E-0CD3-4D7C-9A7B-A0E71F78F65B}" type="datetimeFigureOut">
               <a:rPr lang="en-US" smtClean="0"/>
-              <a:t>2/18/2021</a:t>
+              <a:t>2/22/2021</a:t>
             </a:fld>
             <a:endParaRPr lang="en-US"/>
           </a:p>
@@ -984,7 +984,7 @@
           <a:p>
             <a:fld id="{FD433C0E-0CD3-4D7C-9A7B-A0E71F78F65B}" type="datetimeFigureOut">
               <a:rPr lang="en-US" smtClean="0"/>
-              <a:t>2/18/2021</a:t>
+              <a:t>2/22/2021</a:t>
             </a:fld>
             <a:endParaRPr lang="en-US"/>
           </a:p>
@@ -1192,7 +1192,7 @@
           <a:p>
             <a:fld id="{FD433C0E-0CD3-4D7C-9A7B-A0E71F78F65B}" type="datetimeFigureOut">
               <a:rPr lang="en-US" smtClean="0"/>
-              <a:t>2/18/2021</a:t>
+              <a:t>2/22/2021</a:t>
             </a:fld>
             <a:endParaRPr lang="en-US"/>
           </a:p>
@@ -1390,7 +1390,7 @@
           <a:p>
             <a:fld id="{FD433C0E-0CD3-4D7C-9A7B-A0E71F78F65B}" type="datetimeFigureOut">
               <a:rPr lang="en-US" smtClean="0"/>
-              <a:t>2/18/2021</a:t>
+              <a:t>2/22/2021</a:t>
             </a:fld>
             <a:endParaRPr lang="en-US"/>
           </a:p>
@@ -1665,7 +1665,7 @@
           <a:p>
             <a:fld id="{FD433C0E-0CD3-4D7C-9A7B-A0E71F78F65B}" type="datetimeFigureOut">
               <a:rPr lang="en-US" smtClean="0"/>
-              <a:t>2/18/2021</a:t>
+              <a:t>2/22/2021</a:t>
             </a:fld>
             <a:endParaRPr lang="en-US"/>
           </a:p>
@@ -1930,7 +1930,7 @@
           <a:p>
             <a:fld id="{FD433C0E-0CD3-4D7C-9A7B-A0E71F78F65B}" type="datetimeFigureOut">
               <a:rPr lang="en-US" smtClean="0"/>
-              <a:t>2/18/2021</a:t>
+              <a:t>2/22/2021</a:t>
             </a:fld>
             <a:endParaRPr lang="en-US"/>
           </a:p>
@@ -2342,7 +2342,7 @@
           <a:p>
             <a:fld id="{FD433C0E-0CD3-4D7C-9A7B-A0E71F78F65B}" type="datetimeFigureOut">
               <a:rPr lang="en-US" smtClean="0"/>
-              <a:t>2/18/2021</a:t>
+              <a:t>2/22/2021</a:t>
             </a:fld>
             <a:endParaRPr lang="en-US"/>
           </a:p>
@@ -2483,7 +2483,7 @@
           <a:p>
             <a:fld id="{FD433C0E-0CD3-4D7C-9A7B-A0E71F78F65B}" type="datetimeFigureOut">
               <a:rPr lang="en-US" smtClean="0"/>
-              <a:t>2/18/2021</a:t>
+              <a:t>2/22/2021</a:t>
             </a:fld>
             <a:endParaRPr lang="en-US"/>
           </a:p>
@@ -2596,7 +2596,7 @@
           <a:p>
             <a:fld id="{FD433C0E-0CD3-4D7C-9A7B-A0E71F78F65B}" type="datetimeFigureOut">
               <a:rPr lang="en-US" smtClean="0"/>
-              <a:t>2/18/2021</a:t>
+              <a:t>2/22/2021</a:t>
             </a:fld>
             <a:endParaRPr lang="en-US"/>
           </a:p>
@@ -2907,7 +2907,7 @@
           <a:p>
             <a:fld id="{FD433C0E-0CD3-4D7C-9A7B-A0E71F78F65B}" type="datetimeFigureOut">
               <a:rPr lang="en-US" smtClean="0"/>
-              <a:t>2/18/2021</a:t>
+              <a:t>2/22/2021</a:t>
             </a:fld>
             <a:endParaRPr lang="en-US"/>
           </a:p>
@@ -3195,7 +3195,7 @@
           <a:p>
             <a:fld id="{FD433C0E-0CD3-4D7C-9A7B-A0E71F78F65B}" type="datetimeFigureOut">
               <a:rPr lang="en-US" smtClean="0"/>
-              <a:t>2/18/2021</a:t>
+              <a:t>2/22/2021</a:t>
             </a:fld>
             <a:endParaRPr lang="en-US"/>
           </a:p>
@@ -3436,7 +3436,7 @@
           <a:p>
             <a:fld id="{FD433C0E-0CD3-4D7C-9A7B-A0E71F78F65B}" type="datetimeFigureOut">
               <a:rPr lang="en-US" smtClean="0"/>
-              <a:t>2/18/2021</a:t>
+              <a:t>2/22/2021</a:t>
             </a:fld>
             <a:endParaRPr lang="en-US"/>
           </a:p>
@@ -3929,55 +3929,14 @@
           <a:bodyPr rtlCol="0" anchor="ctr"/>
           <a:lstStyle/>
           <a:p>
-            <a:pPr marL="0" marR="0" lvl="0" indent="0" algn="ctr" defTabSz="914400" rtl="0" eaLnBrk="1" fontAlgn="auto" latinLnBrk="0" hangingPunct="1">
-              <a:lnSpc>
-                <a:spcPct val="100000"/>
-              </a:lnSpc>
-              <a:spcBef>
-                <a:spcPts val="0"/>
-              </a:spcBef>
-              <a:spcAft>
-                <a:spcPts val="0"/>
-              </a:spcAft>
-              <a:buClrTx/>
-              <a:buSzTx/>
-              <a:buFontTx/>
-              <a:buNone/>
-              <a:tabLst/>
-              <a:defRPr/>
-            </a:pPr>
-            <a:r>
-              <a:rPr kumimoji="0" lang="en-US" sz="1800" b="0" i="0" u="none" strike="noStrike" kern="1200" cap="none" spc="0" normalizeH="0" baseline="0" noProof="0" dirty="0">
-                <a:ln>
-                  <a:noFill/>
-                </a:ln>
-                <a:solidFill>
-                  <a:prstClr val="white"/>
-                </a:solidFill>
-                <a:effectLst/>
-                <a:uLnTx/>
-                <a:uFillTx/>
-                <a:latin typeface="Calibri" panose="020F0502020204030204"/>
-                <a:ea typeface="+mn-ea"/>
-                <a:cs typeface="+mn-cs"/>
+            <a:pPr algn="ctr"/>
+            <a:r>
+              <a:rPr lang="en-US" dirty="0">
                 <a:hlinkClick r:id="rId4"/>
               </a:rPr>
               <a:t>Threat Intelligence filtering</a:t>
             </a:r>
-            <a:endParaRPr kumimoji="0" lang="en-US" sz="1800" b="0" i="0" u="none" strike="noStrike" kern="1200" cap="none" spc="0" normalizeH="0" baseline="0" noProof="0" dirty="0">
-              <a:ln>
-                <a:noFill/>
-              </a:ln>
-              <a:solidFill>
-                <a:prstClr val="white"/>
-              </a:solidFill>
-              <a:effectLst/>
-              <a:uLnTx/>
-              <a:uFillTx/>
-              <a:latin typeface="Calibri" panose="020F0502020204030204"/>
-              <a:ea typeface="+mn-ea"/>
-              <a:cs typeface="+mn-cs"/>
-            </a:endParaRPr>
+            <a:endParaRPr lang="en-US" dirty="0"/>
           </a:p>
         </p:txBody>
       </p:sp>
@@ -4022,127 +3981,33 @@
           <a:bodyPr rtlCol="0" anchor="ctr"/>
           <a:lstStyle/>
           <a:p>
-            <a:pPr marL="0" marR="0" lvl="0" indent="0" algn="ctr" defTabSz="914400" rtl="0" eaLnBrk="1" fontAlgn="auto" latinLnBrk="0" hangingPunct="1">
-              <a:lnSpc>
-                <a:spcPct val="100000"/>
-              </a:lnSpc>
-              <a:spcBef>
-                <a:spcPts val="0"/>
-              </a:spcBef>
-              <a:spcAft>
-                <a:spcPts val="0"/>
-              </a:spcAft>
-              <a:buClrTx/>
-              <a:buSzTx/>
-              <a:buFontTx/>
-              <a:buNone/>
-              <a:tabLst/>
-              <a:defRPr/>
-            </a:pPr>
-            <a:r>
-              <a:rPr kumimoji="0" lang="en-US" sz="1800" b="0" i="0" u="none" strike="noStrike" kern="1200" cap="none" spc="0" normalizeH="0" baseline="0" noProof="0" dirty="0">
-                <a:ln>
-                  <a:noFill/>
-                </a:ln>
-                <a:solidFill>
-                  <a:prstClr val="white"/>
-                </a:solidFill>
-                <a:effectLst/>
-                <a:uLnTx/>
-                <a:uFillTx/>
-                <a:latin typeface="Calibri" panose="020F0502020204030204"/>
-                <a:ea typeface="+mn-ea"/>
-                <a:cs typeface="+mn-cs"/>
-              </a:rPr>
+            <a:pPr algn="ctr"/>
+            <a:r>
+              <a:rPr lang="en-US" dirty="0"/>
               <a:t>Network Rules</a:t>
             </a:r>
           </a:p>
           <a:p>
-            <a:pPr marL="0" marR="0" lvl="0" indent="0" algn="ctr" defTabSz="914400" rtl="0" eaLnBrk="1" fontAlgn="auto" latinLnBrk="0" hangingPunct="1">
-              <a:lnSpc>
-                <a:spcPct val="100000"/>
-              </a:lnSpc>
-              <a:spcBef>
-                <a:spcPts val="0"/>
-              </a:spcBef>
-              <a:spcAft>
-                <a:spcPts val="0"/>
-              </a:spcAft>
-              <a:buClrTx/>
-              <a:buSzTx/>
-              <a:buFontTx/>
-              <a:buNone/>
-              <a:tabLst/>
-              <a:defRPr/>
-            </a:pPr>
-            <a:r>
-              <a:rPr kumimoji="0" lang="en-US" sz="1000" b="0" i="0" u="none" strike="noStrike" kern="1200" cap="none" spc="0" normalizeH="0" baseline="0" noProof="0" dirty="0">
-                <a:ln>
-                  <a:noFill/>
-                </a:ln>
-                <a:solidFill>
-                  <a:prstClr val="white"/>
-                </a:solidFill>
-                <a:effectLst/>
-                <a:uLnTx/>
-                <a:uFillTx/>
-                <a:latin typeface="Calibri" panose="020F0502020204030204"/>
-                <a:ea typeface="+mn-ea"/>
-                <a:cs typeface="+mn-cs"/>
+            <a:pPr algn="ctr"/>
+            <a:r>
+              <a:rPr lang="en-US" sz="1000" dirty="0">
                 <a:hlinkClick r:id="rId5"/>
               </a:rPr>
               <a:t>Supports </a:t>
             </a:r>
             <a:r>
-              <a:rPr kumimoji="0" lang="en-US" sz="1000" b="0" i="0" u="none" strike="noStrike" kern="1200" cap="none" spc="0" normalizeH="0" baseline="0" noProof="0" dirty="0" err="1">
-                <a:ln>
-                  <a:noFill/>
-                </a:ln>
-                <a:solidFill>
-                  <a:prstClr val="white"/>
-                </a:solidFill>
-                <a:effectLst/>
-                <a:uLnTx/>
-                <a:uFillTx/>
-                <a:latin typeface="Calibri" panose="020F0502020204030204"/>
-                <a:ea typeface="+mn-ea"/>
-                <a:cs typeface="+mn-cs"/>
+              <a:rPr lang="en-US" sz="1000" dirty="0" err="1">
                 <a:hlinkClick r:id="rId5"/>
               </a:rPr>
               <a:t>fqdn</a:t>
             </a:r>
             <a:r>
-              <a:rPr kumimoji="0" lang="en-US" sz="1000" b="0" i="0" u="none" strike="noStrike" kern="1200" cap="none" spc="0" normalizeH="0" baseline="0" noProof="0" dirty="0">
-                <a:ln>
-                  <a:noFill/>
-                </a:ln>
-                <a:solidFill>
-                  <a:prstClr val="white"/>
-                </a:solidFill>
-                <a:effectLst/>
-                <a:uLnTx/>
-                <a:uFillTx/>
-                <a:latin typeface="Calibri" panose="020F0502020204030204"/>
-                <a:ea typeface="+mn-ea"/>
-                <a:cs typeface="+mn-cs"/>
+              <a:rPr lang="en-US" sz="1000" dirty="0">
                 <a:hlinkClick r:id="rId5"/>
               </a:rPr>
               <a:t> via DNS</a:t>
             </a:r>
-            <a:endParaRPr kumimoji="0" lang="en-US" sz="1000" b="0" i="0" u="none" strike="noStrike" kern="1200" cap="none" spc="0" normalizeH="0" baseline="0" noProof="0" dirty="0">
-              <a:ln>
-                <a:noFill/>
-              </a:ln>
-              <a:solidFill>
-                <a:prstClr val="white"/>
-              </a:solidFill>
-              <a:effectLst/>
-              <a:uLnTx/>
-              <a:uFillTx/>
-              <a:latin typeface="Calibri" panose="020F0502020204030204"/>
-              <a:ea typeface="+mn-ea"/>
-              <a:cs typeface="+mn-cs"/>
-            </a:endParaRPr>
+            <a:endParaRPr lang="en-US" sz="1000" dirty="0"/>
           </a:p>
         </p:txBody>
       </p:sp>
@@ -4187,38 +4052,9 @@
           <a:bodyPr rtlCol="0" anchor="ctr"/>
           <a:lstStyle/>
           <a:p>
-            <a:pPr marL="0" marR="0" lvl="0" indent="0" algn="ctr" defTabSz="914400" rtl="0" eaLnBrk="1" fontAlgn="auto" latinLnBrk="0" hangingPunct="1">
-              <a:lnSpc>
-                <a:spcPct val="100000"/>
-              </a:lnSpc>
-              <a:spcBef>
-                <a:spcPts val="0"/>
-              </a:spcBef>
-              <a:spcAft>
-                <a:spcPts val="0"/>
-              </a:spcAft>
-              <a:buClrTx/>
-              <a:buSzTx/>
-              <a:buFontTx/>
-              <a:buNone/>
-              <a:tabLst/>
-              <a:defRPr/>
-            </a:pPr>
-            <a:r>
-              <a:rPr kumimoji="0" lang="en-US" sz="1800" b="0" i="0" u="none" strike="noStrike" kern="1200" cap="none" spc="0" normalizeH="0" baseline="0" noProof="0" dirty="0">
-                <a:ln>
-                  <a:noFill/>
-                </a:ln>
-                <a:solidFill>
-                  <a:prstClr val="white"/>
-                </a:solidFill>
-                <a:effectLst/>
-                <a:uLnTx/>
-                <a:uFillTx/>
-                <a:latin typeface="Calibri" panose="020F0502020204030204"/>
-                <a:ea typeface="+mn-ea"/>
-                <a:cs typeface="+mn-cs"/>
-              </a:rPr>
+            <a:pPr algn="ctr"/>
+            <a:r>
+              <a:rPr lang="en-US" dirty="0"/>
               <a:t>Application Rules (HTTP,HTTPS,MSSQL)</a:t>
             </a:r>
           </a:p>
@@ -4265,55 +4101,14 @@
           <a:bodyPr rtlCol="0" anchor="ctr"/>
           <a:lstStyle/>
           <a:p>
-            <a:pPr marL="0" marR="0" lvl="0" indent="0" algn="ctr" defTabSz="914400" rtl="0" eaLnBrk="1" fontAlgn="auto" latinLnBrk="0" hangingPunct="1">
-              <a:lnSpc>
-                <a:spcPct val="100000"/>
-              </a:lnSpc>
-              <a:spcBef>
-                <a:spcPts val="0"/>
-              </a:spcBef>
-              <a:spcAft>
-                <a:spcPts val="0"/>
-              </a:spcAft>
-              <a:buClrTx/>
-              <a:buSzTx/>
-              <a:buFontTx/>
-              <a:buNone/>
-              <a:tabLst/>
-              <a:defRPr/>
-            </a:pPr>
-            <a:r>
-              <a:rPr kumimoji="0" lang="en-US" sz="1800" b="0" i="0" u="none" strike="noStrike" kern="1200" cap="none" spc="0" normalizeH="0" baseline="0" noProof="0" dirty="0">
-                <a:ln>
-                  <a:noFill/>
-                </a:ln>
-                <a:solidFill>
-                  <a:prstClr val="white"/>
-                </a:solidFill>
-                <a:effectLst/>
-                <a:uLnTx/>
-                <a:uFillTx/>
-                <a:latin typeface="Calibri" panose="020F0502020204030204"/>
-                <a:ea typeface="+mn-ea"/>
-                <a:cs typeface="+mn-cs"/>
+            <a:pPr algn="ctr"/>
+            <a:r>
+              <a:rPr lang="en-US" dirty="0">
                 <a:hlinkClick r:id="rId6"/>
               </a:rPr>
               <a:t>Default Azure Infra Rules</a:t>
             </a:r>
-            <a:endParaRPr kumimoji="0" lang="en-US" sz="1800" b="0" i="0" u="none" strike="noStrike" kern="1200" cap="none" spc="0" normalizeH="0" baseline="0" noProof="0" dirty="0">
-              <a:ln>
-                <a:noFill/>
-              </a:ln>
-              <a:solidFill>
-                <a:prstClr val="white"/>
-              </a:solidFill>
-              <a:effectLst/>
-              <a:uLnTx/>
-              <a:uFillTx/>
-              <a:latin typeface="Calibri" panose="020F0502020204030204"/>
-              <a:ea typeface="+mn-ea"/>
-              <a:cs typeface="+mn-cs"/>
-            </a:endParaRPr>
+            <a:endParaRPr lang="en-US" dirty="0"/>
           </a:p>
         </p:txBody>
       </p:sp>
@@ -4361,38 +4156,9 @@
           <a:bodyPr rtlCol="0" anchor="ctr"/>
           <a:lstStyle/>
           <a:p>
-            <a:pPr marL="0" marR="0" lvl="0" indent="0" algn="ctr" defTabSz="914400" rtl="0" eaLnBrk="1" fontAlgn="auto" latinLnBrk="0" hangingPunct="1">
-              <a:lnSpc>
-                <a:spcPct val="100000"/>
-              </a:lnSpc>
-              <a:spcBef>
-                <a:spcPts val="0"/>
-              </a:spcBef>
-              <a:spcAft>
-                <a:spcPts val="0"/>
-              </a:spcAft>
-              <a:buClrTx/>
-              <a:buSzTx/>
-              <a:buFontTx/>
-              <a:buNone/>
-              <a:tabLst/>
-              <a:defRPr/>
-            </a:pPr>
-            <a:r>
-              <a:rPr kumimoji="0" lang="en-US" sz="1800" b="0" i="0" u="none" strike="noStrike" kern="1200" cap="none" spc="0" normalizeH="0" baseline="0" noProof="0" dirty="0">
-                <a:ln>
-                  <a:noFill/>
-                </a:ln>
-                <a:solidFill>
-                  <a:prstClr val="white"/>
-                </a:solidFill>
-                <a:effectLst/>
-                <a:uLnTx/>
-                <a:uFillTx/>
-                <a:latin typeface="Calibri" panose="020F0502020204030204"/>
-                <a:ea typeface="+mn-ea"/>
-                <a:cs typeface="+mn-cs"/>
-              </a:rPr>
+            <a:pPr algn="ctr"/>
+            <a:r>
+              <a:rPr lang="en-US" dirty="0"/>
               <a:t>Denied by Default</a:t>
             </a:r>
           </a:p>
@@ -4444,417 +4210,45 @@
           <a:bodyPr rtlCol="0" anchor="ctr"/>
           <a:lstStyle/>
           <a:p>
-            <a:pPr marL="0" marR="0" lvl="0" indent="0" algn="l" defTabSz="914400" rtl="0" eaLnBrk="1" fontAlgn="auto" latinLnBrk="0" hangingPunct="1">
-              <a:lnSpc>
-                <a:spcPct val="100000"/>
-              </a:lnSpc>
-              <a:spcBef>
-                <a:spcPts val="0"/>
-              </a:spcBef>
-              <a:spcAft>
-                <a:spcPts val="0"/>
-              </a:spcAft>
-              <a:buClrTx/>
-              <a:buSzTx/>
-              <a:buFontTx/>
-              <a:buNone/>
-              <a:tabLst/>
-              <a:defRPr/>
-            </a:pPr>
-            <a:r>
-              <a:rPr kumimoji="0" lang="en-US" sz="1800" b="0" i="0" u="none" strike="noStrike" kern="1200" cap="none" spc="0" normalizeH="0" baseline="0" noProof="0" dirty="0">
-                <a:ln>
-                  <a:noFill/>
-                </a:ln>
-                <a:solidFill>
-                  <a:prstClr val="white"/>
-                </a:solidFill>
-                <a:effectLst/>
-                <a:uLnTx/>
-                <a:uFillTx/>
-                <a:latin typeface="Calibri" panose="020F0502020204030204"/>
-                <a:ea typeface="+mn-ea"/>
-                <a:cs typeface="+mn-cs"/>
-              </a:rPr>
+            <a:r>
+              <a:rPr lang="en-US" dirty="0"/>
               <a:t>Rules are priority based lower to higher processing</a:t>
             </a:r>
           </a:p>
           <a:p>
-            <a:pPr marL="0" marR="0" lvl="0" indent="0" algn="l" defTabSz="914400" rtl="0" eaLnBrk="1" fontAlgn="auto" latinLnBrk="0" hangingPunct="1">
-              <a:lnSpc>
-                <a:spcPct val="100000"/>
-              </a:lnSpc>
-              <a:spcBef>
-                <a:spcPts val="0"/>
-              </a:spcBef>
-              <a:spcAft>
-                <a:spcPts val="0"/>
-              </a:spcAft>
-              <a:buClrTx/>
-              <a:buSzTx/>
-              <a:buFontTx/>
-              <a:buNone/>
-              <a:tabLst/>
-              <a:defRPr/>
-            </a:pPr>
-            <a:endParaRPr kumimoji="0" lang="en-US" sz="1800" b="0" i="0" u="none" strike="noStrike" kern="1200" cap="none" spc="0" normalizeH="0" baseline="0" noProof="0" dirty="0">
-              <a:ln>
-                <a:noFill/>
-              </a:ln>
-              <a:solidFill>
-                <a:prstClr val="white"/>
-              </a:solidFill>
-              <a:effectLst/>
-              <a:uLnTx/>
-              <a:uFillTx/>
-              <a:latin typeface="Calibri" panose="020F0502020204030204"/>
-              <a:ea typeface="+mn-ea"/>
-              <a:cs typeface="+mn-cs"/>
-            </a:endParaRPr>
-          </a:p>
-          <a:p>
-            <a:pPr marL="0" marR="0" lvl="0" indent="0" algn="l" defTabSz="914400" rtl="0" eaLnBrk="1" fontAlgn="auto" latinLnBrk="0" hangingPunct="1">
-              <a:lnSpc>
-                <a:spcPct val="100000"/>
-              </a:lnSpc>
-              <a:spcBef>
-                <a:spcPts val="0"/>
-              </a:spcBef>
-              <a:spcAft>
-                <a:spcPts val="0"/>
-              </a:spcAft>
-              <a:buClrTx/>
-              <a:buSzTx/>
-              <a:buFontTx/>
-              <a:buNone/>
-              <a:tabLst/>
-              <a:defRPr/>
-            </a:pPr>
-            <a:r>
-              <a:rPr kumimoji="0" lang="en-US" sz="1800" b="0" i="0" u="none" strike="noStrike" kern="1200" cap="none" spc="0" normalizeH="0" baseline="0" noProof="0" dirty="0">
-                <a:ln>
-                  <a:noFill/>
-                </a:ln>
-                <a:solidFill>
-                  <a:prstClr val="white"/>
-                </a:solidFill>
-                <a:effectLst/>
-                <a:uLnTx/>
-                <a:uFillTx/>
-                <a:latin typeface="Calibri" panose="020F0502020204030204"/>
-                <a:ea typeface="+mn-ea"/>
-                <a:cs typeface="+mn-cs"/>
-              </a:rPr>
+            <a:endParaRPr lang="en-US" dirty="0"/>
+          </a:p>
+          <a:p>
+            <a:r>
+              <a:rPr lang="en-US" dirty="0"/>
               <a:t>Use priority rules in increments of 100 to allow for changes over time</a:t>
             </a:r>
           </a:p>
           <a:p>
-            <a:pPr marL="0" marR="0" lvl="0" indent="0" algn="l" defTabSz="914400" rtl="0" eaLnBrk="1" fontAlgn="auto" latinLnBrk="0" hangingPunct="1">
-              <a:lnSpc>
-                <a:spcPct val="100000"/>
-              </a:lnSpc>
-              <a:spcBef>
-                <a:spcPts val="0"/>
-              </a:spcBef>
-              <a:spcAft>
-                <a:spcPts val="0"/>
-              </a:spcAft>
-              <a:buClrTx/>
-              <a:buSzTx/>
-              <a:buFontTx/>
-              <a:buNone/>
-              <a:tabLst/>
-              <a:defRPr/>
-            </a:pPr>
-            <a:endParaRPr kumimoji="0" lang="en-US" sz="1800" b="0" i="0" u="none" strike="noStrike" kern="1200" cap="none" spc="0" normalizeH="0" baseline="0" noProof="0" dirty="0">
-              <a:ln>
-                <a:noFill/>
-              </a:ln>
-              <a:solidFill>
-                <a:prstClr val="white"/>
-              </a:solidFill>
-              <a:effectLst/>
-              <a:uLnTx/>
-              <a:uFillTx/>
-              <a:latin typeface="Calibri" panose="020F0502020204030204"/>
-              <a:ea typeface="+mn-ea"/>
-              <a:cs typeface="+mn-cs"/>
-            </a:endParaRPr>
-          </a:p>
-          <a:p>
-            <a:pPr marL="0" marR="0" lvl="0" indent="0" algn="l" defTabSz="914400" rtl="0" eaLnBrk="1" fontAlgn="auto" latinLnBrk="0" hangingPunct="1">
-              <a:lnSpc>
-                <a:spcPct val="100000"/>
-              </a:lnSpc>
-              <a:spcBef>
-                <a:spcPts val="0"/>
-              </a:spcBef>
-              <a:spcAft>
-                <a:spcPts val="0"/>
-              </a:spcAft>
-              <a:buClrTx/>
-              <a:buSzTx/>
-              <a:buFontTx/>
-              <a:buNone/>
-              <a:tabLst/>
-              <a:defRPr/>
-            </a:pPr>
-            <a:r>
-              <a:rPr kumimoji="0" lang="en-US" sz="1800" b="0" i="0" u="none" strike="noStrike" kern="1200" cap="none" spc="0" normalizeH="0" baseline="0" noProof="0" dirty="0">
-                <a:ln>
-                  <a:noFill/>
-                </a:ln>
-                <a:solidFill>
-                  <a:prstClr val="white"/>
-                </a:solidFill>
-                <a:effectLst/>
-                <a:uLnTx/>
-                <a:uFillTx/>
-                <a:latin typeface="Calibri" panose="020F0502020204030204"/>
-                <a:ea typeface="+mn-ea"/>
-                <a:cs typeface="+mn-cs"/>
-              </a:rPr>
+            <a:endParaRPr lang="en-US" dirty="0"/>
+          </a:p>
+          <a:p>
+            <a:r>
+              <a:rPr lang="en-US" dirty="0"/>
               <a:t>Once a rule match occurs processing is terminated and Action occurs:</a:t>
             </a:r>
           </a:p>
           <a:p>
-            <a:pPr marL="0" marR="0" lvl="0" indent="0" algn="l" defTabSz="914400" rtl="0" eaLnBrk="1" fontAlgn="auto" latinLnBrk="0" hangingPunct="1">
-              <a:lnSpc>
-                <a:spcPct val="100000"/>
-              </a:lnSpc>
-              <a:spcBef>
-                <a:spcPts val="0"/>
-              </a:spcBef>
-              <a:spcAft>
-                <a:spcPts val="0"/>
-              </a:spcAft>
-              <a:buClrTx/>
-              <a:buSzTx/>
-              <a:buFontTx/>
-              <a:buNone/>
-              <a:tabLst/>
-              <a:defRPr/>
-            </a:pPr>
-            <a:endParaRPr kumimoji="0" lang="en-US" sz="1800" b="0" i="0" u="none" strike="noStrike" kern="1200" cap="none" spc="0" normalizeH="0" baseline="0" noProof="0" dirty="0">
-              <a:ln>
-                <a:noFill/>
-              </a:ln>
-              <a:solidFill>
-                <a:prstClr val="white"/>
-              </a:solidFill>
-              <a:effectLst/>
-              <a:uLnTx/>
-              <a:uFillTx/>
-              <a:latin typeface="Calibri" panose="020F0502020204030204"/>
-              <a:ea typeface="+mn-ea"/>
-              <a:cs typeface="+mn-cs"/>
-            </a:endParaRPr>
-          </a:p>
-          <a:p>
-            <a:pPr marL="0" marR="0" lvl="0" indent="0" algn="l" defTabSz="914400" rtl="0" eaLnBrk="1" fontAlgn="auto" latinLnBrk="0" hangingPunct="1">
-              <a:lnSpc>
-                <a:spcPct val="100000"/>
-              </a:lnSpc>
-              <a:spcBef>
-                <a:spcPts val="0"/>
-              </a:spcBef>
-              <a:spcAft>
-                <a:spcPts val="0"/>
-              </a:spcAft>
-              <a:buClrTx/>
-              <a:buSzTx/>
-              <a:buFontTx/>
-              <a:buNone/>
-              <a:tabLst/>
-              <a:defRPr/>
-            </a:pPr>
-            <a:r>
-              <a:rPr kumimoji="0" lang="en-US" sz="1800" b="0" i="0" u="none" strike="noStrike" kern="1200" cap="none" spc="0" normalizeH="0" baseline="0" noProof="0" dirty="0">
-                <a:ln>
-                  <a:noFill/>
-                </a:ln>
-                <a:solidFill>
-                  <a:prstClr val="white"/>
-                </a:solidFill>
-                <a:effectLst/>
-                <a:uLnTx/>
-                <a:uFillTx/>
-                <a:latin typeface="Calibri" panose="020F0502020204030204"/>
-                <a:ea typeface="+mn-ea"/>
-                <a:cs typeface="+mn-cs"/>
-              </a:rPr>
+            <a:endParaRPr lang="en-US" dirty="0"/>
+          </a:p>
+          <a:p>
+            <a:r>
+              <a:rPr lang="en-US" dirty="0"/>
               <a:t> Audit, Allow, Deny</a:t>
             </a:r>
           </a:p>
           <a:p>
-            <a:pPr marL="0" marR="0" lvl="0" indent="0" algn="l" defTabSz="914400" rtl="0" eaLnBrk="1" fontAlgn="auto" latinLnBrk="0" hangingPunct="1">
-              <a:lnSpc>
-                <a:spcPct val="100000"/>
-              </a:lnSpc>
-              <a:spcBef>
-                <a:spcPts val="0"/>
-              </a:spcBef>
-              <a:spcAft>
-                <a:spcPts val="0"/>
-              </a:spcAft>
-              <a:buClrTx/>
-              <a:buSzTx/>
-              <a:buFontTx/>
-              <a:buNone/>
-              <a:tabLst/>
-              <a:defRPr/>
-            </a:pPr>
-            <a:endParaRPr lang="en-US" dirty="0">
-              <a:solidFill>
-                <a:prstClr val="white"/>
-              </a:solidFill>
-              <a:latin typeface="Calibri" panose="020F0502020204030204"/>
-            </a:endParaRPr>
-          </a:p>
-          <a:p>
-            <a:pPr marL="0" marR="0" lvl="0" indent="0" algn="l" defTabSz="914400" rtl="0" eaLnBrk="1" fontAlgn="auto" latinLnBrk="0" hangingPunct="1">
-              <a:lnSpc>
-                <a:spcPct val="100000"/>
-              </a:lnSpc>
-              <a:spcBef>
-                <a:spcPts val="0"/>
-              </a:spcBef>
-              <a:spcAft>
-                <a:spcPts val="0"/>
-              </a:spcAft>
-              <a:buClrTx/>
-              <a:buSzTx/>
-              <a:buFontTx/>
-              <a:buNone/>
-              <a:tabLst/>
-              <a:defRPr/>
-            </a:pPr>
-            <a:r>
-              <a:rPr kumimoji="0" lang="en-US" sz="1800" b="0" i="0" u="none" strike="noStrike" kern="1200" cap="none" spc="0" normalizeH="0" baseline="0" noProof="0" dirty="0">
-                <a:ln>
-                  <a:noFill/>
-                </a:ln>
-                <a:solidFill>
-                  <a:prstClr val="white"/>
-                </a:solidFill>
-                <a:effectLst/>
-                <a:uLnTx/>
-                <a:uFillTx/>
-                <a:latin typeface="Calibri" panose="020F0502020204030204"/>
-                <a:ea typeface="+mn-ea"/>
-                <a:cs typeface="+mn-cs"/>
-              </a:rPr>
-              <a:t>If action </a:t>
-            </a:r>
-            <a:r>
-              <a:rPr lang="en-US" dirty="0">
-                <a:solidFill>
-                  <a:prstClr val="white"/>
-                </a:solidFill>
-                <a:latin typeface="Calibri" panose="020F0502020204030204"/>
-              </a:rPr>
-              <a:t>A</a:t>
-            </a:r>
-            <a:r>
-              <a:rPr kumimoji="0" lang="en-US" sz="1800" b="0" i="0" u="none" strike="noStrike" kern="1200" cap="none" spc="0" normalizeH="0" baseline="0" noProof="0" dirty="0" err="1">
-                <a:ln>
-                  <a:noFill/>
-                </a:ln>
-                <a:solidFill>
-                  <a:prstClr val="white"/>
-                </a:solidFill>
-                <a:effectLst/>
-                <a:uLnTx/>
-                <a:uFillTx/>
-                <a:latin typeface="Calibri" panose="020F0502020204030204"/>
-                <a:ea typeface="+mn-ea"/>
-                <a:cs typeface="+mn-cs"/>
-              </a:rPr>
-              <a:t>llow</a:t>
-            </a:r>
-            <a:r>
-              <a:rPr kumimoji="0" lang="en-US" sz="1800" b="0" i="0" u="none" strike="noStrike" kern="1200" cap="none" spc="0" normalizeH="0" baseline="0" noProof="0" dirty="0">
-                <a:ln>
-                  <a:noFill/>
-                </a:ln>
-                <a:solidFill>
-                  <a:prstClr val="white"/>
-                </a:solidFill>
-                <a:effectLst/>
-                <a:uLnTx/>
-                <a:uFillTx/>
-                <a:latin typeface="Calibri" panose="020F0502020204030204"/>
-                <a:ea typeface="+mn-ea"/>
-                <a:cs typeface="+mn-cs"/>
-              </a:rPr>
-              <a:t> then IDPS inspects</a:t>
-            </a:r>
-          </a:p>
-          <a:p>
-            <a:pPr marL="0" marR="0" lvl="0" indent="0" algn="ctr" defTabSz="914400" rtl="0" eaLnBrk="1" fontAlgn="auto" latinLnBrk="0" hangingPunct="1">
-              <a:lnSpc>
-                <a:spcPct val="100000"/>
-              </a:lnSpc>
-              <a:spcBef>
-                <a:spcPts val="0"/>
-              </a:spcBef>
-              <a:spcAft>
-                <a:spcPts val="0"/>
-              </a:spcAft>
-              <a:buClrTx/>
-              <a:buSzTx/>
-              <a:buFontTx/>
-              <a:buNone/>
-              <a:tabLst/>
-              <a:defRPr/>
-            </a:pPr>
-            <a:endParaRPr kumimoji="0" lang="en-US" sz="1800" b="0" i="0" u="none" strike="noStrike" kern="1200" cap="none" spc="0" normalizeH="0" baseline="0" noProof="0" dirty="0">
-              <a:ln>
-                <a:noFill/>
-              </a:ln>
-              <a:solidFill>
-                <a:prstClr val="white"/>
-              </a:solidFill>
-              <a:effectLst/>
-              <a:uLnTx/>
-              <a:uFillTx/>
-              <a:latin typeface="Calibri" panose="020F0502020204030204"/>
-              <a:ea typeface="+mn-ea"/>
-              <a:cs typeface="+mn-cs"/>
-            </a:endParaRPr>
-          </a:p>
-          <a:p>
-            <a:pPr marL="0" marR="0" lvl="0" indent="0" algn="ctr" defTabSz="914400" rtl="0" eaLnBrk="1" fontAlgn="auto" latinLnBrk="0" hangingPunct="1">
-              <a:lnSpc>
-                <a:spcPct val="100000"/>
-              </a:lnSpc>
-              <a:spcBef>
-                <a:spcPts val="0"/>
-              </a:spcBef>
-              <a:spcAft>
-                <a:spcPts val="0"/>
-              </a:spcAft>
-              <a:buClrTx/>
-              <a:buSzTx/>
-              <a:buFontTx/>
-              <a:buNone/>
-              <a:tabLst/>
-              <a:defRPr/>
-            </a:pPr>
-            <a:endParaRPr kumimoji="0" lang="en-US" sz="1800" b="0" i="0" u="none" strike="noStrike" kern="1200" cap="none" spc="0" normalizeH="0" baseline="0" noProof="0" dirty="0">
-              <a:ln>
-                <a:noFill/>
-              </a:ln>
-              <a:solidFill>
-                <a:prstClr val="white"/>
-              </a:solidFill>
-              <a:effectLst/>
-              <a:uLnTx/>
-              <a:uFillTx/>
-              <a:latin typeface="Calibri" panose="020F0502020204030204"/>
-              <a:ea typeface="+mn-ea"/>
-              <a:cs typeface="+mn-cs"/>
-            </a:endParaRPr>
+            <a:pPr algn="ctr"/>
+            <a:endParaRPr lang="en-US" dirty="0"/>
+          </a:p>
+          <a:p>
+            <a:pPr algn="ctr"/>
+            <a:endParaRPr lang="en-US" dirty="0"/>
           </a:p>
         </p:txBody>
       </p:sp>
@@ -4947,55 +4341,14 @@
           <a:bodyPr rtlCol="0" anchor="ctr"/>
           <a:lstStyle/>
           <a:p>
-            <a:pPr marL="0" marR="0" lvl="0" indent="0" algn="ctr" defTabSz="914400" rtl="0" eaLnBrk="1" fontAlgn="auto" latinLnBrk="0" hangingPunct="1">
-              <a:lnSpc>
-                <a:spcPct val="100000"/>
-              </a:lnSpc>
-              <a:spcBef>
-                <a:spcPts val="0"/>
-              </a:spcBef>
-              <a:spcAft>
-                <a:spcPts val="0"/>
-              </a:spcAft>
-              <a:buClrTx/>
-              <a:buSzTx/>
-              <a:buFontTx/>
-              <a:buNone/>
-              <a:tabLst/>
-              <a:defRPr/>
-            </a:pPr>
-            <a:r>
-              <a:rPr kumimoji="0" lang="en-US" sz="1800" b="0" i="0" u="none" strike="noStrike" kern="1200" cap="none" spc="0" normalizeH="0" baseline="0" noProof="0" dirty="0">
-                <a:ln>
-                  <a:noFill/>
-                </a:ln>
-                <a:solidFill>
-                  <a:prstClr val="white"/>
-                </a:solidFill>
-                <a:effectLst/>
-                <a:uLnTx/>
-                <a:uFillTx/>
-                <a:latin typeface="Calibri" panose="020F0502020204030204"/>
-                <a:ea typeface="+mn-ea"/>
-                <a:cs typeface="+mn-cs"/>
+            <a:pPr algn="ctr"/>
+            <a:r>
+              <a:rPr lang="en-US" dirty="0">
                 <a:hlinkClick r:id="rId7"/>
               </a:rPr>
               <a:t>DNAT Rule</a:t>
             </a:r>
-            <a:endParaRPr kumimoji="0" lang="en-US" sz="1800" b="0" i="0" u="none" strike="noStrike" kern="1200" cap="none" spc="0" normalizeH="0" baseline="0" noProof="0" dirty="0">
-              <a:ln>
-                <a:noFill/>
-              </a:ln>
-              <a:solidFill>
-                <a:prstClr val="white"/>
-              </a:solidFill>
-              <a:effectLst/>
-              <a:uLnTx/>
-              <a:uFillTx/>
-              <a:latin typeface="Calibri" panose="020F0502020204030204"/>
-              <a:ea typeface="+mn-ea"/>
-              <a:cs typeface="+mn-cs"/>
-            </a:endParaRPr>
+            <a:endParaRPr lang="en-US" dirty="0"/>
           </a:p>
         </p:txBody>
       </p:sp>
@@ -5046,110 +4399,23 @@
           <a:bodyPr rtlCol="0" anchor="ctr"/>
           <a:lstStyle/>
           <a:p>
-            <a:pPr marL="0" marR="0" lvl="0" indent="0" algn="ctr" defTabSz="914400" rtl="0" eaLnBrk="1" fontAlgn="auto" latinLnBrk="0" hangingPunct="1">
-              <a:lnSpc>
-                <a:spcPct val="100000"/>
-              </a:lnSpc>
-              <a:spcBef>
-                <a:spcPts val="0"/>
-              </a:spcBef>
-              <a:spcAft>
-                <a:spcPts val="0"/>
-              </a:spcAft>
-              <a:buClrTx/>
-              <a:buSzTx/>
-              <a:buFontTx/>
-              <a:buNone/>
-              <a:tabLst/>
-              <a:defRPr/>
-            </a:pPr>
-            <a:r>
-              <a:rPr kumimoji="0" lang="en-US" sz="1200" b="0" i="0" u="none" strike="noStrike" kern="1200" cap="none" spc="0" normalizeH="0" baseline="0" noProof="0" dirty="0">
-                <a:ln>
-                  <a:noFill/>
-                </a:ln>
-                <a:solidFill>
-                  <a:prstClr val="white"/>
-                </a:solidFill>
-                <a:effectLst/>
-                <a:uLnTx/>
-                <a:uFillTx/>
-                <a:latin typeface="Calibri" panose="020F0502020204030204"/>
-                <a:ea typeface="+mn-ea"/>
-                <a:cs typeface="+mn-cs"/>
-              </a:rPr>
+            <a:pPr algn="ctr"/>
+            <a:r>
+              <a:rPr lang="en-US" sz="1200" dirty="0"/>
               <a:t>Default implicit</a:t>
             </a:r>
           </a:p>
           <a:p>
-            <a:pPr marL="0" marR="0" lvl="0" indent="0" algn="ctr" defTabSz="914400" rtl="0" eaLnBrk="1" fontAlgn="auto" latinLnBrk="0" hangingPunct="1">
-              <a:lnSpc>
-                <a:spcPct val="100000"/>
-              </a:lnSpc>
-              <a:spcBef>
-                <a:spcPts val="0"/>
-              </a:spcBef>
-              <a:spcAft>
-                <a:spcPts val="0"/>
-              </a:spcAft>
-              <a:buClrTx/>
-              <a:buSzTx/>
-              <a:buFontTx/>
-              <a:buNone/>
-              <a:tabLst/>
-              <a:defRPr/>
-            </a:pPr>
-            <a:r>
-              <a:rPr kumimoji="0" lang="en-US" sz="1200" b="0" i="0" u="none" strike="noStrike" kern="1200" cap="none" spc="0" normalizeH="0" baseline="0" noProof="0" dirty="0">
-                <a:ln>
-                  <a:noFill/>
-                </a:ln>
-                <a:solidFill>
-                  <a:prstClr val="white"/>
-                </a:solidFill>
-                <a:effectLst/>
-                <a:uLnTx/>
-                <a:uFillTx/>
-                <a:latin typeface="Calibri" panose="020F0502020204030204"/>
-                <a:ea typeface="+mn-ea"/>
-                <a:cs typeface="+mn-cs"/>
-              </a:rPr>
+            <a:pPr algn="ctr"/>
+            <a:r>
+              <a:rPr lang="en-US" sz="1200" dirty="0"/>
               <a:t>Network Rule</a:t>
             </a:r>
           </a:p>
           <a:p>
-            <a:pPr marL="0" marR="0" lvl="0" indent="0" algn="ctr" defTabSz="914400" rtl="0" eaLnBrk="1" fontAlgn="auto" latinLnBrk="0" hangingPunct="1">
-              <a:lnSpc>
-                <a:spcPct val="100000"/>
-              </a:lnSpc>
-              <a:spcBef>
-                <a:spcPts val="0"/>
-              </a:spcBef>
-              <a:spcAft>
-                <a:spcPts val="0"/>
-              </a:spcAft>
-              <a:buClrTx/>
-              <a:buSzTx/>
-              <a:buFontTx/>
-              <a:buNone/>
-              <a:tabLst/>
-              <a:defRPr/>
-            </a:pPr>
-            <a:r>
-              <a:rPr kumimoji="0" lang="en-US" sz="1200" b="0" i="0" u="none" strike="noStrike" kern="1200" cap="none" spc="0" normalizeH="0" baseline="0" noProof="0" dirty="0">
-                <a:ln>
-                  <a:noFill/>
-                </a:ln>
-                <a:solidFill>
-                  <a:prstClr val="white"/>
-                </a:solidFill>
-                <a:effectLst/>
-                <a:uLnTx/>
-                <a:uFillTx/>
-                <a:latin typeface="Calibri" panose="020F0502020204030204"/>
-                <a:ea typeface="+mn-ea"/>
-                <a:cs typeface="+mn-cs"/>
-              </a:rPr>
+            <a:pPr algn="ctr"/>
+            <a:r>
+              <a:rPr lang="en-US" sz="1200" dirty="0"/>
               <a:t>Created</a:t>
             </a:r>
           </a:p>
@@ -5202,215 +4468,24 @@
           <a:bodyPr rtlCol="0" anchor="ctr"/>
           <a:lstStyle/>
           <a:p>
-            <a:pPr marL="0" marR="0" lvl="0" indent="0" algn="ctr" defTabSz="914400" rtl="0" eaLnBrk="1" fontAlgn="auto" latinLnBrk="0" hangingPunct="1">
-              <a:lnSpc>
-                <a:spcPct val="100000"/>
-              </a:lnSpc>
-              <a:spcBef>
-                <a:spcPts val="0"/>
-              </a:spcBef>
-              <a:spcAft>
-                <a:spcPts val="0"/>
-              </a:spcAft>
-              <a:buClrTx/>
-              <a:buSzTx/>
-              <a:buFontTx/>
-              <a:buNone/>
-              <a:tabLst/>
-              <a:defRPr/>
-            </a:pPr>
-            <a:r>
-              <a:rPr kumimoji="0" lang="en-US" sz="1200" b="0" i="0" u="none" strike="noStrike" kern="1200" cap="none" spc="0" normalizeH="0" baseline="0" noProof="0" dirty="0">
-                <a:ln>
-                  <a:noFill/>
-                </a:ln>
-                <a:solidFill>
-                  <a:prstClr val="white"/>
-                </a:solidFill>
-                <a:effectLst/>
-                <a:uLnTx/>
-                <a:uFillTx/>
-                <a:latin typeface="Calibri" panose="020F0502020204030204"/>
-                <a:ea typeface="+mn-ea"/>
-                <a:cs typeface="+mn-cs"/>
-              </a:rPr>
+            <a:pPr algn="ctr"/>
+            <a:r>
+              <a:rPr lang="en-US" sz="1200" dirty="0"/>
               <a:t>Explicit Deny</a:t>
             </a:r>
           </a:p>
           <a:p>
-            <a:pPr marL="0" marR="0" lvl="0" indent="0" algn="ctr" defTabSz="914400" rtl="0" eaLnBrk="1" fontAlgn="auto" latinLnBrk="0" hangingPunct="1">
-              <a:lnSpc>
-                <a:spcPct val="100000"/>
-              </a:lnSpc>
-              <a:spcBef>
-                <a:spcPts val="0"/>
-              </a:spcBef>
-              <a:spcAft>
-                <a:spcPts val="0"/>
-              </a:spcAft>
-              <a:buClrTx/>
-              <a:buSzTx/>
-              <a:buFontTx/>
-              <a:buNone/>
-              <a:tabLst/>
-              <a:defRPr/>
-            </a:pPr>
-            <a:r>
-              <a:rPr kumimoji="0" lang="en-US" sz="1200" b="0" i="0" u="none" strike="noStrike" kern="1200" cap="none" spc="0" normalizeH="0" baseline="0" noProof="0" dirty="0">
-                <a:ln>
-                  <a:noFill/>
-                </a:ln>
-                <a:solidFill>
-                  <a:prstClr val="white"/>
-                </a:solidFill>
-                <a:effectLst/>
-                <a:uLnTx/>
-                <a:uFillTx/>
-                <a:latin typeface="Calibri" panose="020F0502020204030204"/>
-                <a:ea typeface="+mn-ea"/>
-                <a:cs typeface="+mn-cs"/>
-              </a:rPr>
+            <a:pPr algn="ctr"/>
+            <a:r>
+              <a:rPr lang="en-US" sz="1200" dirty="0"/>
               <a:t>Network Rule</a:t>
             </a:r>
           </a:p>
           <a:p>
-            <a:pPr marL="0" marR="0" lvl="0" indent="0" algn="ctr" defTabSz="914400" rtl="0" eaLnBrk="1" fontAlgn="auto" latinLnBrk="0" hangingPunct="1">
-              <a:lnSpc>
-                <a:spcPct val="100000"/>
-              </a:lnSpc>
-              <a:spcBef>
-                <a:spcPts val="0"/>
-              </a:spcBef>
-              <a:spcAft>
-                <a:spcPts val="0"/>
-              </a:spcAft>
-              <a:buClrTx/>
-              <a:buSzTx/>
-              <a:buFontTx/>
-              <a:buNone/>
-              <a:tabLst/>
-              <a:defRPr/>
-            </a:pPr>
-            <a:r>
-              <a:rPr kumimoji="0" lang="en-US" sz="1200" b="0" i="0" u="none" strike="noStrike" kern="1200" cap="none" spc="0" normalizeH="0" baseline="0" noProof="0" dirty="0">
-                <a:ln>
-                  <a:noFill/>
-                </a:ln>
-                <a:solidFill>
-                  <a:prstClr val="white"/>
-                </a:solidFill>
-                <a:effectLst/>
-                <a:uLnTx/>
-                <a:uFillTx/>
-                <a:latin typeface="Calibri" panose="020F0502020204030204"/>
-                <a:ea typeface="+mn-ea"/>
-                <a:cs typeface="+mn-cs"/>
-              </a:rPr>
+            <a:pPr algn="ctr"/>
+            <a:r>
+              <a:rPr lang="en-US" sz="1200" dirty="0"/>
               <a:t>User must generate</a:t>
-            </a:r>
-          </a:p>
-        </p:txBody>
-      </p:sp>
-      <p:sp>
-        <p:nvSpPr>
-          <p:cNvPr id="5" name="Rectangle 4">
-            <a:extLst>
-              <a:ext uri="{FF2B5EF4-FFF2-40B4-BE49-F238E27FC236}">
-                <a16:creationId xmlns:a16="http://schemas.microsoft.com/office/drawing/2014/main" id="{24B013C4-C63E-44D9-BF7F-B1C56FC10D64}"/>
-              </a:ext>
-            </a:extLst>
-          </p:cNvPr>
-          <p:cNvSpPr/>
-          <p:nvPr/>
-        </p:nvSpPr>
-        <p:spPr>
-          <a:xfrm>
-            <a:off x="3033319" y="3299363"/>
-            <a:ext cx="6137246" cy="164197"/>
-          </a:xfrm>
-          <a:prstGeom prst="rect">
-            <a:avLst/>
-          </a:prstGeom>
-          <a:solidFill>
-            <a:srgbClr val="002060"/>
-          </a:solidFill>
-        </p:spPr>
-        <p:style>
-          <a:lnRef idx="2">
-            <a:schemeClr val="accent1">
-              <a:shade val="50000"/>
-            </a:schemeClr>
-          </a:lnRef>
-          <a:fillRef idx="1">
-            <a:schemeClr val="accent1"/>
-          </a:fillRef>
-          <a:effectRef idx="0">
-            <a:schemeClr val="accent1"/>
-          </a:effectRef>
-          <a:fontRef idx="minor">
-            <a:schemeClr val="lt1"/>
-          </a:fontRef>
-        </p:style>
-        <p:txBody>
-          <a:bodyPr rtlCol="0" anchor="ctr"/>
-          <a:lstStyle/>
-          <a:p>
-            <a:pPr algn="ctr"/>
-            <a:r>
-              <a:rPr lang="en-US" dirty="0"/>
-              <a:t>IDPS</a:t>
-            </a:r>
-          </a:p>
-        </p:txBody>
-      </p:sp>
-      <p:sp>
-        <p:nvSpPr>
-          <p:cNvPr id="9" name="Rectangle 8">
-            <a:extLst>
-              <a:ext uri="{FF2B5EF4-FFF2-40B4-BE49-F238E27FC236}">
-                <a16:creationId xmlns:a16="http://schemas.microsoft.com/office/drawing/2014/main" id="{9B90D81D-FFCA-4D46-B400-38E08ADEEE5E}"/>
-              </a:ext>
-            </a:extLst>
-          </p:cNvPr>
-          <p:cNvSpPr/>
-          <p:nvPr/>
-        </p:nvSpPr>
-        <p:spPr>
-          <a:xfrm>
-            <a:off x="3033319" y="4233338"/>
-            <a:ext cx="6137246" cy="164197"/>
-          </a:xfrm>
-          <a:prstGeom prst="rect">
-            <a:avLst/>
-          </a:prstGeom>
-          <a:solidFill>
-            <a:srgbClr val="002060"/>
-          </a:solidFill>
-        </p:spPr>
-        <p:style>
-          <a:lnRef idx="2">
-            <a:schemeClr val="accent1">
-              <a:shade val="50000"/>
-            </a:schemeClr>
-          </a:lnRef>
-          <a:fillRef idx="1">
-            <a:schemeClr val="accent1"/>
-          </a:fillRef>
-          <a:effectRef idx="0">
-            <a:schemeClr val="accent1"/>
-          </a:effectRef>
-          <a:fontRef idx="minor">
-            <a:schemeClr val="lt1"/>
-          </a:fontRef>
-        </p:style>
-        <p:txBody>
-          <a:bodyPr rtlCol="0" anchor="ctr"/>
-          <a:lstStyle/>
-          <a:p>
-            <a:pPr algn="ctr"/>
-            <a:r>
-              <a:rPr lang="en-US" dirty="0"/>
-              <a:t>IDPS</a:t>
             </a:r>
           </a:p>
         </p:txBody>
@@ -5418,7 +4493,7 @@
     </p:spTree>
     <p:extLst>
       <p:ext uri="{BB962C8B-B14F-4D97-AF65-F5344CB8AC3E}">
-        <p14:creationId xmlns:p14="http://schemas.microsoft.com/office/powerpoint/2010/main" val="828510238"/>
+        <p14:creationId xmlns:p14="http://schemas.microsoft.com/office/powerpoint/2010/main" val="953273677"/>
       </p:ext>
     </p:extLst>
   </p:cSld>
@@ -5521,14 +4596,55 @@
           <a:bodyPr rtlCol="0" anchor="ctr"/>
           <a:lstStyle/>
           <a:p>
-            <a:pPr algn="ctr"/>
-            <a:r>
-              <a:rPr lang="en-US" dirty="0">
+            <a:pPr marL="0" marR="0" lvl="0" indent="0" algn="ctr" defTabSz="914400" rtl="0" eaLnBrk="1" fontAlgn="auto" latinLnBrk="0" hangingPunct="1">
+              <a:lnSpc>
+                <a:spcPct val="100000"/>
+              </a:lnSpc>
+              <a:spcBef>
+                <a:spcPts val="0"/>
+              </a:spcBef>
+              <a:spcAft>
+                <a:spcPts val="0"/>
+              </a:spcAft>
+              <a:buClrTx/>
+              <a:buSzTx/>
+              <a:buFontTx/>
+              <a:buNone/>
+              <a:tabLst/>
+              <a:defRPr/>
+            </a:pPr>
+            <a:r>
+              <a:rPr kumimoji="0" lang="en-US" sz="1800" b="0" i="0" u="none" strike="noStrike" kern="1200" cap="none" spc="0" normalizeH="0" baseline="0" noProof="0" dirty="0">
+                <a:ln>
+                  <a:noFill/>
+                </a:ln>
+                <a:solidFill>
+                  <a:prstClr val="white"/>
+                </a:solidFill>
+                <a:effectLst/>
+                <a:uLnTx/>
+                <a:uFillTx/>
+                <a:latin typeface="Calibri" panose="020F0502020204030204"/>
+                <a:ea typeface="+mn-ea"/>
+                <a:cs typeface="+mn-cs"/>
                 <a:hlinkClick r:id="rId4"/>
               </a:rPr>
               <a:t>Threat Intelligence filtering</a:t>
             </a:r>
-            <a:endParaRPr lang="en-US" dirty="0"/>
+            <a:endParaRPr kumimoji="0" lang="en-US" sz="1800" b="0" i="0" u="none" strike="noStrike" kern="1200" cap="none" spc="0" normalizeH="0" baseline="0" noProof="0" dirty="0">
+              <a:ln>
+                <a:noFill/>
+              </a:ln>
+              <a:solidFill>
+                <a:prstClr val="white"/>
+              </a:solidFill>
+              <a:effectLst/>
+              <a:uLnTx/>
+              <a:uFillTx/>
+              <a:latin typeface="Calibri" panose="020F0502020204030204"/>
+              <a:ea typeface="+mn-ea"/>
+              <a:cs typeface="+mn-cs"/>
+            </a:endParaRPr>
           </a:p>
         </p:txBody>
       </p:sp>
@@ -5573,33 +4689,127 @@
           <a:bodyPr rtlCol="0" anchor="ctr"/>
           <a:lstStyle/>
           <a:p>
-            <a:pPr algn="ctr"/>
-            <a:r>
-              <a:rPr lang="en-US" dirty="0"/>
+            <a:pPr marL="0" marR="0" lvl="0" indent="0" algn="ctr" defTabSz="914400" rtl="0" eaLnBrk="1" fontAlgn="auto" latinLnBrk="0" hangingPunct="1">
+              <a:lnSpc>
+                <a:spcPct val="100000"/>
+              </a:lnSpc>
+              <a:spcBef>
+                <a:spcPts val="0"/>
+              </a:spcBef>
+              <a:spcAft>
+                <a:spcPts val="0"/>
+              </a:spcAft>
+              <a:buClrTx/>
+              <a:buSzTx/>
+              <a:buFontTx/>
+              <a:buNone/>
+              <a:tabLst/>
+              <a:defRPr/>
+            </a:pPr>
+            <a:r>
+              <a:rPr kumimoji="0" lang="en-US" sz="1800" b="0" i="0" u="none" strike="noStrike" kern="1200" cap="none" spc="0" normalizeH="0" baseline="0" noProof="0" dirty="0">
+                <a:ln>
+                  <a:noFill/>
+                </a:ln>
+                <a:solidFill>
+                  <a:prstClr val="white"/>
+                </a:solidFill>
+                <a:effectLst/>
+                <a:uLnTx/>
+                <a:uFillTx/>
+                <a:latin typeface="Calibri" panose="020F0502020204030204"/>
+                <a:ea typeface="+mn-ea"/>
+                <a:cs typeface="+mn-cs"/>
+              </a:rPr>
               <a:t>Network Rules</a:t>
             </a:r>
           </a:p>
           <a:p>
-            <a:pPr algn="ctr"/>
-            <a:r>
-              <a:rPr lang="en-US" sz="1000" dirty="0">
+            <a:pPr marL="0" marR="0" lvl="0" indent="0" algn="ctr" defTabSz="914400" rtl="0" eaLnBrk="1" fontAlgn="auto" latinLnBrk="0" hangingPunct="1">
+              <a:lnSpc>
+                <a:spcPct val="100000"/>
+              </a:lnSpc>
+              <a:spcBef>
+                <a:spcPts val="0"/>
+              </a:spcBef>
+              <a:spcAft>
+                <a:spcPts val="0"/>
+              </a:spcAft>
+              <a:buClrTx/>
+              <a:buSzTx/>
+              <a:buFontTx/>
+              <a:buNone/>
+              <a:tabLst/>
+              <a:defRPr/>
+            </a:pPr>
+            <a:r>
+              <a:rPr kumimoji="0" lang="en-US" sz="1000" b="0" i="0" u="none" strike="noStrike" kern="1200" cap="none" spc="0" normalizeH="0" baseline="0" noProof="0" dirty="0">
+                <a:ln>
+                  <a:noFill/>
+                </a:ln>
+                <a:solidFill>
+                  <a:prstClr val="white"/>
+                </a:solidFill>
+                <a:effectLst/>
+                <a:uLnTx/>
+                <a:uFillTx/>
+                <a:latin typeface="Calibri" panose="020F0502020204030204"/>
+                <a:ea typeface="+mn-ea"/>
+                <a:cs typeface="+mn-cs"/>
                 <a:hlinkClick r:id="rId5"/>
               </a:rPr>
               <a:t>Supports </a:t>
             </a:r>
             <a:r>
-              <a:rPr lang="en-US" sz="1000" dirty="0" err="1">
+              <a:rPr kumimoji="0" lang="en-US" sz="1000" b="0" i="0" u="none" strike="noStrike" kern="1200" cap="none" spc="0" normalizeH="0" baseline="0" noProof="0" dirty="0" err="1">
+                <a:ln>
+                  <a:noFill/>
+                </a:ln>
+                <a:solidFill>
+                  <a:prstClr val="white"/>
+                </a:solidFill>
+                <a:effectLst/>
+                <a:uLnTx/>
+                <a:uFillTx/>
+                <a:latin typeface="Calibri" panose="020F0502020204030204"/>
+                <a:ea typeface="+mn-ea"/>
+                <a:cs typeface="+mn-cs"/>
                 <a:hlinkClick r:id="rId5"/>
               </a:rPr>
               <a:t>fqdn</a:t>
             </a:r>
             <a:r>
-              <a:rPr lang="en-US" sz="1000" dirty="0">
+              <a:rPr kumimoji="0" lang="en-US" sz="1000" b="0" i="0" u="none" strike="noStrike" kern="1200" cap="none" spc="0" normalizeH="0" baseline="0" noProof="0" dirty="0">
+                <a:ln>
+                  <a:noFill/>
+                </a:ln>
+                <a:solidFill>
+                  <a:prstClr val="white"/>
+                </a:solidFill>
+                <a:effectLst/>
+                <a:uLnTx/>
+                <a:uFillTx/>
+                <a:latin typeface="Calibri" panose="020F0502020204030204"/>
+                <a:ea typeface="+mn-ea"/>
+                <a:cs typeface="+mn-cs"/>
                 <a:hlinkClick r:id="rId5"/>
               </a:rPr>
               <a:t> via DNS</a:t>
             </a:r>
-            <a:endParaRPr lang="en-US" sz="1000" dirty="0"/>
+            <a:endParaRPr kumimoji="0" lang="en-US" sz="1000" b="0" i="0" u="none" strike="noStrike" kern="1200" cap="none" spc="0" normalizeH="0" baseline="0" noProof="0" dirty="0">
+              <a:ln>
+                <a:noFill/>
+              </a:ln>
+              <a:solidFill>
+                <a:prstClr val="white"/>
+              </a:solidFill>
+              <a:effectLst/>
+              <a:uLnTx/>
+              <a:uFillTx/>
+              <a:latin typeface="Calibri" panose="020F0502020204030204"/>
+              <a:ea typeface="+mn-ea"/>
+              <a:cs typeface="+mn-cs"/>
+            </a:endParaRPr>
           </a:p>
         </p:txBody>
       </p:sp>
@@ -5644,9 +4854,38 @@
           <a:bodyPr rtlCol="0" anchor="ctr"/>
           <a:lstStyle/>
           <a:p>
-            <a:pPr algn="ctr"/>
-            <a:r>
-              <a:rPr lang="en-US" dirty="0"/>
+            <a:pPr marL="0" marR="0" lvl="0" indent="0" algn="ctr" defTabSz="914400" rtl="0" eaLnBrk="1" fontAlgn="auto" latinLnBrk="0" hangingPunct="1">
+              <a:lnSpc>
+                <a:spcPct val="100000"/>
+              </a:lnSpc>
+              <a:spcBef>
+                <a:spcPts val="0"/>
+              </a:spcBef>
+              <a:spcAft>
+                <a:spcPts val="0"/>
+              </a:spcAft>
+              <a:buClrTx/>
+              <a:buSzTx/>
+              <a:buFontTx/>
+              <a:buNone/>
+              <a:tabLst/>
+              <a:defRPr/>
+            </a:pPr>
+            <a:r>
+              <a:rPr kumimoji="0" lang="en-US" sz="1800" b="0" i="0" u="none" strike="noStrike" kern="1200" cap="none" spc="0" normalizeH="0" baseline="0" noProof="0" dirty="0">
+                <a:ln>
+                  <a:noFill/>
+                </a:ln>
+                <a:solidFill>
+                  <a:prstClr val="white"/>
+                </a:solidFill>
+                <a:effectLst/>
+                <a:uLnTx/>
+                <a:uFillTx/>
+                <a:latin typeface="Calibri" panose="020F0502020204030204"/>
+                <a:ea typeface="+mn-ea"/>
+                <a:cs typeface="+mn-cs"/>
+              </a:rPr>
               <a:t>Application Rules (HTTP,HTTPS,MSSQL)</a:t>
             </a:r>
           </a:p>
@@ -5693,14 +4932,55 @@
           <a:bodyPr rtlCol="0" anchor="ctr"/>
           <a:lstStyle/>
           <a:p>
-            <a:pPr algn="ctr"/>
-            <a:r>
-              <a:rPr lang="en-US" dirty="0">
+            <a:pPr marL="0" marR="0" lvl="0" indent="0" algn="ctr" defTabSz="914400" rtl="0" eaLnBrk="1" fontAlgn="auto" latinLnBrk="0" hangingPunct="1">
+              <a:lnSpc>
+                <a:spcPct val="100000"/>
+              </a:lnSpc>
+              <a:spcBef>
+                <a:spcPts val="0"/>
+              </a:spcBef>
+              <a:spcAft>
+                <a:spcPts val="0"/>
+              </a:spcAft>
+              <a:buClrTx/>
+              <a:buSzTx/>
+              <a:buFontTx/>
+              <a:buNone/>
+              <a:tabLst/>
+              <a:defRPr/>
+            </a:pPr>
+            <a:r>
+              <a:rPr kumimoji="0" lang="en-US" sz="1800" b="0" i="0" u="none" strike="noStrike" kern="1200" cap="none" spc="0" normalizeH="0" baseline="0" noProof="0" dirty="0">
+                <a:ln>
+                  <a:noFill/>
+                </a:ln>
+                <a:solidFill>
+                  <a:prstClr val="white"/>
+                </a:solidFill>
+                <a:effectLst/>
+                <a:uLnTx/>
+                <a:uFillTx/>
+                <a:latin typeface="Calibri" panose="020F0502020204030204"/>
+                <a:ea typeface="+mn-ea"/>
+                <a:cs typeface="+mn-cs"/>
                 <a:hlinkClick r:id="rId6"/>
               </a:rPr>
               <a:t>Default Azure Infra Rules</a:t>
             </a:r>
-            <a:endParaRPr lang="en-US" dirty="0"/>
+            <a:endParaRPr kumimoji="0" lang="en-US" sz="1800" b="0" i="0" u="none" strike="noStrike" kern="1200" cap="none" spc="0" normalizeH="0" baseline="0" noProof="0" dirty="0">
+              <a:ln>
+                <a:noFill/>
+              </a:ln>
+              <a:solidFill>
+                <a:prstClr val="white"/>
+              </a:solidFill>
+              <a:effectLst/>
+              <a:uLnTx/>
+              <a:uFillTx/>
+              <a:latin typeface="Calibri" panose="020F0502020204030204"/>
+              <a:ea typeface="+mn-ea"/>
+              <a:cs typeface="+mn-cs"/>
+            </a:endParaRPr>
           </a:p>
         </p:txBody>
       </p:sp>
@@ -5748,9 +5028,38 @@
           <a:bodyPr rtlCol="0" anchor="ctr"/>
           <a:lstStyle/>
           <a:p>
-            <a:pPr algn="ctr"/>
-            <a:r>
-              <a:rPr lang="en-US" dirty="0"/>
+            <a:pPr marL="0" marR="0" lvl="0" indent="0" algn="ctr" defTabSz="914400" rtl="0" eaLnBrk="1" fontAlgn="auto" latinLnBrk="0" hangingPunct="1">
+              <a:lnSpc>
+                <a:spcPct val="100000"/>
+              </a:lnSpc>
+              <a:spcBef>
+                <a:spcPts val="0"/>
+              </a:spcBef>
+              <a:spcAft>
+                <a:spcPts val="0"/>
+              </a:spcAft>
+              <a:buClrTx/>
+              <a:buSzTx/>
+              <a:buFontTx/>
+              <a:buNone/>
+              <a:tabLst/>
+              <a:defRPr/>
+            </a:pPr>
+            <a:r>
+              <a:rPr kumimoji="0" lang="en-US" sz="1800" b="0" i="0" u="none" strike="noStrike" kern="1200" cap="none" spc="0" normalizeH="0" baseline="0" noProof="0" dirty="0">
+                <a:ln>
+                  <a:noFill/>
+                </a:ln>
+                <a:solidFill>
+                  <a:prstClr val="white"/>
+                </a:solidFill>
+                <a:effectLst/>
+                <a:uLnTx/>
+                <a:uFillTx/>
+                <a:latin typeface="Calibri" panose="020F0502020204030204"/>
+                <a:ea typeface="+mn-ea"/>
+                <a:cs typeface="+mn-cs"/>
+              </a:rPr>
               <a:t>Denied by Default</a:t>
             </a:r>
           </a:p>
@@ -5802,45 +5111,417 @@
           <a:bodyPr rtlCol="0" anchor="ctr"/>
           <a:lstStyle/>
           <a:p>
-            <a:r>
-              <a:rPr lang="en-US" dirty="0"/>
+            <a:pPr marL="0" marR="0" lvl="0" indent="0" algn="l" defTabSz="914400" rtl="0" eaLnBrk="1" fontAlgn="auto" latinLnBrk="0" hangingPunct="1">
+              <a:lnSpc>
+                <a:spcPct val="100000"/>
+              </a:lnSpc>
+              <a:spcBef>
+                <a:spcPts val="0"/>
+              </a:spcBef>
+              <a:spcAft>
+                <a:spcPts val="0"/>
+              </a:spcAft>
+              <a:buClrTx/>
+              <a:buSzTx/>
+              <a:buFontTx/>
+              <a:buNone/>
+              <a:tabLst/>
+              <a:defRPr/>
+            </a:pPr>
+            <a:r>
+              <a:rPr kumimoji="0" lang="en-US" sz="1800" b="0" i="0" u="none" strike="noStrike" kern="1200" cap="none" spc="0" normalizeH="0" baseline="0" noProof="0" dirty="0">
+                <a:ln>
+                  <a:noFill/>
+                </a:ln>
+                <a:solidFill>
+                  <a:prstClr val="white"/>
+                </a:solidFill>
+                <a:effectLst/>
+                <a:uLnTx/>
+                <a:uFillTx/>
+                <a:latin typeface="Calibri" panose="020F0502020204030204"/>
+                <a:ea typeface="+mn-ea"/>
+                <a:cs typeface="+mn-cs"/>
+              </a:rPr>
               <a:t>Rules are priority based lower to higher processing</a:t>
             </a:r>
           </a:p>
           <a:p>
-            <a:endParaRPr lang="en-US" dirty="0"/>
-          </a:p>
-          <a:p>
-            <a:r>
-              <a:rPr lang="en-US" dirty="0"/>
+            <a:pPr marL="0" marR="0" lvl="0" indent="0" algn="l" defTabSz="914400" rtl="0" eaLnBrk="1" fontAlgn="auto" latinLnBrk="0" hangingPunct="1">
+              <a:lnSpc>
+                <a:spcPct val="100000"/>
+              </a:lnSpc>
+              <a:spcBef>
+                <a:spcPts val="0"/>
+              </a:spcBef>
+              <a:spcAft>
+                <a:spcPts val="0"/>
+              </a:spcAft>
+              <a:buClrTx/>
+              <a:buSzTx/>
+              <a:buFontTx/>
+              <a:buNone/>
+              <a:tabLst/>
+              <a:defRPr/>
+            </a:pPr>
+            <a:endParaRPr kumimoji="0" lang="en-US" sz="1800" b="0" i="0" u="none" strike="noStrike" kern="1200" cap="none" spc="0" normalizeH="0" baseline="0" noProof="0" dirty="0">
+              <a:ln>
+                <a:noFill/>
+              </a:ln>
+              <a:solidFill>
+                <a:prstClr val="white"/>
+              </a:solidFill>
+              <a:effectLst/>
+              <a:uLnTx/>
+              <a:uFillTx/>
+              <a:latin typeface="Calibri" panose="020F0502020204030204"/>
+              <a:ea typeface="+mn-ea"/>
+              <a:cs typeface="+mn-cs"/>
+            </a:endParaRPr>
+          </a:p>
+          <a:p>
+            <a:pPr marL="0" marR="0" lvl="0" indent="0" algn="l" defTabSz="914400" rtl="0" eaLnBrk="1" fontAlgn="auto" latinLnBrk="0" hangingPunct="1">
+              <a:lnSpc>
+                <a:spcPct val="100000"/>
+              </a:lnSpc>
+              <a:spcBef>
+                <a:spcPts val="0"/>
+              </a:spcBef>
+              <a:spcAft>
+                <a:spcPts val="0"/>
+              </a:spcAft>
+              <a:buClrTx/>
+              <a:buSzTx/>
+              <a:buFontTx/>
+              <a:buNone/>
+              <a:tabLst/>
+              <a:defRPr/>
+            </a:pPr>
+            <a:r>
+              <a:rPr kumimoji="0" lang="en-US" sz="1800" b="0" i="0" u="none" strike="noStrike" kern="1200" cap="none" spc="0" normalizeH="0" baseline="0" noProof="0" dirty="0">
+                <a:ln>
+                  <a:noFill/>
+                </a:ln>
+                <a:solidFill>
+                  <a:prstClr val="white"/>
+                </a:solidFill>
+                <a:effectLst/>
+                <a:uLnTx/>
+                <a:uFillTx/>
+                <a:latin typeface="Calibri" panose="020F0502020204030204"/>
+                <a:ea typeface="+mn-ea"/>
+                <a:cs typeface="+mn-cs"/>
+              </a:rPr>
               <a:t>Use priority rules in increments of 100 to allow for changes over time</a:t>
             </a:r>
           </a:p>
           <a:p>
-            <a:endParaRPr lang="en-US" dirty="0"/>
-          </a:p>
-          <a:p>
-            <a:r>
-              <a:rPr lang="en-US" dirty="0"/>
+            <a:pPr marL="0" marR="0" lvl="0" indent="0" algn="l" defTabSz="914400" rtl="0" eaLnBrk="1" fontAlgn="auto" latinLnBrk="0" hangingPunct="1">
+              <a:lnSpc>
+                <a:spcPct val="100000"/>
+              </a:lnSpc>
+              <a:spcBef>
+                <a:spcPts val="0"/>
+              </a:spcBef>
+              <a:spcAft>
+                <a:spcPts val="0"/>
+              </a:spcAft>
+              <a:buClrTx/>
+              <a:buSzTx/>
+              <a:buFontTx/>
+              <a:buNone/>
+              <a:tabLst/>
+              <a:defRPr/>
+            </a:pPr>
+            <a:endParaRPr kumimoji="0" lang="en-US" sz="1800" b="0" i="0" u="none" strike="noStrike" kern="1200" cap="none" spc="0" normalizeH="0" baseline="0" noProof="0" dirty="0">
+              <a:ln>
+                <a:noFill/>
+              </a:ln>
+              <a:solidFill>
+                <a:prstClr val="white"/>
+              </a:solidFill>
+              <a:effectLst/>
+              <a:uLnTx/>
+              <a:uFillTx/>
+              <a:latin typeface="Calibri" panose="020F0502020204030204"/>
+              <a:ea typeface="+mn-ea"/>
+              <a:cs typeface="+mn-cs"/>
+            </a:endParaRPr>
+          </a:p>
+          <a:p>
+            <a:pPr marL="0" marR="0" lvl="0" indent="0" algn="l" defTabSz="914400" rtl="0" eaLnBrk="1" fontAlgn="auto" latinLnBrk="0" hangingPunct="1">
+              <a:lnSpc>
+                <a:spcPct val="100000"/>
+              </a:lnSpc>
+              <a:spcBef>
+                <a:spcPts val="0"/>
+              </a:spcBef>
+              <a:spcAft>
+                <a:spcPts val="0"/>
+              </a:spcAft>
+              <a:buClrTx/>
+              <a:buSzTx/>
+              <a:buFontTx/>
+              <a:buNone/>
+              <a:tabLst/>
+              <a:defRPr/>
+            </a:pPr>
+            <a:r>
+              <a:rPr kumimoji="0" lang="en-US" sz="1800" b="0" i="0" u="none" strike="noStrike" kern="1200" cap="none" spc="0" normalizeH="0" baseline="0" noProof="0" dirty="0">
+                <a:ln>
+                  <a:noFill/>
+                </a:ln>
+                <a:solidFill>
+                  <a:prstClr val="white"/>
+                </a:solidFill>
+                <a:effectLst/>
+                <a:uLnTx/>
+                <a:uFillTx/>
+                <a:latin typeface="Calibri" panose="020F0502020204030204"/>
+                <a:ea typeface="+mn-ea"/>
+                <a:cs typeface="+mn-cs"/>
+              </a:rPr>
               <a:t>Once a rule match occurs processing is terminated and Action occurs:</a:t>
             </a:r>
           </a:p>
           <a:p>
-            <a:endParaRPr lang="en-US" dirty="0"/>
-          </a:p>
-          <a:p>
-            <a:r>
-              <a:rPr lang="en-US" dirty="0"/>
+            <a:pPr marL="0" marR="0" lvl="0" indent="0" algn="l" defTabSz="914400" rtl="0" eaLnBrk="1" fontAlgn="auto" latinLnBrk="0" hangingPunct="1">
+              <a:lnSpc>
+                <a:spcPct val="100000"/>
+              </a:lnSpc>
+              <a:spcBef>
+                <a:spcPts val="0"/>
+              </a:spcBef>
+              <a:spcAft>
+                <a:spcPts val="0"/>
+              </a:spcAft>
+              <a:buClrTx/>
+              <a:buSzTx/>
+              <a:buFontTx/>
+              <a:buNone/>
+              <a:tabLst/>
+              <a:defRPr/>
+            </a:pPr>
+            <a:endParaRPr kumimoji="0" lang="en-US" sz="1800" b="0" i="0" u="none" strike="noStrike" kern="1200" cap="none" spc="0" normalizeH="0" baseline="0" noProof="0" dirty="0">
+              <a:ln>
+                <a:noFill/>
+              </a:ln>
+              <a:solidFill>
+                <a:prstClr val="white"/>
+              </a:solidFill>
+              <a:effectLst/>
+              <a:uLnTx/>
+              <a:uFillTx/>
+              <a:latin typeface="Calibri" panose="020F0502020204030204"/>
+              <a:ea typeface="+mn-ea"/>
+              <a:cs typeface="+mn-cs"/>
+            </a:endParaRPr>
+          </a:p>
+          <a:p>
+            <a:pPr marL="0" marR="0" lvl="0" indent="0" algn="l" defTabSz="914400" rtl="0" eaLnBrk="1" fontAlgn="auto" latinLnBrk="0" hangingPunct="1">
+              <a:lnSpc>
+                <a:spcPct val="100000"/>
+              </a:lnSpc>
+              <a:spcBef>
+                <a:spcPts val="0"/>
+              </a:spcBef>
+              <a:spcAft>
+                <a:spcPts val="0"/>
+              </a:spcAft>
+              <a:buClrTx/>
+              <a:buSzTx/>
+              <a:buFontTx/>
+              <a:buNone/>
+              <a:tabLst/>
+              <a:defRPr/>
+            </a:pPr>
+            <a:r>
+              <a:rPr kumimoji="0" lang="en-US" sz="1800" b="0" i="0" u="none" strike="noStrike" kern="1200" cap="none" spc="0" normalizeH="0" baseline="0" noProof="0" dirty="0">
+                <a:ln>
+                  <a:noFill/>
+                </a:ln>
+                <a:solidFill>
+                  <a:prstClr val="white"/>
+                </a:solidFill>
+                <a:effectLst/>
+                <a:uLnTx/>
+                <a:uFillTx/>
+                <a:latin typeface="Calibri" panose="020F0502020204030204"/>
+                <a:ea typeface="+mn-ea"/>
+                <a:cs typeface="+mn-cs"/>
+              </a:rPr>
               <a:t> Audit, Allow, Deny</a:t>
             </a:r>
           </a:p>
           <a:p>
-            <a:pPr algn="ctr"/>
-            <a:endParaRPr lang="en-US" dirty="0"/>
-          </a:p>
-          <a:p>
-            <a:pPr algn="ctr"/>
-            <a:endParaRPr lang="en-US" dirty="0"/>
+            <a:pPr marL="0" marR="0" lvl="0" indent="0" algn="l" defTabSz="914400" rtl="0" eaLnBrk="1" fontAlgn="auto" latinLnBrk="0" hangingPunct="1">
+              <a:lnSpc>
+                <a:spcPct val="100000"/>
+              </a:lnSpc>
+              <a:spcBef>
+                <a:spcPts val="0"/>
+              </a:spcBef>
+              <a:spcAft>
+                <a:spcPts val="0"/>
+              </a:spcAft>
+              <a:buClrTx/>
+              <a:buSzTx/>
+              <a:buFontTx/>
+              <a:buNone/>
+              <a:tabLst/>
+              <a:defRPr/>
+            </a:pPr>
+            <a:endParaRPr lang="en-US" dirty="0">
+              <a:solidFill>
+                <a:prstClr val="white"/>
+              </a:solidFill>
+              <a:latin typeface="Calibri" panose="020F0502020204030204"/>
+            </a:endParaRPr>
+          </a:p>
+          <a:p>
+            <a:pPr marL="0" marR="0" lvl="0" indent="0" algn="l" defTabSz="914400" rtl="0" eaLnBrk="1" fontAlgn="auto" latinLnBrk="0" hangingPunct="1">
+              <a:lnSpc>
+                <a:spcPct val="100000"/>
+              </a:lnSpc>
+              <a:spcBef>
+                <a:spcPts val="0"/>
+              </a:spcBef>
+              <a:spcAft>
+                <a:spcPts val="0"/>
+              </a:spcAft>
+              <a:buClrTx/>
+              <a:buSzTx/>
+              <a:buFontTx/>
+              <a:buNone/>
+              <a:tabLst/>
+              <a:defRPr/>
+            </a:pPr>
+            <a:r>
+              <a:rPr kumimoji="0" lang="en-US" sz="1800" b="0" i="0" u="none" strike="noStrike" kern="1200" cap="none" spc="0" normalizeH="0" baseline="0" noProof="0" dirty="0">
+                <a:ln>
+                  <a:noFill/>
+                </a:ln>
+                <a:solidFill>
+                  <a:prstClr val="white"/>
+                </a:solidFill>
+                <a:effectLst/>
+                <a:uLnTx/>
+                <a:uFillTx/>
+                <a:latin typeface="Calibri" panose="020F0502020204030204"/>
+                <a:ea typeface="+mn-ea"/>
+                <a:cs typeface="+mn-cs"/>
+              </a:rPr>
+              <a:t>If action </a:t>
+            </a:r>
+            <a:r>
+              <a:rPr lang="en-US" dirty="0">
+                <a:solidFill>
+                  <a:prstClr val="white"/>
+                </a:solidFill>
+                <a:latin typeface="Calibri" panose="020F0502020204030204"/>
+              </a:rPr>
+              <a:t>A</a:t>
+            </a:r>
+            <a:r>
+              <a:rPr kumimoji="0" lang="en-US" sz="1800" b="0" i="0" u="none" strike="noStrike" kern="1200" cap="none" spc="0" normalizeH="0" baseline="0" noProof="0" dirty="0" err="1">
+                <a:ln>
+                  <a:noFill/>
+                </a:ln>
+                <a:solidFill>
+                  <a:prstClr val="white"/>
+                </a:solidFill>
+                <a:effectLst/>
+                <a:uLnTx/>
+                <a:uFillTx/>
+                <a:latin typeface="Calibri" panose="020F0502020204030204"/>
+                <a:ea typeface="+mn-ea"/>
+                <a:cs typeface="+mn-cs"/>
+              </a:rPr>
+              <a:t>llow</a:t>
+            </a:r>
+            <a:r>
+              <a:rPr kumimoji="0" lang="en-US" sz="1800" b="0" i="0" u="none" strike="noStrike" kern="1200" cap="none" spc="0" normalizeH="0" baseline="0" noProof="0" dirty="0">
+                <a:ln>
+                  <a:noFill/>
+                </a:ln>
+                <a:solidFill>
+                  <a:prstClr val="white"/>
+                </a:solidFill>
+                <a:effectLst/>
+                <a:uLnTx/>
+                <a:uFillTx/>
+                <a:latin typeface="Calibri" panose="020F0502020204030204"/>
+                <a:ea typeface="+mn-ea"/>
+                <a:cs typeface="+mn-cs"/>
+              </a:rPr>
+              <a:t> then IDPS inspects (TBD)</a:t>
+            </a:r>
+          </a:p>
+          <a:p>
+            <a:pPr marL="0" marR="0" lvl="0" indent="0" algn="ctr" defTabSz="914400" rtl="0" eaLnBrk="1" fontAlgn="auto" latinLnBrk="0" hangingPunct="1">
+              <a:lnSpc>
+                <a:spcPct val="100000"/>
+              </a:lnSpc>
+              <a:spcBef>
+                <a:spcPts val="0"/>
+              </a:spcBef>
+              <a:spcAft>
+                <a:spcPts val="0"/>
+              </a:spcAft>
+              <a:buClrTx/>
+              <a:buSzTx/>
+              <a:buFontTx/>
+              <a:buNone/>
+              <a:tabLst/>
+              <a:defRPr/>
+            </a:pPr>
+            <a:endParaRPr kumimoji="0" lang="en-US" sz="1800" b="0" i="0" u="none" strike="noStrike" kern="1200" cap="none" spc="0" normalizeH="0" baseline="0" noProof="0" dirty="0">
+              <a:ln>
+                <a:noFill/>
+              </a:ln>
+              <a:solidFill>
+                <a:prstClr val="white"/>
+              </a:solidFill>
+              <a:effectLst/>
+              <a:uLnTx/>
+              <a:uFillTx/>
+              <a:latin typeface="Calibri" panose="020F0502020204030204"/>
+              <a:ea typeface="+mn-ea"/>
+              <a:cs typeface="+mn-cs"/>
+            </a:endParaRPr>
+          </a:p>
+          <a:p>
+            <a:pPr marL="0" marR="0" lvl="0" indent="0" algn="ctr" defTabSz="914400" rtl="0" eaLnBrk="1" fontAlgn="auto" latinLnBrk="0" hangingPunct="1">
+              <a:lnSpc>
+                <a:spcPct val="100000"/>
+              </a:lnSpc>
+              <a:spcBef>
+                <a:spcPts val="0"/>
+              </a:spcBef>
+              <a:spcAft>
+                <a:spcPts val="0"/>
+              </a:spcAft>
+              <a:buClrTx/>
+              <a:buSzTx/>
+              <a:buFontTx/>
+              <a:buNone/>
+              <a:tabLst/>
+              <a:defRPr/>
+            </a:pPr>
+            <a:endParaRPr kumimoji="0" lang="en-US" sz="1800" b="0" i="0" u="none" strike="noStrike" kern="1200" cap="none" spc="0" normalizeH="0" baseline="0" noProof="0" dirty="0">
+              <a:ln>
+                <a:noFill/>
+              </a:ln>
+              <a:solidFill>
+                <a:prstClr val="white"/>
+              </a:solidFill>
+              <a:effectLst/>
+              <a:uLnTx/>
+              <a:uFillTx/>
+              <a:latin typeface="Calibri" panose="020F0502020204030204"/>
+              <a:ea typeface="+mn-ea"/>
+              <a:cs typeface="+mn-cs"/>
+            </a:endParaRPr>
           </a:p>
         </p:txBody>
       </p:sp>
@@ -5933,14 +5614,55 @@
           <a:bodyPr rtlCol="0" anchor="ctr"/>
           <a:lstStyle/>
           <a:p>
-            <a:pPr algn="ctr"/>
-            <a:r>
-              <a:rPr lang="en-US" dirty="0">
+            <a:pPr marL="0" marR="0" lvl="0" indent="0" algn="ctr" defTabSz="914400" rtl="0" eaLnBrk="1" fontAlgn="auto" latinLnBrk="0" hangingPunct="1">
+              <a:lnSpc>
+                <a:spcPct val="100000"/>
+              </a:lnSpc>
+              <a:spcBef>
+                <a:spcPts val="0"/>
+              </a:spcBef>
+              <a:spcAft>
+                <a:spcPts val="0"/>
+              </a:spcAft>
+              <a:buClrTx/>
+              <a:buSzTx/>
+              <a:buFontTx/>
+              <a:buNone/>
+              <a:tabLst/>
+              <a:defRPr/>
+            </a:pPr>
+            <a:r>
+              <a:rPr kumimoji="0" lang="en-US" sz="1800" b="0" i="0" u="none" strike="noStrike" kern="1200" cap="none" spc="0" normalizeH="0" baseline="0" noProof="0" dirty="0">
+                <a:ln>
+                  <a:noFill/>
+                </a:ln>
+                <a:solidFill>
+                  <a:prstClr val="white"/>
+                </a:solidFill>
+                <a:effectLst/>
+                <a:uLnTx/>
+                <a:uFillTx/>
+                <a:latin typeface="Calibri" panose="020F0502020204030204"/>
+                <a:ea typeface="+mn-ea"/>
+                <a:cs typeface="+mn-cs"/>
                 <a:hlinkClick r:id="rId7"/>
               </a:rPr>
               <a:t>DNAT Rule</a:t>
             </a:r>
-            <a:endParaRPr lang="en-US" dirty="0"/>
+            <a:endParaRPr kumimoji="0" lang="en-US" sz="1800" b="0" i="0" u="none" strike="noStrike" kern="1200" cap="none" spc="0" normalizeH="0" baseline="0" noProof="0" dirty="0">
+              <a:ln>
+                <a:noFill/>
+              </a:ln>
+              <a:solidFill>
+                <a:prstClr val="white"/>
+              </a:solidFill>
+              <a:effectLst/>
+              <a:uLnTx/>
+              <a:uFillTx/>
+              <a:latin typeface="Calibri" panose="020F0502020204030204"/>
+              <a:ea typeface="+mn-ea"/>
+              <a:cs typeface="+mn-cs"/>
+            </a:endParaRPr>
           </a:p>
         </p:txBody>
       </p:sp>
@@ -5991,23 +5713,110 @@
           <a:bodyPr rtlCol="0" anchor="ctr"/>
           <a:lstStyle/>
           <a:p>
-            <a:pPr algn="ctr"/>
-            <a:r>
-              <a:rPr lang="en-US" sz="1200" dirty="0"/>
+            <a:pPr marL="0" marR="0" lvl="0" indent="0" algn="ctr" defTabSz="914400" rtl="0" eaLnBrk="1" fontAlgn="auto" latinLnBrk="0" hangingPunct="1">
+              <a:lnSpc>
+                <a:spcPct val="100000"/>
+              </a:lnSpc>
+              <a:spcBef>
+                <a:spcPts val="0"/>
+              </a:spcBef>
+              <a:spcAft>
+                <a:spcPts val="0"/>
+              </a:spcAft>
+              <a:buClrTx/>
+              <a:buSzTx/>
+              <a:buFontTx/>
+              <a:buNone/>
+              <a:tabLst/>
+              <a:defRPr/>
+            </a:pPr>
+            <a:r>
+              <a:rPr kumimoji="0" lang="en-US" sz="1200" b="0" i="0" u="none" strike="noStrike" kern="1200" cap="none" spc="0" normalizeH="0" baseline="0" noProof="0" dirty="0">
+                <a:ln>
+                  <a:noFill/>
+                </a:ln>
+                <a:solidFill>
+                  <a:prstClr val="white"/>
+                </a:solidFill>
+                <a:effectLst/>
+                <a:uLnTx/>
+                <a:uFillTx/>
+                <a:latin typeface="Calibri" panose="020F0502020204030204"/>
+                <a:ea typeface="+mn-ea"/>
+                <a:cs typeface="+mn-cs"/>
+              </a:rPr>
               <a:t>Default implicit</a:t>
             </a:r>
           </a:p>
           <a:p>
-            <a:pPr algn="ctr"/>
-            <a:r>
-              <a:rPr lang="en-US" sz="1200" dirty="0"/>
+            <a:pPr marL="0" marR="0" lvl="0" indent="0" algn="ctr" defTabSz="914400" rtl="0" eaLnBrk="1" fontAlgn="auto" latinLnBrk="0" hangingPunct="1">
+              <a:lnSpc>
+                <a:spcPct val="100000"/>
+              </a:lnSpc>
+              <a:spcBef>
+                <a:spcPts val="0"/>
+              </a:spcBef>
+              <a:spcAft>
+                <a:spcPts val="0"/>
+              </a:spcAft>
+              <a:buClrTx/>
+              <a:buSzTx/>
+              <a:buFontTx/>
+              <a:buNone/>
+              <a:tabLst/>
+              <a:defRPr/>
+            </a:pPr>
+            <a:r>
+              <a:rPr kumimoji="0" lang="en-US" sz="1200" b="0" i="0" u="none" strike="noStrike" kern="1200" cap="none" spc="0" normalizeH="0" baseline="0" noProof="0" dirty="0">
+                <a:ln>
+                  <a:noFill/>
+                </a:ln>
+                <a:solidFill>
+                  <a:prstClr val="white"/>
+                </a:solidFill>
+                <a:effectLst/>
+                <a:uLnTx/>
+                <a:uFillTx/>
+                <a:latin typeface="Calibri" panose="020F0502020204030204"/>
+                <a:ea typeface="+mn-ea"/>
+                <a:cs typeface="+mn-cs"/>
+              </a:rPr>
               <a:t>Network Rule</a:t>
             </a:r>
           </a:p>
           <a:p>
-            <a:pPr algn="ctr"/>
-            <a:r>
-              <a:rPr lang="en-US" sz="1200" dirty="0"/>
+            <a:pPr marL="0" marR="0" lvl="0" indent="0" algn="ctr" defTabSz="914400" rtl="0" eaLnBrk="1" fontAlgn="auto" latinLnBrk="0" hangingPunct="1">
+              <a:lnSpc>
+                <a:spcPct val="100000"/>
+              </a:lnSpc>
+              <a:spcBef>
+                <a:spcPts val="0"/>
+              </a:spcBef>
+              <a:spcAft>
+                <a:spcPts val="0"/>
+              </a:spcAft>
+              <a:buClrTx/>
+              <a:buSzTx/>
+              <a:buFontTx/>
+              <a:buNone/>
+              <a:tabLst/>
+              <a:defRPr/>
+            </a:pPr>
+            <a:r>
+              <a:rPr kumimoji="0" lang="en-US" sz="1200" b="0" i="0" u="none" strike="noStrike" kern="1200" cap="none" spc="0" normalizeH="0" baseline="0" noProof="0" dirty="0">
+                <a:ln>
+                  <a:noFill/>
+                </a:ln>
+                <a:solidFill>
+                  <a:prstClr val="white"/>
+                </a:solidFill>
+                <a:effectLst/>
+                <a:uLnTx/>
+                <a:uFillTx/>
+                <a:latin typeface="Calibri" panose="020F0502020204030204"/>
+                <a:ea typeface="+mn-ea"/>
+                <a:cs typeface="+mn-cs"/>
+              </a:rPr>
               <a:t>Created</a:t>
             </a:r>
           </a:p>
@@ -6060,24 +5869,215 @@
           <a:bodyPr rtlCol="0" anchor="ctr"/>
           <a:lstStyle/>
           <a:p>
+            <a:pPr marL="0" marR="0" lvl="0" indent="0" algn="ctr" defTabSz="914400" rtl="0" eaLnBrk="1" fontAlgn="auto" latinLnBrk="0" hangingPunct="1">
+              <a:lnSpc>
+                <a:spcPct val="100000"/>
+              </a:lnSpc>
+              <a:spcBef>
+                <a:spcPts val="0"/>
+              </a:spcBef>
+              <a:spcAft>
+                <a:spcPts val="0"/>
+              </a:spcAft>
+              <a:buClrTx/>
+              <a:buSzTx/>
+              <a:buFontTx/>
+              <a:buNone/>
+              <a:tabLst/>
+              <a:defRPr/>
+            </a:pPr>
+            <a:r>
+              <a:rPr kumimoji="0" lang="en-US" sz="1200" b="0" i="0" u="none" strike="noStrike" kern="1200" cap="none" spc="0" normalizeH="0" baseline="0" noProof="0" dirty="0">
+                <a:ln>
+                  <a:noFill/>
+                </a:ln>
+                <a:solidFill>
+                  <a:prstClr val="white"/>
+                </a:solidFill>
+                <a:effectLst/>
+                <a:uLnTx/>
+                <a:uFillTx/>
+                <a:latin typeface="Calibri" panose="020F0502020204030204"/>
+                <a:ea typeface="+mn-ea"/>
+                <a:cs typeface="+mn-cs"/>
+              </a:rPr>
+              <a:t>Explicit Deny</a:t>
+            </a:r>
+          </a:p>
+          <a:p>
+            <a:pPr marL="0" marR="0" lvl="0" indent="0" algn="ctr" defTabSz="914400" rtl="0" eaLnBrk="1" fontAlgn="auto" latinLnBrk="0" hangingPunct="1">
+              <a:lnSpc>
+                <a:spcPct val="100000"/>
+              </a:lnSpc>
+              <a:spcBef>
+                <a:spcPts val="0"/>
+              </a:spcBef>
+              <a:spcAft>
+                <a:spcPts val="0"/>
+              </a:spcAft>
+              <a:buClrTx/>
+              <a:buSzTx/>
+              <a:buFontTx/>
+              <a:buNone/>
+              <a:tabLst/>
+              <a:defRPr/>
+            </a:pPr>
+            <a:r>
+              <a:rPr kumimoji="0" lang="en-US" sz="1200" b="0" i="0" u="none" strike="noStrike" kern="1200" cap="none" spc="0" normalizeH="0" baseline="0" noProof="0" dirty="0">
+                <a:ln>
+                  <a:noFill/>
+                </a:ln>
+                <a:solidFill>
+                  <a:prstClr val="white"/>
+                </a:solidFill>
+                <a:effectLst/>
+                <a:uLnTx/>
+                <a:uFillTx/>
+                <a:latin typeface="Calibri" panose="020F0502020204030204"/>
+                <a:ea typeface="+mn-ea"/>
+                <a:cs typeface="+mn-cs"/>
+              </a:rPr>
+              <a:t>Network Rule</a:t>
+            </a:r>
+          </a:p>
+          <a:p>
+            <a:pPr marL="0" marR="0" lvl="0" indent="0" algn="ctr" defTabSz="914400" rtl="0" eaLnBrk="1" fontAlgn="auto" latinLnBrk="0" hangingPunct="1">
+              <a:lnSpc>
+                <a:spcPct val="100000"/>
+              </a:lnSpc>
+              <a:spcBef>
+                <a:spcPts val="0"/>
+              </a:spcBef>
+              <a:spcAft>
+                <a:spcPts val="0"/>
+              </a:spcAft>
+              <a:buClrTx/>
+              <a:buSzTx/>
+              <a:buFontTx/>
+              <a:buNone/>
+              <a:tabLst/>
+              <a:defRPr/>
+            </a:pPr>
+            <a:r>
+              <a:rPr kumimoji="0" lang="en-US" sz="1200" b="0" i="0" u="none" strike="noStrike" kern="1200" cap="none" spc="0" normalizeH="0" baseline="0" noProof="0" dirty="0">
+                <a:ln>
+                  <a:noFill/>
+                </a:ln>
+                <a:solidFill>
+                  <a:prstClr val="white"/>
+                </a:solidFill>
+                <a:effectLst/>
+                <a:uLnTx/>
+                <a:uFillTx/>
+                <a:latin typeface="Calibri" panose="020F0502020204030204"/>
+                <a:ea typeface="+mn-ea"/>
+                <a:cs typeface="+mn-cs"/>
+              </a:rPr>
+              <a:t>User must generate</a:t>
+            </a:r>
+          </a:p>
+        </p:txBody>
+      </p:sp>
+      <p:sp>
+        <p:nvSpPr>
+          <p:cNvPr id="5" name="Rectangle 4">
+            <a:extLst>
+              <a:ext uri="{FF2B5EF4-FFF2-40B4-BE49-F238E27FC236}">
+                <a16:creationId xmlns:a16="http://schemas.microsoft.com/office/drawing/2014/main" id="{24B013C4-C63E-44D9-BF7F-B1C56FC10D64}"/>
+              </a:ext>
+            </a:extLst>
+          </p:cNvPr>
+          <p:cNvSpPr/>
+          <p:nvPr/>
+        </p:nvSpPr>
+        <p:spPr>
+          <a:xfrm>
+            <a:off x="3033319" y="3299363"/>
+            <a:ext cx="6137246" cy="164197"/>
+          </a:xfrm>
+          <a:prstGeom prst="rect">
+            <a:avLst/>
+          </a:prstGeom>
+          <a:solidFill>
+            <a:srgbClr val="002060"/>
+          </a:solidFill>
+        </p:spPr>
+        <p:style>
+          <a:lnRef idx="2">
+            <a:schemeClr val="accent1">
+              <a:shade val="50000"/>
+            </a:schemeClr>
+          </a:lnRef>
+          <a:fillRef idx="1">
+            <a:schemeClr val="accent1"/>
+          </a:fillRef>
+          <a:effectRef idx="0">
+            <a:schemeClr val="accent1"/>
+          </a:effectRef>
+          <a:fontRef idx="minor">
+            <a:schemeClr val="lt1"/>
+          </a:fontRef>
+        </p:style>
+        <p:txBody>
+          <a:bodyPr rtlCol="0" anchor="ctr"/>
+          <a:lstStyle/>
+          <a:p>
             <a:pPr algn="ctr"/>
             <a:r>
-              <a:rPr lang="en-US" sz="1200" dirty="0"/>
-              <a:t>Explicit Deny</a:t>
-            </a:r>
-          </a:p>
+              <a:rPr lang="en-US" dirty="0"/>
+              <a:t>IDPS</a:t>
+            </a:r>
+          </a:p>
+        </p:txBody>
+      </p:sp>
+      <p:sp>
+        <p:nvSpPr>
+          <p:cNvPr id="9" name="Rectangle 8">
+            <a:extLst>
+              <a:ext uri="{FF2B5EF4-FFF2-40B4-BE49-F238E27FC236}">
+                <a16:creationId xmlns:a16="http://schemas.microsoft.com/office/drawing/2014/main" id="{9B90D81D-FFCA-4D46-B400-38E08ADEEE5E}"/>
+              </a:ext>
+            </a:extLst>
+          </p:cNvPr>
+          <p:cNvSpPr/>
+          <p:nvPr/>
+        </p:nvSpPr>
+        <p:spPr>
+          <a:xfrm>
+            <a:off x="3033319" y="4233338"/>
+            <a:ext cx="6137246" cy="164197"/>
+          </a:xfrm>
+          <a:prstGeom prst="rect">
+            <a:avLst/>
+          </a:prstGeom>
+          <a:solidFill>
+            <a:srgbClr val="002060"/>
+          </a:solidFill>
+        </p:spPr>
+        <p:style>
+          <a:lnRef idx="2">
+            <a:schemeClr val="accent1">
+              <a:shade val="50000"/>
+            </a:schemeClr>
+          </a:lnRef>
+          <a:fillRef idx="1">
+            <a:schemeClr val="accent1"/>
+          </a:fillRef>
+          <a:effectRef idx="0">
+            <a:schemeClr val="accent1"/>
+          </a:effectRef>
+          <a:fontRef idx="minor">
+            <a:schemeClr val="lt1"/>
+          </a:fontRef>
+        </p:style>
+        <p:txBody>
+          <a:bodyPr rtlCol="0" anchor="ctr"/>
+          <a:lstStyle/>
           <a:p>
             <a:pPr algn="ctr"/>
             <a:r>
-              <a:rPr lang="en-US" sz="1200" dirty="0"/>
-              <a:t>Network Rule</a:t>
-            </a:r>
-          </a:p>
-          <a:p>
-            <a:pPr algn="ctr"/>
-            <a:r>
-              <a:rPr lang="en-US" sz="1200" dirty="0"/>
-              <a:t>User must generate</a:t>
+              <a:rPr lang="en-US" dirty="0"/>
+              <a:t>IDPS</a:t>
             </a:r>
           </a:p>
         </p:txBody>
@@ -6085,7 +6085,7 @@
     </p:spTree>
     <p:extLst>
       <p:ext uri="{BB962C8B-B14F-4D97-AF65-F5344CB8AC3E}">
-        <p14:creationId xmlns:p14="http://schemas.microsoft.com/office/powerpoint/2010/main" val="953273677"/>
+        <p14:creationId xmlns:p14="http://schemas.microsoft.com/office/powerpoint/2010/main" val="828510238"/>
       </p:ext>
     </p:extLst>
   </p:cSld>
